--- a/PPT+Word/智能制造质量预测.pptx
+++ b/PPT+Word/智能制造质量预测.pptx
@@ -343,7 +343,7 @@
           <a:p>
             <a:fld id="{AA5DF391-C7C7-45FD-9C11-539A1B550E1A}" type="datetimeFigureOut">
               <a:rPr lang="zh-CN" altLang="en-US" smtClean="0"/>
-              <a:t>2023/11/8</a:t>
+              <a:t>2023/11/9</a:t>
             </a:fld>
             <a:endParaRPr lang="zh-CN" altLang="en-US"/>
           </a:p>
@@ -541,7 +541,7 @@
           <a:p>
             <a:fld id="{AA5DF391-C7C7-45FD-9C11-539A1B550E1A}" type="datetimeFigureOut">
               <a:rPr lang="zh-CN" altLang="en-US" smtClean="0"/>
-              <a:t>2023/11/8</a:t>
+              <a:t>2023/11/9</a:t>
             </a:fld>
             <a:endParaRPr lang="zh-CN" altLang="en-US"/>
           </a:p>
@@ -749,7 +749,7 @@
           <a:p>
             <a:fld id="{AA5DF391-C7C7-45FD-9C11-539A1B550E1A}" type="datetimeFigureOut">
               <a:rPr lang="zh-CN" altLang="en-US" smtClean="0"/>
-              <a:t>2023/11/8</a:t>
+              <a:t>2023/11/9</a:t>
             </a:fld>
             <a:endParaRPr lang="zh-CN" altLang="en-US"/>
           </a:p>
@@ -947,7 +947,7 @@
           <a:p>
             <a:fld id="{AA5DF391-C7C7-45FD-9C11-539A1B550E1A}" type="datetimeFigureOut">
               <a:rPr lang="zh-CN" altLang="en-US" smtClean="0"/>
-              <a:t>2023/11/8</a:t>
+              <a:t>2023/11/9</a:t>
             </a:fld>
             <a:endParaRPr lang="zh-CN" altLang="en-US"/>
           </a:p>
@@ -1222,7 +1222,7 @@
           <a:p>
             <a:fld id="{AA5DF391-C7C7-45FD-9C11-539A1B550E1A}" type="datetimeFigureOut">
               <a:rPr lang="zh-CN" altLang="en-US" smtClean="0"/>
-              <a:t>2023/11/8</a:t>
+              <a:t>2023/11/9</a:t>
             </a:fld>
             <a:endParaRPr lang="zh-CN" altLang="en-US"/>
           </a:p>
@@ -1487,7 +1487,7 @@
           <a:p>
             <a:fld id="{AA5DF391-C7C7-45FD-9C11-539A1B550E1A}" type="datetimeFigureOut">
               <a:rPr lang="zh-CN" altLang="en-US" smtClean="0"/>
-              <a:t>2023/11/8</a:t>
+              <a:t>2023/11/9</a:t>
             </a:fld>
             <a:endParaRPr lang="zh-CN" altLang="en-US"/>
           </a:p>
@@ -1899,7 +1899,7 @@
           <a:p>
             <a:fld id="{AA5DF391-C7C7-45FD-9C11-539A1B550E1A}" type="datetimeFigureOut">
               <a:rPr lang="zh-CN" altLang="en-US" smtClean="0"/>
-              <a:t>2023/11/8</a:t>
+              <a:t>2023/11/9</a:t>
             </a:fld>
             <a:endParaRPr lang="zh-CN" altLang="en-US"/>
           </a:p>
@@ -2040,7 +2040,7 @@
           <a:p>
             <a:fld id="{AA5DF391-C7C7-45FD-9C11-539A1B550E1A}" type="datetimeFigureOut">
               <a:rPr lang="zh-CN" altLang="en-US" smtClean="0"/>
-              <a:t>2023/11/8</a:t>
+              <a:t>2023/11/9</a:t>
             </a:fld>
             <a:endParaRPr lang="zh-CN" altLang="en-US"/>
           </a:p>
@@ -2153,7 +2153,7 @@
           <a:p>
             <a:fld id="{AA5DF391-C7C7-45FD-9C11-539A1B550E1A}" type="datetimeFigureOut">
               <a:rPr lang="zh-CN" altLang="en-US" smtClean="0"/>
-              <a:t>2023/11/8</a:t>
+              <a:t>2023/11/9</a:t>
             </a:fld>
             <a:endParaRPr lang="zh-CN" altLang="en-US"/>
           </a:p>
@@ -2464,7 +2464,7 @@
           <a:p>
             <a:fld id="{AA5DF391-C7C7-45FD-9C11-539A1B550E1A}" type="datetimeFigureOut">
               <a:rPr lang="zh-CN" altLang="en-US" smtClean="0"/>
-              <a:t>2023/11/8</a:t>
+              <a:t>2023/11/9</a:t>
             </a:fld>
             <a:endParaRPr lang="zh-CN" altLang="en-US"/>
           </a:p>
@@ -2752,7 +2752,7 @@
           <a:p>
             <a:fld id="{AA5DF391-C7C7-45FD-9C11-539A1B550E1A}" type="datetimeFigureOut">
               <a:rPr lang="zh-CN" altLang="en-US" smtClean="0"/>
-              <a:t>2023/11/8</a:t>
+              <a:t>2023/11/9</a:t>
             </a:fld>
             <a:endParaRPr lang="zh-CN" altLang="en-US"/>
           </a:p>
@@ -2993,7 +2993,7 @@
           <a:p>
             <a:fld id="{AA5DF391-C7C7-45FD-9C11-539A1B550E1A}" type="datetimeFigureOut">
               <a:rPr lang="zh-CN" altLang="en-US" smtClean="0"/>
-              <a:t>2023/11/8</a:t>
+              <a:t>2023/11/9</a:t>
             </a:fld>
             <a:endParaRPr lang="zh-CN" altLang="en-US"/>
           </a:p>
@@ -13169,7 +13169,7 @@
                 <a:pPr indent="609600" algn="just" fontAlgn="auto">
                   <a:extLst>
                     <a:ext uri="{35155182-B16C-46BC-9424-99874614C6A1}">
-                      <wpsdc:indentchars xmlns="" xmlns:wpsdc="http://www.wps.cn/officeDocument/2017/drawingmlCustomData" val="200" checksum="4158780845"/>
+                      <wpsdc:indentchars xmlns:wpsdc="http://www.wps.cn/officeDocument/2017/drawingmlCustomData" xmlns="" val="200" checksum="4158780845"/>
                     </a:ext>
                   </a:extLst>
                 </a:pPr>
@@ -13186,7 +13186,7 @@
                 <a:pPr indent="609600" algn="just" fontAlgn="auto">
                   <a:extLst>
                     <a:ext uri="{35155182-B16C-46BC-9424-99874614C6A1}">
-                      <wpsdc:indentchars xmlns="" xmlns:wpsdc="http://www.wps.cn/officeDocument/2017/drawingmlCustomData" val="200" checksum="4158780845"/>
+                      <wpsdc:indentchars xmlns:wpsdc="http://www.wps.cn/officeDocument/2017/drawingmlCustomData" xmlns="" val="200" checksum="4158780845"/>
                     </a:ext>
                   </a:extLst>
                 </a:pPr>
@@ -15289,7 +15289,7 @@
                   <a:defRPr/>
                   <a:extLst>
                     <a:ext uri="{35155182-B16C-46BC-9424-99874614C6A1}">
-                      <wpsdc:indentchars xmlns="" xmlns:wpsdc="http://www.wps.cn/officeDocument/2017/drawingmlCustomData" val="200" checksum="4158780845"/>
+                      <wpsdc:indentchars xmlns:wpsdc="http://www.wps.cn/officeDocument/2017/drawingmlCustomData" xmlns="" val="200" checksum="4158780845"/>
                     </a:ext>
                   </a:extLst>
                 </a:pPr>
@@ -15465,7 +15465,7 @@
                   <a:defRPr/>
                   <a:extLst>
                     <a:ext uri="{35155182-B16C-46BC-9424-99874614C6A1}">
-                      <wpsdc:indentchars xmlns="" xmlns:wpsdc="http://www.wps.cn/officeDocument/2017/drawingmlCustomData" val="200" checksum="4158780845"/>
+                      <wpsdc:indentchars xmlns:wpsdc="http://www.wps.cn/officeDocument/2017/drawingmlCustomData" xmlns="" val="200" checksum="4158780845"/>
                     </a:ext>
                   </a:extLst>
                 </a:pPr>
@@ -15729,7 +15729,7 @@
                   <a:defRPr/>
                   <a:extLst>
                     <a:ext uri="{35155182-B16C-46BC-9424-99874614C6A1}">
-                      <wpsdc:indentchars xmlns="" xmlns:wpsdc="http://www.wps.cn/officeDocument/2017/drawingmlCustomData" val="200" checksum="4158780845"/>
+                      <wpsdc:indentchars xmlns:wpsdc="http://www.wps.cn/officeDocument/2017/drawingmlCustomData" xmlns="" val="200" checksum="4158780845"/>
                     </a:ext>
                   </a:extLst>
                 </a:pPr>
@@ -28705,13 +28705,22 @@
               <a:defRPr/>
             </a:pPr>
             <a:r>
+              <a:rPr lang="zh-CN" altLang="en-US" sz="2000">
+                <a:solidFill>
+                  <a:prstClr val="black"/>
+                </a:solidFill>
+                <a:latin typeface="+mn-ea"/>
+              </a:rPr>
+              <a:t>问题介绍、</a:t>
+            </a:r>
+            <a:r>
               <a:rPr lang="zh-CN" altLang="en-US" sz="2000" dirty="0">
                 <a:solidFill>
                   <a:prstClr val="black"/>
                 </a:solidFill>
                 <a:latin typeface="+mn-ea"/>
               </a:rPr>
-              <a:t>问题背景、数据处理、</a:t>
+              <a:t>数据处理、</a:t>
             </a:r>
             <a:r>
               <a:rPr kumimoji="0" lang="en-US" altLang="zh-CN" sz="2000" b="0" i="0" u="none" strike="noStrike" kern="1200" cap="none" spc="0" normalizeH="0" baseline="0" noProof="0" dirty="0">

--- a/PPT+Word/智能制造质量预测.pptx
+++ b/PPT+Word/智能制造质量预测.pptx
@@ -23,10 +23,10 @@
     <p:sldId id="304" r:id="rId17"/>
     <p:sldId id="323" r:id="rId18"/>
     <p:sldId id="303" r:id="rId19"/>
-    <p:sldId id="324" r:id="rId20"/>
+    <p:sldId id="329" r:id="rId20"/>
     <p:sldId id="269" r:id="rId21"/>
     <p:sldId id="300" r:id="rId22"/>
-    <p:sldId id="317" r:id="rId23"/>
+    <p:sldId id="328" r:id="rId23"/>
     <p:sldId id="316" r:id="rId24"/>
     <p:sldId id="271" r:id="rId25"/>
     <p:sldId id="318" r:id="rId26"/>
@@ -41,41 +41,41 @@
   <p:notesSz cx="6858000" cy="9144000"/>
   <p:embeddedFontLst>
     <p:embeddedFont>
+      <p:font typeface="方正粗黑宋简体" panose="02010600030101010101" charset="-122"/>
+      <p:regular r:id="rId33"/>
+    </p:embeddedFont>
+    <p:embeddedFont>
+      <p:font typeface="Cambria Math" panose="02040503050406030204" pitchFamily="18" charset="0"/>
+      <p:regular r:id="rId34"/>
+    </p:embeddedFont>
+    <p:embeddedFont>
+      <p:font typeface="Tw Cen MT" panose="020B0602020104020603" pitchFamily="34" charset="0"/>
+      <p:regular r:id="rId35"/>
+      <p:bold r:id="rId36"/>
+      <p:italic r:id="rId37"/>
+      <p:boldItalic r:id="rId38"/>
+    </p:embeddedFont>
+    <p:embeddedFont>
+      <p:font typeface="Tw Cen MT Condensed Extra Bold" panose="020B0803020202020204" pitchFamily="34" charset="0"/>
+      <p:regular r:id="rId39"/>
+    </p:embeddedFont>
+    <p:embeddedFont>
       <p:font typeface="等线" panose="02010600030101010101" pitchFamily="2" charset="-122"/>
-      <p:regular r:id="rId33"/>
-      <p:bold r:id="rId34"/>
+      <p:regular r:id="rId40"/>
+      <p:bold r:id="rId41"/>
     </p:embeddedFont>
     <p:embeddedFont>
       <p:font typeface="等线 Light" panose="02010600030101010101" pitchFamily="2" charset="-122"/>
-      <p:regular r:id="rId35"/>
-    </p:embeddedFont>
-    <p:embeddedFont>
-      <p:font typeface="方正粗黑宋简体" panose="02010600030101010101" charset="-122"/>
-      <p:regular r:id="rId36"/>
+      <p:regular r:id="rId42"/>
     </p:embeddedFont>
     <p:embeddedFont>
       <p:font typeface="华文中宋" panose="02010600040101010101" pitchFamily="2" charset="-122"/>
-      <p:regular r:id="rId37"/>
+      <p:regular r:id="rId43"/>
     </p:embeddedFont>
     <p:embeddedFont>
       <p:font typeface="微软雅黑" panose="020B0503020204020204" pitchFamily="34" charset="-122"/>
-      <p:regular r:id="rId38"/>
-      <p:bold r:id="rId39"/>
-    </p:embeddedFont>
-    <p:embeddedFont>
-      <p:font typeface="Cambria Math" panose="02040503050406030204" pitchFamily="18" charset="0"/>
-      <p:regular r:id="rId40"/>
-    </p:embeddedFont>
-    <p:embeddedFont>
-      <p:font typeface="Tw Cen MT" panose="020B0602020104020603" pitchFamily="34" charset="0"/>
-      <p:regular r:id="rId41"/>
-      <p:bold r:id="rId42"/>
-      <p:italic r:id="rId43"/>
-      <p:boldItalic r:id="rId44"/>
-    </p:embeddedFont>
-    <p:embeddedFont>
-      <p:font typeface="Tw Cen MT Condensed Extra Bold" panose="020B0803020202020204" pitchFamily="34" charset="0"/>
-      <p:regular r:id="rId45"/>
+      <p:regular r:id="rId44"/>
+      <p:bold r:id="rId45"/>
     </p:embeddedFont>
   </p:embeddedFontLst>
   <p:defaultTextStyle>
@@ -339,7 +339,7 @@
           <a:p>
             <a:fld id="{AA5DF391-C7C7-45FD-9C11-539A1B550E1A}" type="datetimeFigureOut">
               <a:rPr lang="zh-CN" altLang="en-US" smtClean="0"/>
-              <a:t>2023/11/9</a:t>
+              <a:t>2023/11/10</a:t>
             </a:fld>
             <a:endParaRPr lang="zh-CN" altLang="en-US"/>
           </a:p>
@@ -537,7 +537,7 @@
           <a:p>
             <a:fld id="{AA5DF391-C7C7-45FD-9C11-539A1B550E1A}" type="datetimeFigureOut">
               <a:rPr lang="zh-CN" altLang="en-US" smtClean="0"/>
-              <a:t>2023/11/9</a:t>
+              <a:t>2023/11/10</a:t>
             </a:fld>
             <a:endParaRPr lang="zh-CN" altLang="en-US"/>
           </a:p>
@@ -745,7 +745,7 @@
           <a:p>
             <a:fld id="{AA5DF391-C7C7-45FD-9C11-539A1B550E1A}" type="datetimeFigureOut">
               <a:rPr lang="zh-CN" altLang="en-US" smtClean="0"/>
-              <a:t>2023/11/9</a:t>
+              <a:t>2023/11/10</a:t>
             </a:fld>
             <a:endParaRPr lang="zh-CN" altLang="en-US"/>
           </a:p>
@@ -943,7 +943,7 @@
           <a:p>
             <a:fld id="{AA5DF391-C7C7-45FD-9C11-539A1B550E1A}" type="datetimeFigureOut">
               <a:rPr lang="zh-CN" altLang="en-US" smtClean="0"/>
-              <a:t>2023/11/9</a:t>
+              <a:t>2023/11/10</a:t>
             </a:fld>
             <a:endParaRPr lang="zh-CN" altLang="en-US"/>
           </a:p>
@@ -1218,7 +1218,7 @@
           <a:p>
             <a:fld id="{AA5DF391-C7C7-45FD-9C11-539A1B550E1A}" type="datetimeFigureOut">
               <a:rPr lang="zh-CN" altLang="en-US" smtClean="0"/>
-              <a:t>2023/11/9</a:t>
+              <a:t>2023/11/10</a:t>
             </a:fld>
             <a:endParaRPr lang="zh-CN" altLang="en-US"/>
           </a:p>
@@ -1483,7 +1483,7 @@
           <a:p>
             <a:fld id="{AA5DF391-C7C7-45FD-9C11-539A1B550E1A}" type="datetimeFigureOut">
               <a:rPr lang="zh-CN" altLang="en-US" smtClean="0"/>
-              <a:t>2023/11/9</a:t>
+              <a:t>2023/11/10</a:t>
             </a:fld>
             <a:endParaRPr lang="zh-CN" altLang="en-US"/>
           </a:p>
@@ -1895,7 +1895,7 @@
           <a:p>
             <a:fld id="{AA5DF391-C7C7-45FD-9C11-539A1B550E1A}" type="datetimeFigureOut">
               <a:rPr lang="zh-CN" altLang="en-US" smtClean="0"/>
-              <a:t>2023/11/9</a:t>
+              <a:t>2023/11/10</a:t>
             </a:fld>
             <a:endParaRPr lang="zh-CN" altLang="en-US"/>
           </a:p>
@@ -2036,7 +2036,7 @@
           <a:p>
             <a:fld id="{AA5DF391-C7C7-45FD-9C11-539A1B550E1A}" type="datetimeFigureOut">
               <a:rPr lang="zh-CN" altLang="en-US" smtClean="0"/>
-              <a:t>2023/11/9</a:t>
+              <a:t>2023/11/10</a:t>
             </a:fld>
             <a:endParaRPr lang="zh-CN" altLang="en-US"/>
           </a:p>
@@ -2149,7 +2149,7 @@
           <a:p>
             <a:fld id="{AA5DF391-C7C7-45FD-9C11-539A1B550E1A}" type="datetimeFigureOut">
               <a:rPr lang="zh-CN" altLang="en-US" smtClean="0"/>
-              <a:t>2023/11/9</a:t>
+              <a:t>2023/11/10</a:t>
             </a:fld>
             <a:endParaRPr lang="zh-CN" altLang="en-US"/>
           </a:p>
@@ -2460,7 +2460,7 @@
           <a:p>
             <a:fld id="{AA5DF391-C7C7-45FD-9C11-539A1B550E1A}" type="datetimeFigureOut">
               <a:rPr lang="zh-CN" altLang="en-US" smtClean="0"/>
-              <a:t>2023/11/9</a:t>
+              <a:t>2023/11/10</a:t>
             </a:fld>
             <a:endParaRPr lang="zh-CN" altLang="en-US"/>
           </a:p>
@@ -2748,7 +2748,7 @@
           <a:p>
             <a:fld id="{AA5DF391-C7C7-45FD-9C11-539A1B550E1A}" type="datetimeFigureOut">
               <a:rPr lang="zh-CN" altLang="en-US" smtClean="0"/>
-              <a:t>2023/11/9</a:t>
+              <a:t>2023/11/10</a:t>
             </a:fld>
             <a:endParaRPr lang="zh-CN" altLang="en-US"/>
           </a:p>
@@ -2989,7 +2989,7 @@
           <a:p>
             <a:fld id="{AA5DF391-C7C7-45FD-9C11-539A1B550E1A}" type="datetimeFigureOut">
               <a:rPr lang="zh-CN" altLang="en-US" smtClean="0"/>
-              <a:t>2023/11/9</a:t>
+              <a:t>2023/11/10</a:t>
             </a:fld>
             <a:endParaRPr lang="zh-CN" altLang="en-US"/>
           </a:p>
@@ -8417,6 +8417,481 @@
           </a:p>
         </p:txBody>
       </p:sp>
+      <p:sp>
+        <p:nvSpPr>
+          <p:cNvPr id="9" name="文本框 8">
+            <a:extLst>
+              <a:ext uri="{FF2B5EF4-FFF2-40B4-BE49-F238E27FC236}">
+                <a16:creationId xmlns:a16="http://schemas.microsoft.com/office/drawing/2014/main" id="{40D9E94F-4295-BFA7-CC7D-B53DD9DB1FBE}"/>
+              </a:ext>
+            </a:extLst>
+          </p:cNvPr>
+          <p:cNvSpPr txBox="1"/>
+          <p:nvPr/>
+        </p:nvSpPr>
+        <p:spPr>
+          <a:xfrm>
+            <a:off x="648833" y="1256166"/>
+            <a:ext cx="10359005" cy="1338828"/>
+          </a:xfrm>
+          <a:prstGeom prst="rect">
+            <a:avLst/>
+          </a:prstGeom>
+          <a:noFill/>
+        </p:spPr>
+        <p:txBody>
+          <a:bodyPr wrap="square" rtlCol="0">
+            <a:spAutoFit/>
+          </a:bodyPr>
+          <a:lstStyle/>
+          <a:p>
+            <a:pPr>
+              <a:lnSpc>
+                <a:spcPct val="150000"/>
+              </a:lnSpc>
+            </a:pPr>
+            <a:r>
+              <a:rPr lang="zh-CN" altLang="zh-CN" sz="1400" kern="100" dirty="0">
+                <a:effectLst/>
+                <a:latin typeface="微软雅黑" panose="020B0503020204020204" pitchFamily="34" charset="-122"/>
+                <a:ea typeface="微软雅黑" panose="020B0503020204020204" pitchFamily="34" charset="-122"/>
+                <a:cs typeface="Times New Roman" panose="02020603050405020304" pitchFamily="18" charset="0"/>
+              </a:rPr>
+              <a:t>在统计学中，</a:t>
+            </a:r>
+            <a:r>
+              <a:rPr lang="zh-CN" altLang="zh-CN" sz="1400" kern="100" dirty="0">
+                <a:solidFill>
+                  <a:srgbClr val="FF0000"/>
+                </a:solidFill>
+                <a:effectLst/>
+                <a:latin typeface="微软雅黑" panose="020B0503020204020204" pitchFamily="34" charset="-122"/>
+                <a:ea typeface="微软雅黑" panose="020B0503020204020204" pitchFamily="34" charset="-122"/>
+                <a:cs typeface="Times New Roman" panose="02020603050405020304" pitchFamily="18" charset="0"/>
+              </a:rPr>
+              <a:t>线性回归（</a:t>
+            </a:r>
+            <a:r>
+              <a:rPr lang="en-US" altLang="zh-CN" sz="1400" kern="100" dirty="0">
+                <a:solidFill>
+                  <a:srgbClr val="FF0000"/>
+                </a:solidFill>
+                <a:effectLst/>
+                <a:latin typeface="微软雅黑" panose="020B0503020204020204" pitchFamily="34" charset="-122"/>
+                <a:ea typeface="微软雅黑" panose="020B0503020204020204" pitchFamily="34" charset="-122"/>
+                <a:cs typeface="Times New Roman" panose="02020603050405020304" pitchFamily="18" charset="0"/>
+              </a:rPr>
+              <a:t>Linear Regression</a:t>
+            </a:r>
+            <a:r>
+              <a:rPr lang="zh-CN" altLang="zh-CN" sz="1400" kern="100" dirty="0">
+                <a:solidFill>
+                  <a:srgbClr val="FF0000"/>
+                </a:solidFill>
+                <a:effectLst/>
+                <a:latin typeface="微软雅黑" panose="020B0503020204020204" pitchFamily="34" charset="-122"/>
+                <a:ea typeface="微软雅黑" panose="020B0503020204020204" pitchFamily="34" charset="-122"/>
+                <a:cs typeface="Times New Roman" panose="02020603050405020304" pitchFamily="18" charset="0"/>
+              </a:rPr>
+              <a:t>）</a:t>
+            </a:r>
+            <a:r>
+              <a:rPr lang="zh-CN" altLang="zh-CN" sz="1400" kern="100" dirty="0">
+                <a:effectLst/>
+                <a:latin typeface="微软雅黑" panose="020B0503020204020204" pitchFamily="34" charset="-122"/>
+                <a:ea typeface="微软雅黑" panose="020B0503020204020204" pitchFamily="34" charset="-122"/>
+                <a:cs typeface="Times New Roman" panose="02020603050405020304" pitchFamily="18" charset="0"/>
+              </a:rPr>
+              <a:t>是利用称为线性回归方程的最小平方函数对一个或多个自变量和因变量之间关系进行建模的一种回归分析。这种函数是一个或多个称为回归系数的模型参数的线性组合。只有一个自变量的情况称为简单回归，大于一个自变量情况的叫做</a:t>
+            </a:r>
+            <a:r>
+              <a:rPr lang="zh-CN" altLang="zh-CN" sz="1400" kern="100" dirty="0">
+                <a:solidFill>
+                  <a:srgbClr val="FF0000"/>
+                </a:solidFill>
+                <a:effectLst/>
+                <a:latin typeface="微软雅黑" panose="020B0503020204020204" pitchFamily="34" charset="-122"/>
+                <a:ea typeface="微软雅黑" panose="020B0503020204020204" pitchFamily="34" charset="-122"/>
+                <a:cs typeface="Times New Roman" panose="02020603050405020304" pitchFamily="18" charset="0"/>
+              </a:rPr>
+              <a:t>多元回归</a:t>
+            </a:r>
+            <a:r>
+              <a:rPr lang="zh-CN" altLang="zh-CN" sz="1400" kern="100" dirty="0">
+                <a:effectLst/>
+                <a:latin typeface="微软雅黑" panose="020B0503020204020204" pitchFamily="34" charset="-122"/>
+                <a:ea typeface="微软雅黑" panose="020B0503020204020204" pitchFamily="34" charset="-122"/>
+                <a:cs typeface="Times New Roman" panose="02020603050405020304" pitchFamily="18" charset="0"/>
+              </a:rPr>
+              <a:t>。</a:t>
+            </a:r>
+          </a:p>
+          <a:p>
+            <a:endParaRPr lang="zh-CN" altLang="en-US" dirty="0"/>
+          </a:p>
+        </p:txBody>
+      </p:sp>
+      <p:sp>
+        <p:nvSpPr>
+          <p:cNvPr id="14" name="矩形 13">
+            <a:extLst>
+              <a:ext uri="{FF2B5EF4-FFF2-40B4-BE49-F238E27FC236}">
+                <a16:creationId xmlns:a16="http://schemas.microsoft.com/office/drawing/2014/main" id="{8C79B115-17EB-F21D-D60D-B0AE13BD40A2}"/>
+              </a:ext>
+            </a:extLst>
+          </p:cNvPr>
+          <p:cNvSpPr/>
+          <p:nvPr/>
+        </p:nvSpPr>
+        <p:spPr>
+          <a:xfrm>
+            <a:off x="648833" y="2708555"/>
+            <a:ext cx="1415772" cy="461665"/>
+          </a:xfrm>
+          <a:prstGeom prst="rect">
+            <a:avLst/>
+          </a:prstGeom>
+          <a:noFill/>
+        </p:spPr>
+        <p:txBody>
+          <a:bodyPr wrap="none" lIns="91440" tIns="45720" rIns="91440" bIns="45720">
+            <a:spAutoFit/>
+          </a:bodyPr>
+          <a:lstStyle/>
+          <a:p>
+            <a:pPr algn="ctr"/>
+            <a:r>
+              <a:rPr lang="zh-CN" altLang="en-US" sz="2400" b="0" cap="none" spc="0" dirty="0">
+                <a:ln w="0"/>
+                <a:solidFill>
+                  <a:schemeClr val="tx1"/>
+                </a:solidFill>
+                <a:effectLst>
+                  <a:outerShdw blurRad="38100" dist="19050" dir="2700000" algn="tl" rotWithShape="0">
+                    <a:schemeClr val="dk1">
+                      <a:alpha val="40000"/>
+                    </a:schemeClr>
+                  </a:outerShdw>
+                </a:effectLst>
+              </a:rPr>
+              <a:t>拟合方程</a:t>
+            </a:r>
+          </a:p>
+        </p:txBody>
+      </p:sp>
+      <p:sp>
+        <p:nvSpPr>
+          <p:cNvPr id="15" name="文本框 14">
+            <a:extLst>
+              <a:ext uri="{FF2B5EF4-FFF2-40B4-BE49-F238E27FC236}">
+                <a16:creationId xmlns:a16="http://schemas.microsoft.com/office/drawing/2014/main" id="{7D276391-96EE-6C49-3A80-86F9A23C0761}"/>
+              </a:ext>
+            </a:extLst>
+          </p:cNvPr>
+          <p:cNvSpPr txBox="1"/>
+          <p:nvPr/>
+        </p:nvSpPr>
+        <p:spPr>
+          <a:xfrm>
+            <a:off x="648834" y="3323830"/>
+            <a:ext cx="5352824" cy="1023742"/>
+          </a:xfrm>
+          <a:prstGeom prst="rect">
+            <a:avLst/>
+          </a:prstGeom>
+          <a:noFill/>
+        </p:spPr>
+        <p:txBody>
+          <a:bodyPr wrap="square" rtlCol="0">
+            <a:spAutoFit/>
+          </a:bodyPr>
+          <a:lstStyle/>
+          <a:p>
+            <a:pPr>
+              <a:lnSpc>
+                <a:spcPct val="150000"/>
+              </a:lnSpc>
+            </a:pPr>
+            <a:r>
+              <a:rPr lang="zh-CN" altLang="zh-CN" sz="1400" kern="100" dirty="0">
+                <a:effectLst/>
+                <a:latin typeface="微软雅黑" panose="020B0503020204020204" pitchFamily="34" charset="-122"/>
+                <a:ea typeface="微软雅黑" panose="020B0503020204020204" pitchFamily="34" charset="-122"/>
+                <a:cs typeface="Times New Roman" panose="02020603050405020304" pitchFamily="18" charset="0"/>
+              </a:rPr>
+              <a:t>一般来说，线性回归都可以通过</a:t>
+            </a:r>
+            <a:r>
+              <a:rPr lang="zh-CN" altLang="zh-CN" sz="1400" kern="100" dirty="0">
+                <a:solidFill>
+                  <a:srgbClr val="FF0000"/>
+                </a:solidFill>
+                <a:effectLst/>
+                <a:latin typeface="微软雅黑" panose="020B0503020204020204" pitchFamily="34" charset="-122"/>
+                <a:ea typeface="微软雅黑" panose="020B0503020204020204" pitchFamily="34" charset="-122"/>
+                <a:cs typeface="Times New Roman" panose="02020603050405020304" pitchFamily="18" charset="0"/>
+              </a:rPr>
+              <a:t>最小二乘法</a:t>
+            </a:r>
+            <a:r>
+              <a:rPr lang="zh-CN" altLang="zh-CN" sz="1400" kern="100" dirty="0">
+                <a:effectLst/>
+                <a:latin typeface="微软雅黑" panose="020B0503020204020204" pitchFamily="34" charset="-122"/>
+                <a:ea typeface="微软雅黑" panose="020B0503020204020204" pitchFamily="34" charset="-122"/>
+                <a:cs typeface="Times New Roman" panose="02020603050405020304" pitchFamily="18" charset="0"/>
+              </a:rPr>
+              <a:t>求出其方程，一般地，影响</a:t>
+            </a:r>
+            <a:r>
+              <a:rPr lang="en-US" altLang="zh-CN" sz="1400" kern="100" dirty="0">
+                <a:effectLst/>
+                <a:latin typeface="微软雅黑" panose="020B0503020204020204" pitchFamily="34" charset="-122"/>
+                <a:ea typeface="微软雅黑" panose="020B0503020204020204" pitchFamily="34" charset="-122"/>
+                <a:cs typeface="Times New Roman" panose="02020603050405020304" pitchFamily="18" charset="0"/>
+              </a:rPr>
+              <a:t>y</a:t>
+            </a:r>
+            <a:r>
+              <a:rPr lang="zh-CN" altLang="zh-CN" sz="1400" kern="100" dirty="0">
+                <a:effectLst/>
+                <a:latin typeface="微软雅黑" panose="020B0503020204020204" pitchFamily="34" charset="-122"/>
+                <a:ea typeface="微软雅黑" panose="020B0503020204020204" pitchFamily="34" charset="-122"/>
+                <a:cs typeface="Times New Roman" panose="02020603050405020304" pitchFamily="18" charset="0"/>
+              </a:rPr>
+              <a:t>的因素往往不止一个，假设有</a:t>
+            </a:r>
+            <a:r>
+              <a:rPr lang="en-US" altLang="zh-CN" sz="1400" kern="100" dirty="0">
+                <a:effectLst/>
+                <a:latin typeface="微软雅黑" panose="020B0503020204020204" pitchFamily="34" charset="-122"/>
+                <a:ea typeface="微软雅黑" panose="020B0503020204020204" pitchFamily="34" charset="-122"/>
+                <a:cs typeface="Times New Roman" panose="02020603050405020304" pitchFamily="18" charset="0"/>
+              </a:rPr>
+              <a:t>x</a:t>
+            </a:r>
+            <a:r>
+              <a:rPr lang="en-US" altLang="zh-CN" sz="1400" kern="100" baseline="-25000" dirty="0">
+                <a:effectLst/>
+                <a:latin typeface="微软雅黑" panose="020B0503020204020204" pitchFamily="34" charset="-122"/>
+                <a:ea typeface="微软雅黑" panose="020B0503020204020204" pitchFamily="34" charset="-122"/>
+                <a:cs typeface="Times New Roman" panose="02020603050405020304" pitchFamily="18" charset="0"/>
+              </a:rPr>
+              <a:t>1</a:t>
+            </a:r>
+            <a:r>
+              <a:rPr lang="zh-CN" altLang="zh-CN" sz="1400" kern="100" dirty="0">
+                <a:effectLst/>
+                <a:latin typeface="微软雅黑" panose="020B0503020204020204" pitchFamily="34" charset="-122"/>
+                <a:ea typeface="微软雅黑" panose="020B0503020204020204" pitchFamily="34" charset="-122"/>
+                <a:cs typeface="Times New Roman" panose="02020603050405020304" pitchFamily="18" charset="0"/>
+              </a:rPr>
+              <a:t>，</a:t>
+            </a:r>
+            <a:r>
+              <a:rPr lang="en-US" altLang="zh-CN" sz="1400" kern="100" dirty="0">
+                <a:effectLst/>
+                <a:latin typeface="微软雅黑" panose="020B0503020204020204" pitchFamily="34" charset="-122"/>
+                <a:ea typeface="微软雅黑" panose="020B0503020204020204" pitchFamily="34" charset="-122"/>
+                <a:cs typeface="Times New Roman" panose="02020603050405020304" pitchFamily="18" charset="0"/>
+              </a:rPr>
+              <a:t>x</a:t>
+            </a:r>
+            <a:r>
+              <a:rPr lang="en-US" altLang="zh-CN" sz="1400" kern="100" baseline="-25000" dirty="0">
+                <a:effectLst/>
+                <a:latin typeface="微软雅黑" panose="020B0503020204020204" pitchFamily="34" charset="-122"/>
+                <a:ea typeface="微软雅黑" panose="020B0503020204020204" pitchFamily="34" charset="-122"/>
+                <a:cs typeface="Times New Roman" panose="02020603050405020304" pitchFamily="18" charset="0"/>
+              </a:rPr>
+              <a:t>2</a:t>
+            </a:r>
+            <a:r>
+              <a:rPr lang="zh-CN" altLang="zh-CN" sz="1400" kern="100" dirty="0">
+                <a:effectLst/>
+                <a:latin typeface="微软雅黑" panose="020B0503020204020204" pitchFamily="34" charset="-122"/>
+                <a:ea typeface="微软雅黑" panose="020B0503020204020204" pitchFamily="34" charset="-122"/>
+                <a:cs typeface="Times New Roman" panose="02020603050405020304" pitchFamily="18" charset="0"/>
+              </a:rPr>
+              <a:t>，</a:t>
+            </a:r>
+            <a:r>
+              <a:rPr lang="en-US" altLang="zh-CN" sz="1400" kern="100" dirty="0">
+                <a:effectLst/>
+                <a:latin typeface="微软雅黑" panose="020B0503020204020204" pitchFamily="34" charset="-122"/>
+                <a:ea typeface="微软雅黑" panose="020B0503020204020204" pitchFamily="34" charset="-122"/>
+                <a:cs typeface="Times New Roman" panose="02020603050405020304" pitchFamily="18" charset="0"/>
+              </a:rPr>
+              <a:t>...</a:t>
+            </a:r>
+            <a:r>
+              <a:rPr lang="zh-CN" altLang="zh-CN" sz="1400" kern="100" dirty="0">
+                <a:effectLst/>
+                <a:latin typeface="微软雅黑" panose="020B0503020204020204" pitchFamily="34" charset="-122"/>
+                <a:ea typeface="微软雅黑" panose="020B0503020204020204" pitchFamily="34" charset="-122"/>
+                <a:cs typeface="Times New Roman" panose="02020603050405020304" pitchFamily="18" charset="0"/>
+              </a:rPr>
+              <a:t>，</a:t>
+            </a:r>
+            <a:r>
+              <a:rPr lang="en-US" altLang="zh-CN" sz="1400" kern="100" dirty="0" err="1">
+                <a:effectLst/>
+                <a:latin typeface="微软雅黑" panose="020B0503020204020204" pitchFamily="34" charset="-122"/>
+                <a:ea typeface="微软雅黑" panose="020B0503020204020204" pitchFamily="34" charset="-122"/>
+                <a:cs typeface="Times New Roman" panose="02020603050405020304" pitchFamily="18" charset="0"/>
+              </a:rPr>
+              <a:t>x</a:t>
+            </a:r>
+            <a:r>
+              <a:rPr lang="en-US" altLang="zh-CN" sz="1400" kern="100" baseline="-25000" dirty="0" err="1">
+                <a:effectLst/>
+                <a:latin typeface="微软雅黑" panose="020B0503020204020204" pitchFamily="34" charset="-122"/>
+                <a:ea typeface="微软雅黑" panose="020B0503020204020204" pitchFamily="34" charset="-122"/>
+                <a:cs typeface="Times New Roman" panose="02020603050405020304" pitchFamily="18" charset="0"/>
+              </a:rPr>
+              <a:t>k</a:t>
+            </a:r>
+            <a:r>
+              <a:rPr lang="zh-CN" altLang="zh-CN" sz="1400" kern="100" dirty="0">
+                <a:effectLst/>
+                <a:latin typeface="微软雅黑" panose="020B0503020204020204" pitchFamily="34" charset="-122"/>
+                <a:ea typeface="微软雅黑" panose="020B0503020204020204" pitchFamily="34" charset="-122"/>
+                <a:cs typeface="Times New Roman" panose="02020603050405020304" pitchFamily="18" charset="0"/>
+              </a:rPr>
+              <a:t>，</a:t>
+            </a:r>
+            <a:r>
+              <a:rPr lang="en-US" altLang="zh-CN" sz="1400" kern="100" dirty="0">
+                <a:effectLst/>
+                <a:latin typeface="微软雅黑" panose="020B0503020204020204" pitchFamily="34" charset="-122"/>
+                <a:ea typeface="微软雅黑" panose="020B0503020204020204" pitchFamily="34" charset="-122"/>
+                <a:cs typeface="Times New Roman" panose="02020603050405020304" pitchFamily="18" charset="0"/>
+              </a:rPr>
+              <a:t>k</a:t>
+            </a:r>
+            <a:r>
+              <a:rPr lang="zh-CN" altLang="zh-CN" sz="1400" kern="100" dirty="0">
+                <a:effectLst/>
+                <a:latin typeface="微软雅黑" panose="020B0503020204020204" pitchFamily="34" charset="-122"/>
+                <a:ea typeface="微软雅黑" panose="020B0503020204020204" pitchFamily="34" charset="-122"/>
+                <a:cs typeface="Times New Roman" panose="02020603050405020304" pitchFamily="18" charset="0"/>
+              </a:rPr>
+              <a:t>个因素，通常可考虑如下的线性关系式：</a:t>
+            </a:r>
+            <a:endParaRPr lang="zh-CN" altLang="en-US" sz="1400" dirty="0">
+              <a:latin typeface="微软雅黑" panose="020B0503020204020204" pitchFamily="34" charset="-122"/>
+              <a:ea typeface="微软雅黑" panose="020B0503020204020204" pitchFamily="34" charset="-122"/>
+            </a:endParaRPr>
+          </a:p>
+        </p:txBody>
+      </p:sp>
+      <p:pic>
+        <p:nvPicPr>
+          <p:cNvPr id="17" name="图片 16">
+            <a:extLst>
+              <a:ext uri="{FF2B5EF4-FFF2-40B4-BE49-F238E27FC236}">
+                <a16:creationId xmlns:a16="http://schemas.microsoft.com/office/drawing/2014/main" id="{6528B21B-AC0F-9147-04CD-101F609D9E10}"/>
+              </a:ext>
+            </a:extLst>
+          </p:cNvPr>
+          <p:cNvPicPr>
+            <a:picLocks noChangeAspect="1"/>
+          </p:cNvPicPr>
+          <p:nvPr/>
+        </p:nvPicPr>
+        <p:blipFill>
+          <a:blip r:embed="rId4"/>
+          <a:stretch>
+            <a:fillRect/>
+          </a:stretch>
+        </p:blipFill>
+        <p:spPr>
+          <a:xfrm>
+            <a:off x="812924" y="4457132"/>
+            <a:ext cx="5015411" cy="323575"/>
+          </a:xfrm>
+          <a:prstGeom prst="rect">
+            <a:avLst/>
+          </a:prstGeom>
+        </p:spPr>
+      </p:pic>
+      <p:pic>
+        <p:nvPicPr>
+          <p:cNvPr id="18" name="图片 17">
+            <a:extLst>
+              <a:ext uri="{FF2B5EF4-FFF2-40B4-BE49-F238E27FC236}">
+                <a16:creationId xmlns:a16="http://schemas.microsoft.com/office/drawing/2014/main" id="{BDE946C8-340C-CF2E-B184-2BBB396F5FA1}"/>
+              </a:ext>
+            </a:extLst>
+          </p:cNvPr>
+          <p:cNvPicPr>
+            <a:picLocks noChangeAspect="1"/>
+          </p:cNvPicPr>
+          <p:nvPr/>
+        </p:nvPicPr>
+        <p:blipFill>
+          <a:blip r:embed="rId5"/>
+          <a:stretch>
+            <a:fillRect/>
+          </a:stretch>
+        </p:blipFill>
+        <p:spPr>
+          <a:xfrm>
+            <a:off x="7069088" y="3170220"/>
+            <a:ext cx="4945455" cy="1645583"/>
+          </a:xfrm>
+          <a:prstGeom prst="rect">
+            <a:avLst/>
+          </a:prstGeom>
+        </p:spPr>
+      </p:pic>
+      <p:sp>
+        <p:nvSpPr>
+          <p:cNvPr id="19" name="文本框 18">
+            <a:extLst>
+              <a:ext uri="{FF2B5EF4-FFF2-40B4-BE49-F238E27FC236}">
+                <a16:creationId xmlns:a16="http://schemas.microsoft.com/office/drawing/2014/main" id="{1269D830-3A57-6A27-B5DB-024423F6B1C5}"/>
+              </a:ext>
+            </a:extLst>
+          </p:cNvPr>
+          <p:cNvSpPr txBox="1"/>
+          <p:nvPr/>
+        </p:nvSpPr>
+        <p:spPr>
+          <a:xfrm>
+            <a:off x="6938965" y="4780707"/>
+            <a:ext cx="4945455" cy="377411"/>
+          </a:xfrm>
+          <a:prstGeom prst="rect">
+            <a:avLst/>
+          </a:prstGeom>
+          <a:noFill/>
+        </p:spPr>
+        <p:txBody>
+          <a:bodyPr wrap="square" rtlCol="0">
+            <a:spAutoFit/>
+          </a:bodyPr>
+          <a:lstStyle/>
+          <a:p>
+            <a:pPr indent="292100" algn="just">
+              <a:lnSpc>
+                <a:spcPct val="150000"/>
+              </a:lnSpc>
+            </a:pPr>
+            <a:r>
+              <a:rPr lang="zh-CN" altLang="zh-CN" sz="1400" kern="100" dirty="0">
+                <a:solidFill>
+                  <a:srgbClr val="FF0000"/>
+                </a:solidFill>
+                <a:effectLst/>
+                <a:latin typeface="微软雅黑" panose="020B0503020204020204" pitchFamily="34" charset="-122"/>
+                <a:ea typeface="微软雅黑" panose="020B0503020204020204" pitchFamily="34" charset="-122"/>
+                <a:cs typeface="Times New Roman" panose="02020603050405020304" pitchFamily="18" charset="0"/>
+              </a:rPr>
+              <a:t>用“距离直线的竖直距离的平方”反应误差</a:t>
+            </a:r>
+          </a:p>
+        </p:txBody>
+      </p:sp>
     </p:spTree>
     <p:extLst>
       <p:ext uri="{BB962C8B-B14F-4D97-AF65-F5344CB8AC3E}">
@@ -8600,6 +9075,123 @@
       </p:cxnSp>
       <p:sp>
         <p:nvSpPr>
+          <p:cNvPr id="29" name="文本框 28">
+            <a:extLst>
+              <a:ext uri="{FF2B5EF4-FFF2-40B4-BE49-F238E27FC236}">
+                <a16:creationId xmlns:a16="http://schemas.microsoft.com/office/drawing/2014/main" id="{C973902D-C0EC-CE8F-ECC2-A6B3AD5F8278}"/>
+              </a:ext>
+            </a:extLst>
+          </p:cNvPr>
+          <p:cNvSpPr txBox="1"/>
+          <p:nvPr/>
+        </p:nvSpPr>
+        <p:spPr>
+          <a:xfrm>
+            <a:off x="7036762" y="1062507"/>
+            <a:ext cx="5304382" cy="923330"/>
+          </a:xfrm>
+          <a:prstGeom prst="rect">
+            <a:avLst/>
+          </a:prstGeom>
+          <a:noFill/>
+        </p:spPr>
+        <p:txBody>
+          <a:bodyPr wrap="square" rtlCol="0">
+            <a:spAutoFit/>
+          </a:bodyPr>
+          <a:lstStyle/>
+          <a:p>
+            <a:r>
+              <a:rPr lang="en-US" altLang="zh-CN" b="0" dirty="0" err="1">
+                <a:effectLst/>
+                <a:latin typeface="微软雅黑" panose="020B0503020204020204" pitchFamily="34" charset="-122"/>
+                <a:ea typeface="微软雅黑" panose="020B0503020204020204" pitchFamily="34" charset="-122"/>
+              </a:rPr>
+              <a:t>lrg</a:t>
+            </a:r>
+            <a:r>
+              <a:rPr lang="en-US" altLang="zh-CN" b="0" dirty="0">
+                <a:effectLst/>
+                <a:latin typeface="微软雅黑" panose="020B0503020204020204" pitchFamily="34" charset="-122"/>
+                <a:ea typeface="微软雅黑" panose="020B0503020204020204" pitchFamily="34" charset="-122"/>
+              </a:rPr>
+              <a:t> = </a:t>
+            </a:r>
+            <a:r>
+              <a:rPr lang="en-US" altLang="zh-CN" b="0" dirty="0" err="1">
+                <a:effectLst/>
+                <a:latin typeface="微软雅黑" panose="020B0503020204020204" pitchFamily="34" charset="-122"/>
+                <a:ea typeface="微软雅黑" panose="020B0503020204020204" pitchFamily="34" charset="-122"/>
+              </a:rPr>
+              <a:t>LinearRegression</a:t>
+            </a:r>
+            <a:r>
+              <a:rPr lang="en-US" altLang="zh-CN" b="0" dirty="0">
+                <a:effectLst/>
+                <a:latin typeface="微软雅黑" panose="020B0503020204020204" pitchFamily="34" charset="-122"/>
+                <a:ea typeface="微软雅黑" panose="020B0503020204020204" pitchFamily="34" charset="-122"/>
+              </a:rPr>
+              <a:t>();</a:t>
+            </a:r>
+          </a:p>
+          <a:p>
+            <a:r>
+              <a:rPr lang="en-US" altLang="zh-CN" b="0" dirty="0">
+                <a:effectLst/>
+                <a:latin typeface="微软雅黑" panose="020B0503020204020204" pitchFamily="34" charset="-122"/>
+                <a:ea typeface="微软雅黑" panose="020B0503020204020204" pitchFamily="34" charset="-122"/>
+              </a:rPr>
+              <a:t>model = </a:t>
+            </a:r>
+            <a:r>
+              <a:rPr lang="en-US" altLang="zh-CN" b="0" dirty="0" err="1">
+                <a:effectLst/>
+                <a:latin typeface="微软雅黑" panose="020B0503020204020204" pitchFamily="34" charset="-122"/>
+                <a:ea typeface="微软雅黑" panose="020B0503020204020204" pitchFamily="34" charset="-122"/>
+              </a:rPr>
+              <a:t>lrg.fit</a:t>
+            </a:r>
+            <a:r>
+              <a:rPr lang="en-US" altLang="zh-CN" b="0" dirty="0">
+                <a:effectLst/>
+                <a:latin typeface="微软雅黑" panose="020B0503020204020204" pitchFamily="34" charset="-122"/>
+                <a:ea typeface="微软雅黑" panose="020B0503020204020204" pitchFamily="34" charset="-122"/>
+              </a:rPr>
+              <a:t>(</a:t>
+            </a:r>
+            <a:r>
+              <a:rPr lang="en-US" altLang="zh-CN" b="0" dirty="0" err="1">
+                <a:effectLst/>
+                <a:latin typeface="微软雅黑" panose="020B0503020204020204" pitchFamily="34" charset="-122"/>
+                <a:ea typeface="微软雅黑" panose="020B0503020204020204" pitchFamily="34" charset="-122"/>
+              </a:rPr>
+              <a:t>X_train,Y_train</a:t>
+            </a:r>
+            <a:r>
+              <a:rPr lang="en-US" altLang="zh-CN" b="0" dirty="0">
+                <a:effectLst/>
+                <a:latin typeface="微软雅黑" panose="020B0503020204020204" pitchFamily="34" charset="-122"/>
+                <a:ea typeface="微软雅黑" panose="020B0503020204020204" pitchFamily="34" charset="-122"/>
+              </a:rPr>
+              <a:t>);  #</a:t>
+            </a:r>
+            <a:r>
+              <a:rPr lang="zh-CN" altLang="en-US" b="0" dirty="0">
+                <a:effectLst/>
+                <a:latin typeface="微软雅黑" panose="020B0503020204020204" pitchFamily="34" charset="-122"/>
+                <a:ea typeface="微软雅黑" panose="020B0503020204020204" pitchFamily="34" charset="-122"/>
+              </a:rPr>
+              <a:t>训练</a:t>
+            </a:r>
+          </a:p>
+          <a:p>
+            <a:pPr algn="ctr"/>
+            <a:endParaRPr lang="zh-CN" altLang="en-US" dirty="0"/>
+          </a:p>
+        </p:txBody>
+      </p:sp>
+      <p:sp>
+        <p:nvSpPr>
           <p:cNvPr id="3" name="文本框 2">
             <a:extLst>
               <a:ext uri="{FF2B5EF4-FFF2-40B4-BE49-F238E27FC236}">
@@ -8658,6 +9250,298 @@
                 <a:ea typeface="微软雅黑" panose="020B0503020204020204" pitchFamily="34" charset="-122"/>
               </a:rPr>
               <a:t>线性回归</a:t>
+            </a:r>
+          </a:p>
+        </p:txBody>
+      </p:sp>
+      <p:pic>
+        <p:nvPicPr>
+          <p:cNvPr id="4" name="图片 3">
+            <a:extLst>
+              <a:ext uri="{FF2B5EF4-FFF2-40B4-BE49-F238E27FC236}">
+                <a16:creationId xmlns:a16="http://schemas.microsoft.com/office/drawing/2014/main" id="{C6E019CB-9C77-E1F8-FDEA-30A0BB37A728}"/>
+              </a:ext>
+            </a:extLst>
+          </p:cNvPr>
+          <p:cNvPicPr>
+            <a:picLocks noChangeAspect="1"/>
+          </p:cNvPicPr>
+          <p:nvPr/>
+        </p:nvPicPr>
+        <p:blipFill>
+          <a:blip r:embed="rId4">
+            <a:extLst>
+              <a:ext uri="{28A0092B-C50C-407E-A947-70E740481C1C}">
+                <a14:useLocalDpi xmlns:a14="http://schemas.microsoft.com/office/drawing/2010/main" val="0"/>
+              </a:ext>
+            </a:extLst>
+          </a:blip>
+          <a:stretch>
+            <a:fillRect/>
+          </a:stretch>
+        </p:blipFill>
+        <p:spPr>
+          <a:xfrm>
+            <a:off x="153735" y="1595724"/>
+            <a:ext cx="6804784" cy="3365382"/>
+          </a:xfrm>
+          <a:prstGeom prst="rect">
+            <a:avLst/>
+          </a:prstGeom>
+        </p:spPr>
+      </p:pic>
+      <p:sp>
+        <p:nvSpPr>
+          <p:cNvPr id="5" name="矩形 4">
+            <a:extLst>
+              <a:ext uri="{FF2B5EF4-FFF2-40B4-BE49-F238E27FC236}">
+                <a16:creationId xmlns:a16="http://schemas.microsoft.com/office/drawing/2014/main" id="{95801B96-3CAD-0544-73DE-4BF78ECF27C6}"/>
+              </a:ext>
+            </a:extLst>
+          </p:cNvPr>
+          <p:cNvSpPr/>
+          <p:nvPr/>
+        </p:nvSpPr>
+        <p:spPr>
+          <a:xfrm>
+            <a:off x="271254" y="1110349"/>
+            <a:ext cx="2048014" cy="461665"/>
+          </a:xfrm>
+          <a:prstGeom prst="rect">
+            <a:avLst/>
+          </a:prstGeom>
+          <a:noFill/>
+        </p:spPr>
+        <p:txBody>
+          <a:bodyPr wrap="square" lIns="91440" tIns="45720" rIns="91440" bIns="45720">
+            <a:spAutoFit/>
+          </a:bodyPr>
+          <a:lstStyle/>
+          <a:p>
+            <a:pPr algn="ctr"/>
+            <a:r>
+              <a:rPr lang="zh-CN" altLang="en-US" sz="2400" b="1" cap="none" spc="0" dirty="0">
+                <a:ln w="12700" cmpd="sng">
+                  <a:solidFill>
+                    <a:schemeClr val="accent4"/>
+                  </a:solidFill>
+                  <a:prstDash val="solid"/>
+                </a:ln>
+                <a:gradFill>
+                  <a:gsLst>
+                    <a:gs pos="0">
+                      <a:schemeClr val="accent4"/>
+                    </a:gs>
+                    <a:gs pos="4000">
+                      <a:schemeClr val="accent4">
+                        <a:lumMod val="60000"/>
+                        <a:lumOff val="40000"/>
+                      </a:schemeClr>
+                    </a:gs>
+                    <a:gs pos="87000">
+                      <a:schemeClr val="accent4">
+                        <a:lumMod val="20000"/>
+                        <a:lumOff val="80000"/>
+                      </a:schemeClr>
+                    </a:gs>
+                  </a:gsLst>
+                  <a:lin ang="5400000"/>
+                </a:gradFill>
+                <a:effectLst/>
+              </a:rPr>
+              <a:t>模型训练</a:t>
+            </a:r>
+          </a:p>
+        </p:txBody>
+      </p:sp>
+      <p:sp>
+        <p:nvSpPr>
+          <p:cNvPr id="6" name="文本框 5">
+            <a:extLst>
+              <a:ext uri="{FF2B5EF4-FFF2-40B4-BE49-F238E27FC236}">
+                <a16:creationId xmlns:a16="http://schemas.microsoft.com/office/drawing/2014/main" id="{F43F4625-99A6-94CC-D321-1576465816B4}"/>
+              </a:ext>
+            </a:extLst>
+          </p:cNvPr>
+          <p:cNvSpPr txBox="1"/>
+          <p:nvPr/>
+        </p:nvSpPr>
+        <p:spPr>
+          <a:xfrm>
+            <a:off x="6958519" y="2101181"/>
+            <a:ext cx="4740613" cy="1338828"/>
+          </a:xfrm>
+          <a:prstGeom prst="rect">
+            <a:avLst/>
+          </a:prstGeom>
+          <a:noFill/>
+        </p:spPr>
+        <p:txBody>
+          <a:bodyPr wrap="square" rtlCol="0">
+            <a:spAutoFit/>
+          </a:bodyPr>
+          <a:lstStyle/>
+          <a:p>
+            <a:pPr>
+              <a:lnSpc>
+                <a:spcPct val="150000"/>
+              </a:lnSpc>
+            </a:pPr>
+            <a:r>
+              <a:rPr lang="zh-CN" altLang="zh-CN" sz="1400" kern="100" dirty="0">
+                <a:effectLst/>
+                <a:latin typeface="微软雅黑" panose="020B0503020204020204" pitchFamily="34" charset="-122"/>
+                <a:ea typeface="微软雅黑" panose="020B0503020204020204" pitchFamily="34" charset="-122"/>
+                <a:cs typeface="Times New Roman" panose="02020603050405020304" pitchFamily="18" charset="0"/>
+              </a:rPr>
+              <a:t>先是对训练集的数据进行线性回归的模型训练</a:t>
+            </a:r>
+          </a:p>
+          <a:p>
+            <a:pPr>
+              <a:lnSpc>
+                <a:spcPct val="150000"/>
+              </a:lnSpc>
+            </a:pPr>
+            <a:r>
+              <a:rPr lang="zh-CN" altLang="zh-CN" sz="1400" kern="100" dirty="0">
+                <a:effectLst/>
+                <a:latin typeface="微软雅黑" panose="020B0503020204020204" pitchFamily="34" charset="-122"/>
+                <a:ea typeface="微软雅黑" panose="020B0503020204020204" pitchFamily="34" charset="-122"/>
+                <a:cs typeface="Times New Roman" panose="02020603050405020304" pitchFamily="18" charset="0"/>
+              </a:rPr>
+              <a:t>将训练集的多元数据与</a:t>
+            </a:r>
+            <a:r>
+              <a:rPr lang="en-US" altLang="zh-CN" sz="1400" kern="100" dirty="0">
+                <a:effectLst/>
+                <a:latin typeface="微软雅黑" panose="020B0503020204020204" pitchFamily="34" charset="-122"/>
+                <a:ea typeface="微软雅黑" panose="020B0503020204020204" pitchFamily="34" charset="-122"/>
+                <a:cs typeface="Times New Roman" panose="02020603050405020304" pitchFamily="18" charset="0"/>
+              </a:rPr>
+              <a:t>Value</a:t>
+            </a:r>
+            <a:r>
+              <a:rPr lang="zh-CN" altLang="zh-CN" sz="1400" kern="100" dirty="0">
+                <a:effectLst/>
+                <a:latin typeface="微软雅黑" panose="020B0503020204020204" pitchFamily="34" charset="-122"/>
+                <a:ea typeface="微软雅黑" panose="020B0503020204020204" pitchFamily="34" charset="-122"/>
+                <a:cs typeface="Times New Roman" panose="02020603050405020304" pitchFamily="18" charset="0"/>
+              </a:rPr>
+              <a:t>值采用最小二乘法，建立多元线性方程，得到各个变量的系数。</a:t>
+            </a:r>
+          </a:p>
+          <a:p>
+            <a:endParaRPr lang="zh-CN" altLang="en-US" dirty="0"/>
+          </a:p>
+        </p:txBody>
+      </p:sp>
+      <p:pic>
+        <p:nvPicPr>
+          <p:cNvPr id="7" name="图片 6">
+            <a:extLst>
+              <a:ext uri="{FF2B5EF4-FFF2-40B4-BE49-F238E27FC236}">
+                <a16:creationId xmlns:a16="http://schemas.microsoft.com/office/drawing/2014/main" id="{97FBEDF6-DDC1-2825-09C8-8B1913EBADB4}"/>
+              </a:ext>
+            </a:extLst>
+          </p:cNvPr>
+          <p:cNvPicPr>
+            <a:picLocks noChangeAspect="1"/>
+          </p:cNvPicPr>
+          <p:nvPr/>
+        </p:nvPicPr>
+        <p:blipFill>
+          <a:blip r:embed="rId5"/>
+          <a:stretch>
+            <a:fillRect/>
+          </a:stretch>
+        </p:blipFill>
+        <p:spPr>
+          <a:xfrm>
+            <a:off x="9376620" y="3855507"/>
+            <a:ext cx="1898444" cy="2644841"/>
+          </a:xfrm>
+          <a:prstGeom prst="rect">
+            <a:avLst/>
+          </a:prstGeom>
+        </p:spPr>
+      </p:pic>
+      <p:cxnSp>
+        <p:nvCxnSpPr>
+          <p:cNvPr id="9" name="直接箭头连接符 8">
+            <a:extLst>
+              <a:ext uri="{FF2B5EF4-FFF2-40B4-BE49-F238E27FC236}">
+                <a16:creationId xmlns:a16="http://schemas.microsoft.com/office/drawing/2014/main" id="{D0B64E87-1543-DAB6-6897-CFEC2AEE87E7}"/>
+              </a:ext>
+            </a:extLst>
+          </p:cNvPr>
+          <p:cNvCxnSpPr>
+            <a:cxnSpLocks/>
+          </p:cNvCxnSpPr>
+          <p:nvPr/>
+        </p:nvCxnSpPr>
+        <p:spPr>
+          <a:xfrm>
+            <a:off x="8553855" y="5278877"/>
+            <a:ext cx="629056" cy="0"/>
+          </a:xfrm>
+          <a:prstGeom prst="straightConnector1">
+            <a:avLst/>
+          </a:prstGeom>
+          <a:ln>
+            <a:tailEnd type="triangle"/>
+          </a:ln>
+        </p:spPr>
+        <p:style>
+          <a:lnRef idx="1">
+            <a:schemeClr val="accent1"/>
+          </a:lnRef>
+          <a:fillRef idx="0">
+            <a:schemeClr val="accent1"/>
+          </a:fillRef>
+          <a:effectRef idx="0">
+            <a:schemeClr val="accent1"/>
+          </a:effectRef>
+          <a:fontRef idx="minor">
+            <a:schemeClr val="tx1"/>
+          </a:fontRef>
+        </p:style>
+      </p:cxnSp>
+      <p:sp>
+        <p:nvSpPr>
+          <p:cNvPr id="10" name="文本框 9">
+            <a:extLst>
+              <a:ext uri="{FF2B5EF4-FFF2-40B4-BE49-F238E27FC236}">
+                <a16:creationId xmlns:a16="http://schemas.microsoft.com/office/drawing/2014/main" id="{EC051E73-D668-34F7-0D97-E758E2C8F39B}"/>
+              </a:ext>
+            </a:extLst>
+          </p:cNvPr>
+          <p:cNvSpPr txBox="1"/>
+          <p:nvPr/>
+        </p:nvSpPr>
+        <p:spPr>
+          <a:xfrm>
+            <a:off x="7036762" y="5094211"/>
+            <a:ext cx="1705583" cy="369332"/>
+          </a:xfrm>
+          <a:prstGeom prst="rect">
+            <a:avLst/>
+          </a:prstGeom>
+          <a:noFill/>
+        </p:spPr>
+        <p:txBody>
+          <a:bodyPr wrap="square" rtlCol="0">
+            <a:spAutoFit/>
+          </a:bodyPr>
+          <a:lstStyle/>
+          <a:p>
+            <a:r>
+              <a:rPr lang="zh-CN" altLang="en-US" dirty="0">
+                <a:solidFill>
+                  <a:srgbClr val="0070C0"/>
+                </a:solidFill>
+              </a:rPr>
+              <a:t>部分结果展示</a:t>
             </a:r>
           </a:p>
         </p:txBody>
@@ -8907,6 +9791,395 @@
           </a:p>
         </p:txBody>
       </p:sp>
+      <p:sp>
+        <p:nvSpPr>
+          <p:cNvPr id="2" name="矩形 1">
+            <a:extLst>
+              <a:ext uri="{FF2B5EF4-FFF2-40B4-BE49-F238E27FC236}">
+                <a16:creationId xmlns:a16="http://schemas.microsoft.com/office/drawing/2014/main" id="{5CACC120-A512-CA8B-0EE3-7A3A2718DA90}"/>
+              </a:ext>
+            </a:extLst>
+          </p:cNvPr>
+          <p:cNvSpPr/>
+          <p:nvPr/>
+        </p:nvSpPr>
+        <p:spPr>
+          <a:xfrm>
+            <a:off x="271254" y="1110349"/>
+            <a:ext cx="2048014" cy="461665"/>
+          </a:xfrm>
+          <a:prstGeom prst="rect">
+            <a:avLst/>
+          </a:prstGeom>
+          <a:noFill/>
+        </p:spPr>
+        <p:txBody>
+          <a:bodyPr wrap="square" lIns="91440" tIns="45720" rIns="91440" bIns="45720">
+            <a:spAutoFit/>
+          </a:bodyPr>
+          <a:lstStyle/>
+          <a:p>
+            <a:pPr algn="ctr"/>
+            <a:r>
+              <a:rPr lang="zh-CN" altLang="en-US" sz="2400" b="1" cap="none" spc="0" dirty="0">
+                <a:ln w="12700" cmpd="sng">
+                  <a:solidFill>
+                    <a:schemeClr val="accent4"/>
+                  </a:solidFill>
+                  <a:prstDash val="solid"/>
+                </a:ln>
+                <a:gradFill>
+                  <a:gsLst>
+                    <a:gs pos="0">
+                      <a:schemeClr val="accent4"/>
+                    </a:gs>
+                    <a:gs pos="4000">
+                      <a:schemeClr val="accent4">
+                        <a:lumMod val="60000"/>
+                        <a:lumOff val="40000"/>
+                      </a:schemeClr>
+                    </a:gs>
+                    <a:gs pos="87000">
+                      <a:schemeClr val="accent4">
+                        <a:lumMod val="20000"/>
+                        <a:lumOff val="80000"/>
+                      </a:schemeClr>
+                    </a:gs>
+                  </a:gsLst>
+                  <a:lin ang="5400000"/>
+                </a:gradFill>
+                <a:effectLst/>
+              </a:rPr>
+              <a:t>预测结果</a:t>
+            </a:r>
+          </a:p>
+        </p:txBody>
+      </p:sp>
+      <p:pic>
+        <p:nvPicPr>
+          <p:cNvPr id="3" name="图片 2">
+            <a:extLst>
+              <a:ext uri="{FF2B5EF4-FFF2-40B4-BE49-F238E27FC236}">
+                <a16:creationId xmlns:a16="http://schemas.microsoft.com/office/drawing/2014/main" id="{931D58C4-D4DA-2B72-225C-27BE9D6B6F22}"/>
+              </a:ext>
+            </a:extLst>
+          </p:cNvPr>
+          <p:cNvPicPr>
+            <a:picLocks noChangeAspect="1"/>
+          </p:cNvPicPr>
+          <p:nvPr/>
+        </p:nvPicPr>
+        <p:blipFill>
+          <a:blip r:embed="rId4"/>
+          <a:stretch>
+            <a:fillRect/>
+          </a:stretch>
+        </p:blipFill>
+        <p:spPr>
+          <a:xfrm>
+            <a:off x="422226" y="1843760"/>
+            <a:ext cx="5673774" cy="3104375"/>
+          </a:xfrm>
+          <a:prstGeom prst="rect">
+            <a:avLst/>
+          </a:prstGeom>
+        </p:spPr>
+      </p:pic>
+      <p:sp>
+        <p:nvSpPr>
+          <p:cNvPr id="5" name="文本框 4">
+            <a:extLst>
+              <a:ext uri="{FF2B5EF4-FFF2-40B4-BE49-F238E27FC236}">
+                <a16:creationId xmlns:a16="http://schemas.microsoft.com/office/drawing/2014/main" id="{D6DFE031-F31C-0449-263C-4BEDF07D0F53}"/>
+              </a:ext>
+            </a:extLst>
+          </p:cNvPr>
+          <p:cNvSpPr txBox="1"/>
+          <p:nvPr/>
+        </p:nvSpPr>
+        <p:spPr>
+          <a:xfrm>
+            <a:off x="6958519" y="1062507"/>
+            <a:ext cx="5304382" cy="1200329"/>
+          </a:xfrm>
+          <a:prstGeom prst="rect">
+            <a:avLst/>
+          </a:prstGeom>
+          <a:noFill/>
+        </p:spPr>
+        <p:txBody>
+          <a:bodyPr wrap="square" rtlCol="0">
+            <a:spAutoFit/>
+          </a:bodyPr>
+          <a:lstStyle/>
+          <a:p>
+            <a:r>
+              <a:rPr lang="en-US" altLang="zh-CN" b="0" dirty="0">
+                <a:effectLst/>
+                <a:latin typeface="微软雅黑" panose="020B0503020204020204" pitchFamily="34" charset="-122"/>
+                <a:ea typeface="微软雅黑" panose="020B0503020204020204" pitchFamily="34" charset="-122"/>
+              </a:rPr>
+              <a:t>#</a:t>
+            </a:r>
+            <a:r>
+              <a:rPr lang="zh-CN" altLang="en-US" b="0" dirty="0">
+                <a:effectLst/>
+                <a:latin typeface="微软雅黑" panose="020B0503020204020204" pitchFamily="34" charset="-122"/>
+                <a:ea typeface="微软雅黑" panose="020B0503020204020204" pitchFamily="34" charset="-122"/>
+              </a:rPr>
+              <a:t>预测</a:t>
+            </a:r>
+          </a:p>
+          <a:p>
+            <a:r>
+              <a:rPr lang="en-US" altLang="zh-CN" b="0" dirty="0" err="1">
+                <a:effectLst/>
+                <a:latin typeface="微软雅黑" panose="020B0503020204020204" pitchFamily="34" charset="-122"/>
+                <a:ea typeface="微软雅黑" panose="020B0503020204020204" pitchFamily="34" charset="-122"/>
+              </a:rPr>
+              <a:t>y_pred</a:t>
+            </a:r>
+            <a:r>
+              <a:rPr lang="en-US" altLang="zh-CN" b="0" dirty="0">
+                <a:effectLst/>
+                <a:latin typeface="微软雅黑" panose="020B0503020204020204" pitchFamily="34" charset="-122"/>
+                <a:ea typeface="微软雅黑" panose="020B0503020204020204" pitchFamily="34" charset="-122"/>
+              </a:rPr>
+              <a:t> = </a:t>
+            </a:r>
+            <a:r>
+              <a:rPr lang="en-US" altLang="zh-CN" b="0" dirty="0" err="1">
+                <a:effectLst/>
+                <a:latin typeface="微软雅黑" panose="020B0503020204020204" pitchFamily="34" charset="-122"/>
+                <a:ea typeface="微软雅黑" panose="020B0503020204020204" pitchFamily="34" charset="-122"/>
+              </a:rPr>
+              <a:t>lrg.predict</a:t>
+            </a:r>
+            <a:r>
+              <a:rPr lang="en-US" altLang="zh-CN" b="0" dirty="0">
+                <a:effectLst/>
+                <a:latin typeface="微软雅黑" panose="020B0503020204020204" pitchFamily="34" charset="-122"/>
+                <a:ea typeface="微软雅黑" panose="020B0503020204020204" pitchFamily="34" charset="-122"/>
+              </a:rPr>
+              <a:t>(</a:t>
+            </a:r>
+            <a:r>
+              <a:rPr lang="en-US" altLang="zh-CN" b="0" dirty="0" err="1">
+                <a:effectLst/>
+                <a:latin typeface="微软雅黑" panose="020B0503020204020204" pitchFamily="34" charset="-122"/>
+                <a:ea typeface="微软雅黑" panose="020B0503020204020204" pitchFamily="34" charset="-122"/>
+              </a:rPr>
+              <a:t>X_test</a:t>
+            </a:r>
+            <a:r>
+              <a:rPr lang="en-US" altLang="zh-CN" b="0" dirty="0">
+                <a:effectLst/>
+                <a:latin typeface="微软雅黑" panose="020B0503020204020204" pitchFamily="34" charset="-122"/>
+                <a:ea typeface="微软雅黑" panose="020B0503020204020204" pitchFamily="34" charset="-122"/>
+              </a:rPr>
+              <a:t>);</a:t>
+            </a:r>
+          </a:p>
+          <a:p>
+            <a:r>
+              <a:rPr lang="en-US" altLang="zh-CN" b="0" dirty="0">
+                <a:effectLst/>
+                <a:latin typeface="微软雅黑" panose="020B0503020204020204" pitchFamily="34" charset="-122"/>
+                <a:ea typeface="微软雅黑" panose="020B0503020204020204" pitchFamily="34" charset="-122"/>
+              </a:rPr>
+              <a:t>print(</a:t>
+            </a:r>
+            <a:r>
+              <a:rPr lang="en-US" altLang="zh-CN" b="0" dirty="0" err="1">
+                <a:effectLst/>
+                <a:latin typeface="微软雅黑" panose="020B0503020204020204" pitchFamily="34" charset="-122"/>
+                <a:ea typeface="微软雅黑" panose="020B0503020204020204" pitchFamily="34" charset="-122"/>
+              </a:rPr>
+              <a:t>y_pred</a:t>
+            </a:r>
+            <a:r>
+              <a:rPr lang="en-US" altLang="zh-CN" b="0" dirty="0">
+                <a:effectLst/>
+                <a:latin typeface="微软雅黑" panose="020B0503020204020204" pitchFamily="34" charset="-122"/>
+                <a:ea typeface="微软雅黑" panose="020B0503020204020204" pitchFamily="34" charset="-122"/>
+              </a:rPr>
+              <a:t>);  #</a:t>
+            </a:r>
+            <a:r>
+              <a:rPr lang="zh-CN" altLang="en-US" b="0" dirty="0">
+                <a:effectLst/>
+                <a:latin typeface="微软雅黑" panose="020B0503020204020204" pitchFamily="34" charset="-122"/>
+                <a:ea typeface="微软雅黑" panose="020B0503020204020204" pitchFamily="34" charset="-122"/>
+              </a:rPr>
+              <a:t>输出测试值</a:t>
+            </a:r>
+          </a:p>
+          <a:p>
+            <a:pPr algn="ctr"/>
+            <a:endParaRPr lang="zh-CN" altLang="en-US" dirty="0"/>
+          </a:p>
+        </p:txBody>
+      </p:sp>
+      <p:sp>
+        <p:nvSpPr>
+          <p:cNvPr id="6" name="文本框 5">
+            <a:extLst>
+              <a:ext uri="{FF2B5EF4-FFF2-40B4-BE49-F238E27FC236}">
+                <a16:creationId xmlns:a16="http://schemas.microsoft.com/office/drawing/2014/main" id="{B0BADCA9-4DCD-F49C-0C4C-A4106F024827}"/>
+              </a:ext>
+            </a:extLst>
+          </p:cNvPr>
+          <p:cNvSpPr txBox="1"/>
+          <p:nvPr/>
+        </p:nvSpPr>
+        <p:spPr>
+          <a:xfrm>
+            <a:off x="6864012" y="2198646"/>
+            <a:ext cx="4905762" cy="1338828"/>
+          </a:xfrm>
+          <a:prstGeom prst="rect">
+            <a:avLst/>
+          </a:prstGeom>
+          <a:noFill/>
+        </p:spPr>
+        <p:txBody>
+          <a:bodyPr wrap="square" rtlCol="0">
+            <a:spAutoFit/>
+          </a:bodyPr>
+          <a:lstStyle/>
+          <a:p>
+            <a:pPr algn="just">
+              <a:lnSpc>
+                <a:spcPct val="150000"/>
+              </a:lnSpc>
+            </a:pPr>
+            <a:r>
+              <a:rPr lang="zh-CN" altLang="zh-CN" sz="1400" kern="100" dirty="0">
+                <a:effectLst/>
+                <a:latin typeface="微软雅黑" panose="020B0503020204020204" pitchFamily="34" charset="-122"/>
+                <a:ea typeface="微软雅黑" panose="020B0503020204020204" pitchFamily="34" charset="-122"/>
+                <a:cs typeface="Times New Roman" panose="02020603050405020304" pitchFamily="18" charset="0"/>
+              </a:rPr>
+              <a:t>将测试集的数据代入到训练得到的多元线性方程中，并求出预测值与真实值的均方误差作为评价测度，画出预测值与实际值比较的折线图。</a:t>
+            </a:r>
+          </a:p>
+          <a:p>
+            <a:endParaRPr lang="zh-CN" altLang="en-US" dirty="0"/>
+          </a:p>
+        </p:txBody>
+      </p:sp>
+      <p:pic>
+        <p:nvPicPr>
+          <p:cNvPr id="8" name="图片 7">
+            <a:extLst>
+              <a:ext uri="{FF2B5EF4-FFF2-40B4-BE49-F238E27FC236}">
+                <a16:creationId xmlns:a16="http://schemas.microsoft.com/office/drawing/2014/main" id="{9A62C385-4398-29DF-6027-ABE98819ACEC}"/>
+              </a:ext>
+            </a:extLst>
+          </p:cNvPr>
+          <p:cNvPicPr>
+            <a:picLocks noChangeAspect="1"/>
+          </p:cNvPicPr>
+          <p:nvPr/>
+        </p:nvPicPr>
+        <p:blipFill>
+          <a:blip r:embed="rId5"/>
+          <a:stretch>
+            <a:fillRect/>
+          </a:stretch>
+        </p:blipFill>
+        <p:spPr>
+          <a:xfrm>
+            <a:off x="7957964" y="3286973"/>
+            <a:ext cx="3889585" cy="3072650"/>
+          </a:xfrm>
+          <a:prstGeom prst="rect">
+            <a:avLst/>
+          </a:prstGeom>
+        </p:spPr>
+      </p:pic>
+      <p:sp>
+        <p:nvSpPr>
+          <p:cNvPr id="9" name="文本框 8">
+            <a:extLst>
+              <a:ext uri="{FF2B5EF4-FFF2-40B4-BE49-F238E27FC236}">
+                <a16:creationId xmlns:a16="http://schemas.microsoft.com/office/drawing/2014/main" id="{A06B841D-25C9-A2E3-D079-5BB3B2E1A46F}"/>
+              </a:ext>
+            </a:extLst>
+          </p:cNvPr>
+          <p:cNvSpPr txBox="1"/>
+          <p:nvPr/>
+        </p:nvSpPr>
+        <p:spPr>
+          <a:xfrm>
+            <a:off x="6264242" y="4948135"/>
+            <a:ext cx="1705583" cy="369332"/>
+          </a:xfrm>
+          <a:prstGeom prst="rect">
+            <a:avLst/>
+          </a:prstGeom>
+          <a:noFill/>
+        </p:spPr>
+        <p:txBody>
+          <a:bodyPr wrap="square" rtlCol="0">
+            <a:spAutoFit/>
+          </a:bodyPr>
+          <a:lstStyle/>
+          <a:p>
+            <a:r>
+              <a:rPr lang="zh-CN" altLang="en-US" dirty="0">
+                <a:solidFill>
+                  <a:srgbClr val="0070C0"/>
+                </a:solidFill>
+                <a:latin typeface="微软雅黑" panose="020B0503020204020204" pitchFamily="34" charset="-122"/>
+                <a:ea typeface="微软雅黑" panose="020B0503020204020204" pitchFamily="34" charset="-122"/>
+              </a:rPr>
+              <a:t>结果展示</a:t>
+            </a:r>
+          </a:p>
+        </p:txBody>
+      </p:sp>
+      <p:cxnSp>
+        <p:nvCxnSpPr>
+          <p:cNvPr id="12" name="直接箭头连接符 11">
+            <a:extLst>
+              <a:ext uri="{FF2B5EF4-FFF2-40B4-BE49-F238E27FC236}">
+                <a16:creationId xmlns:a16="http://schemas.microsoft.com/office/drawing/2014/main" id="{E14F91C0-1454-0173-0FB5-EAE9E1CFFDA7}"/>
+              </a:ext>
+            </a:extLst>
+          </p:cNvPr>
+          <p:cNvCxnSpPr>
+            <a:cxnSpLocks/>
+          </p:cNvCxnSpPr>
+          <p:nvPr/>
+        </p:nvCxnSpPr>
+        <p:spPr>
+          <a:xfrm>
+            <a:off x="7470842" y="5149175"/>
+            <a:ext cx="629056" cy="0"/>
+          </a:xfrm>
+          <a:prstGeom prst="straightConnector1">
+            <a:avLst/>
+          </a:prstGeom>
+          <a:ln>
+            <a:tailEnd type="triangle"/>
+          </a:ln>
+        </p:spPr>
+        <p:style>
+          <a:lnRef idx="1">
+            <a:schemeClr val="accent1"/>
+          </a:lnRef>
+          <a:fillRef idx="0">
+            <a:schemeClr val="accent1"/>
+          </a:fillRef>
+          <a:effectRef idx="0">
+            <a:schemeClr val="accent1"/>
+          </a:effectRef>
+          <a:fontRef idx="minor">
+            <a:schemeClr val="tx1"/>
+          </a:fontRef>
+        </p:style>
+      </p:cxnSp>
     </p:spTree>
     <p:extLst>
       <p:ext uri="{BB962C8B-B14F-4D97-AF65-F5344CB8AC3E}">
@@ -9090,6 +10363,92 @@
       </p:cxnSp>
       <p:sp>
         <p:nvSpPr>
+          <p:cNvPr id="13" name="文本框 12">
+            <a:extLst>
+              <a:ext uri="{FF2B5EF4-FFF2-40B4-BE49-F238E27FC236}">
+                <a16:creationId xmlns:a16="http://schemas.microsoft.com/office/drawing/2014/main" id="{B26C208A-4FF9-23E4-AA75-0B07D4F161E0}"/>
+              </a:ext>
+            </a:extLst>
+          </p:cNvPr>
+          <p:cNvSpPr txBox="1"/>
+          <p:nvPr/>
+        </p:nvSpPr>
+        <p:spPr>
+          <a:xfrm>
+            <a:off x="4757273" y="1341181"/>
+            <a:ext cx="5959627" cy="1986954"/>
+          </a:xfrm>
+          <a:prstGeom prst="rect">
+            <a:avLst/>
+          </a:prstGeom>
+          <a:noFill/>
+        </p:spPr>
+        <p:txBody>
+          <a:bodyPr wrap="square" rtlCol="0">
+            <a:spAutoFit/>
+          </a:bodyPr>
+          <a:lstStyle/>
+          <a:p>
+            <a:pPr algn="just">
+              <a:lnSpc>
+                <a:spcPct val="150000"/>
+              </a:lnSpc>
+            </a:pPr>
+            <a:r>
+              <a:rPr lang="zh-CN" altLang="zh-CN" sz="1400" kern="100" dirty="0">
+                <a:effectLst/>
+                <a:latin typeface="微软雅黑" panose="020B0503020204020204" pitchFamily="34" charset="-122"/>
+                <a:ea typeface="微软雅黑" panose="020B0503020204020204" pitchFamily="34" charset="-122"/>
+                <a:cs typeface="Times New Roman" panose="02020603050405020304" pitchFamily="18" charset="0"/>
+              </a:rPr>
+              <a:t>结果显示，线性回归算法得到结果的均方误差高达一百多，而通过折线图可以看出预测数据的前四十组数据与实际值相近，而后面的两百多组数据都与实际值有着相似较大的偏差。</a:t>
+            </a:r>
+            <a:endParaRPr lang="en-US" altLang="zh-CN" sz="1400" kern="100" dirty="0">
+              <a:effectLst/>
+              <a:latin typeface="微软雅黑" panose="020B0503020204020204" pitchFamily="34" charset="-122"/>
+              <a:ea typeface="微软雅黑" panose="020B0503020204020204" pitchFamily="34" charset="-122"/>
+              <a:cs typeface="Times New Roman" panose="02020603050405020304" pitchFamily="18" charset="0"/>
+            </a:endParaRPr>
+          </a:p>
+          <a:p>
+            <a:pPr algn="just">
+              <a:lnSpc>
+                <a:spcPct val="150000"/>
+              </a:lnSpc>
+            </a:pPr>
+            <a:r>
+              <a:rPr lang="zh-CN" altLang="en-US" sz="1400" kern="100" dirty="0">
+                <a:effectLst/>
+                <a:latin typeface="微软雅黑" panose="020B0503020204020204" pitchFamily="34" charset="-122"/>
+                <a:ea typeface="微软雅黑" panose="020B0503020204020204" pitchFamily="34" charset="-122"/>
+                <a:cs typeface="Times New Roman" panose="02020603050405020304" pitchFamily="18" charset="0"/>
+              </a:rPr>
+              <a:t>显然，</a:t>
+            </a:r>
+            <a:r>
+              <a:rPr lang="zh-CN" altLang="zh-CN" sz="1400" kern="100" dirty="0">
+                <a:effectLst/>
+                <a:latin typeface="微软雅黑" panose="020B0503020204020204" pitchFamily="34" charset="-122"/>
+                <a:ea typeface="微软雅黑" panose="020B0503020204020204" pitchFamily="34" charset="-122"/>
+                <a:cs typeface="Times New Roman" panose="02020603050405020304" pitchFamily="18" charset="0"/>
+              </a:rPr>
+              <a:t>对训练集使用线性回归训练后的模型对测试集的预测结果不太理想，误差较大。</a:t>
+            </a:r>
+          </a:p>
+          <a:p>
+            <a:pPr algn="just">
+              <a:lnSpc>
+                <a:spcPts val="2400"/>
+              </a:lnSpc>
+            </a:pPr>
+            <a:endParaRPr lang="zh-CN" altLang="en-US" sz="1400" dirty="0">
+              <a:latin typeface="+mn-ea"/>
+            </a:endParaRPr>
+          </a:p>
+        </p:txBody>
+      </p:sp>
+      <p:sp>
+        <p:nvSpPr>
           <p:cNvPr id="3" name="文本框 2">
             <a:extLst>
               <a:ext uri="{FF2B5EF4-FFF2-40B4-BE49-F238E27FC236}">
@@ -9149,6 +10508,209 @@
               </a:rPr>
               <a:t>线性回归</a:t>
             </a:r>
+          </a:p>
+        </p:txBody>
+      </p:sp>
+      <p:sp>
+        <p:nvSpPr>
+          <p:cNvPr id="2" name="矩形 1">
+            <a:extLst>
+              <a:ext uri="{FF2B5EF4-FFF2-40B4-BE49-F238E27FC236}">
+                <a16:creationId xmlns:a16="http://schemas.microsoft.com/office/drawing/2014/main" id="{D8E747A5-F5F2-4F57-B1BC-A5AD0525B2C6}"/>
+              </a:ext>
+            </a:extLst>
+          </p:cNvPr>
+          <p:cNvSpPr/>
+          <p:nvPr/>
+        </p:nvSpPr>
+        <p:spPr>
+          <a:xfrm>
+            <a:off x="271254" y="1110349"/>
+            <a:ext cx="2048014" cy="461665"/>
+          </a:xfrm>
+          <a:prstGeom prst="rect">
+            <a:avLst/>
+          </a:prstGeom>
+          <a:noFill/>
+        </p:spPr>
+        <p:txBody>
+          <a:bodyPr wrap="square" lIns="91440" tIns="45720" rIns="91440" bIns="45720">
+            <a:spAutoFit/>
+          </a:bodyPr>
+          <a:lstStyle/>
+          <a:p>
+            <a:pPr algn="ctr"/>
+            <a:r>
+              <a:rPr lang="zh-CN" altLang="en-US" sz="2400" b="1" cap="none" spc="0" dirty="0">
+                <a:ln w="12700" cmpd="sng">
+                  <a:solidFill>
+                    <a:schemeClr val="accent4"/>
+                  </a:solidFill>
+                  <a:prstDash val="solid"/>
+                </a:ln>
+                <a:gradFill>
+                  <a:gsLst>
+                    <a:gs pos="0">
+                      <a:schemeClr val="accent4"/>
+                    </a:gs>
+                    <a:gs pos="4000">
+                      <a:schemeClr val="accent4">
+                        <a:lumMod val="60000"/>
+                        <a:lumOff val="40000"/>
+                      </a:schemeClr>
+                    </a:gs>
+                    <a:gs pos="87000">
+                      <a:schemeClr val="accent4">
+                        <a:lumMod val="20000"/>
+                        <a:lumOff val="80000"/>
+                      </a:schemeClr>
+                    </a:gs>
+                  </a:gsLst>
+                  <a:lin ang="5400000"/>
+                </a:gradFill>
+                <a:effectLst/>
+              </a:rPr>
+              <a:t>结果分析</a:t>
+            </a:r>
+          </a:p>
+        </p:txBody>
+      </p:sp>
+      <p:pic>
+        <p:nvPicPr>
+          <p:cNvPr id="4" name="图片 3">
+            <a:extLst>
+              <a:ext uri="{FF2B5EF4-FFF2-40B4-BE49-F238E27FC236}">
+                <a16:creationId xmlns:a16="http://schemas.microsoft.com/office/drawing/2014/main" id="{951F9828-5DB1-F3A0-91B8-96E9CBC3690A}"/>
+              </a:ext>
+            </a:extLst>
+          </p:cNvPr>
+          <p:cNvPicPr>
+            <a:picLocks noChangeAspect="1"/>
+          </p:cNvPicPr>
+          <p:nvPr/>
+        </p:nvPicPr>
+        <p:blipFill>
+          <a:blip r:embed="rId4"/>
+          <a:stretch>
+            <a:fillRect/>
+          </a:stretch>
+        </p:blipFill>
+        <p:spPr>
+          <a:xfrm>
+            <a:off x="467872" y="2015892"/>
+            <a:ext cx="3889585" cy="3072650"/>
+          </a:xfrm>
+          <a:prstGeom prst="rect">
+            <a:avLst/>
+          </a:prstGeom>
+        </p:spPr>
+      </p:pic>
+      <p:sp>
+        <p:nvSpPr>
+          <p:cNvPr id="6" name="文本框 5">
+            <a:extLst>
+              <a:ext uri="{FF2B5EF4-FFF2-40B4-BE49-F238E27FC236}">
+                <a16:creationId xmlns:a16="http://schemas.microsoft.com/office/drawing/2014/main" id="{D667859A-EE2A-5221-5AFA-7A227F838754}"/>
+              </a:ext>
+            </a:extLst>
+          </p:cNvPr>
+          <p:cNvSpPr txBox="1"/>
+          <p:nvPr/>
+        </p:nvSpPr>
+        <p:spPr>
+          <a:xfrm>
+            <a:off x="4757273" y="3116270"/>
+            <a:ext cx="5959627" cy="3602781"/>
+          </a:xfrm>
+          <a:prstGeom prst="rect">
+            <a:avLst/>
+          </a:prstGeom>
+          <a:noFill/>
+        </p:spPr>
+        <p:txBody>
+          <a:bodyPr wrap="square" rtlCol="0">
+            <a:spAutoFit/>
+          </a:bodyPr>
+          <a:lstStyle/>
+          <a:p>
+            <a:pPr algn="just">
+              <a:lnSpc>
+                <a:spcPct val="150000"/>
+              </a:lnSpc>
+            </a:pPr>
+            <a:r>
+              <a:rPr lang="zh-CN" altLang="zh-CN" sz="1400" kern="100" dirty="0">
+                <a:effectLst/>
+                <a:latin typeface="微软雅黑" panose="020B0503020204020204" pitchFamily="34" charset="-122"/>
+                <a:ea typeface="微软雅黑" panose="020B0503020204020204" pitchFamily="34" charset="-122"/>
+                <a:cs typeface="Times New Roman" panose="02020603050405020304" pitchFamily="18" charset="0"/>
+              </a:rPr>
+              <a:t>误差分析：</a:t>
+            </a:r>
+          </a:p>
+          <a:p>
+            <a:pPr marL="742950" lvl="1" indent="-285750" algn="just">
+              <a:lnSpc>
+                <a:spcPct val="150000"/>
+              </a:lnSpc>
+              <a:buFont typeface="+mj-ea"/>
+              <a:buAutoNum type="circleNumDbPlain"/>
+            </a:pPr>
+            <a:r>
+              <a:rPr lang="zh-CN" altLang="zh-CN" sz="1400" kern="100" dirty="0">
+                <a:effectLst/>
+                <a:latin typeface="微软雅黑" panose="020B0503020204020204" pitchFamily="34" charset="-122"/>
+                <a:ea typeface="微软雅黑" panose="020B0503020204020204" pitchFamily="34" charset="-122"/>
+                <a:cs typeface="Times New Roman" panose="02020603050405020304" pitchFamily="18" charset="0"/>
+              </a:rPr>
+              <a:t>训练集数据大小范围较为集中（即工艺相似，种类少），而测试集的数据大小跨度大（工艺种类多），导致测试结果与训练数据大小相近（工艺种类相似）的误差小（如前四五十个数据）；而后面预测的数据误差很大。</a:t>
+            </a:r>
+          </a:p>
+          <a:p>
+            <a:pPr marL="742950" lvl="1" indent="-285750" algn="just">
+              <a:lnSpc>
+                <a:spcPct val="150000"/>
+              </a:lnSpc>
+              <a:buFont typeface="+mj-ea"/>
+              <a:buAutoNum type="circleNumDbPlain"/>
+            </a:pPr>
+            <a:r>
+              <a:rPr lang="zh-CN" altLang="zh-CN" sz="1400" kern="100" dirty="0">
+                <a:effectLst/>
+                <a:latin typeface="微软雅黑" panose="020B0503020204020204" pitchFamily="34" charset="-122"/>
+                <a:ea typeface="微软雅黑" panose="020B0503020204020204" pitchFamily="34" charset="-122"/>
+                <a:cs typeface="Times New Roman" panose="02020603050405020304" pitchFamily="18" charset="0"/>
+              </a:rPr>
+              <a:t>线性回归最小二乘的算法容易受“离群值”的影响，离群值影响被平方放大，拟合会“迁合”这些离群值，这是线性回归训练模型的不足。</a:t>
+            </a:r>
+          </a:p>
+          <a:p>
+            <a:pPr marL="742950" lvl="1" indent="-285750" algn="just">
+              <a:lnSpc>
+                <a:spcPct val="150000"/>
+              </a:lnSpc>
+              <a:buFont typeface="+mj-ea"/>
+              <a:buAutoNum type="circleNumDbPlain"/>
+            </a:pPr>
+            <a:r>
+              <a:rPr lang="zh-CN" altLang="zh-CN" sz="1400" kern="100" dirty="0">
+                <a:effectLst/>
+                <a:latin typeface="微软雅黑" panose="020B0503020204020204" pitchFamily="34" charset="-122"/>
+                <a:ea typeface="微软雅黑" panose="020B0503020204020204" pitchFamily="34" charset="-122"/>
+                <a:cs typeface="Times New Roman" panose="02020603050405020304" pitchFamily="18" charset="0"/>
+              </a:rPr>
+              <a:t>线性回归缺乏因果推断能力，多元线性回归只能表明相关性，但无法推断出因果关系，而工艺制造的数据之间往往存在因果关系。</a:t>
+            </a:r>
+          </a:p>
+          <a:p>
+            <a:pPr algn="just">
+              <a:lnSpc>
+                <a:spcPts val="2400"/>
+              </a:lnSpc>
+            </a:pPr>
+            <a:endParaRPr lang="zh-CN" altLang="en-US" sz="1400" dirty="0">
+              <a:latin typeface="+mn-ea"/>
+            </a:endParaRPr>
           </a:p>
         </p:txBody>
       </p:sp>
@@ -9294,10 +10856,10 @@
       </p:sp>
       <p:cxnSp>
         <p:nvCxnSpPr>
-          <p:cNvPr id="17" name="直接连接符 16">
-            <a:extLst>
-              <a:ext uri="{FF2B5EF4-FFF2-40B4-BE49-F238E27FC236}">
-                <a16:creationId xmlns:a16="http://schemas.microsoft.com/office/drawing/2014/main" id="{5C0C54D6-E003-2FAD-6032-664108349443}"/>
+          <p:cNvPr id="18" name="直接连接符 17">
+            <a:extLst>
+              <a:ext uri="{FF2B5EF4-FFF2-40B4-BE49-F238E27FC236}">
+                <a16:creationId xmlns:a16="http://schemas.microsoft.com/office/drawing/2014/main" id="{1A67C03D-73EE-060A-2B9A-5FF0BDFF7CAE}"/>
               </a:ext>
             </a:extLst>
           </p:cNvPr>
@@ -9335,10 +10897,10 @@
       </p:cxnSp>
       <p:sp>
         <p:nvSpPr>
-          <p:cNvPr id="2" name="文本框 1">
-            <a:extLst>
-              <a:ext uri="{FF2B5EF4-FFF2-40B4-BE49-F238E27FC236}">
-                <a16:creationId xmlns:a16="http://schemas.microsoft.com/office/drawing/2014/main" id="{288272C2-6715-FB18-3606-3D963EF2A909}"/>
+          <p:cNvPr id="3" name="文本框 2">
+            <a:extLst>
+              <a:ext uri="{FF2B5EF4-FFF2-40B4-BE49-F238E27FC236}">
+                <a16:creationId xmlns:a16="http://schemas.microsoft.com/office/drawing/2014/main" id="{5032FCBC-B0C1-A2A4-5A11-7DCA444DD329}"/>
               </a:ext>
             </a:extLst>
           </p:cNvPr>
@@ -9397,10 +10959,406 @@
           </a:p>
         </p:txBody>
       </p:sp>
+      <p:sp>
+        <p:nvSpPr>
+          <p:cNvPr id="2" name="矩形 1">
+            <a:extLst>
+              <a:ext uri="{FF2B5EF4-FFF2-40B4-BE49-F238E27FC236}">
+                <a16:creationId xmlns:a16="http://schemas.microsoft.com/office/drawing/2014/main" id="{D8E747A5-F5F2-4F57-B1BC-A5AD0525B2C6}"/>
+              </a:ext>
+            </a:extLst>
+          </p:cNvPr>
+          <p:cNvSpPr/>
+          <p:nvPr/>
+        </p:nvSpPr>
+        <p:spPr>
+          <a:xfrm>
+            <a:off x="271254" y="1172696"/>
+            <a:ext cx="2048014" cy="461665"/>
+          </a:xfrm>
+          <a:prstGeom prst="rect">
+            <a:avLst/>
+          </a:prstGeom>
+          <a:noFill/>
+        </p:spPr>
+        <p:txBody>
+          <a:bodyPr wrap="square" lIns="91440" tIns="45720" rIns="91440" bIns="45720">
+            <a:spAutoFit/>
+          </a:bodyPr>
+          <a:lstStyle/>
+          <a:p>
+            <a:pPr algn="ctr"/>
+            <a:r>
+              <a:rPr lang="zh-CN" altLang="en-US" sz="2400" b="1" cap="none" spc="0" dirty="0">
+                <a:ln w="12700" cmpd="sng">
+                  <a:solidFill>
+                    <a:schemeClr val="accent4"/>
+                  </a:solidFill>
+                  <a:prstDash val="solid"/>
+                </a:ln>
+                <a:gradFill>
+                  <a:gsLst>
+                    <a:gs pos="0">
+                      <a:schemeClr val="accent4"/>
+                    </a:gs>
+                    <a:gs pos="4000">
+                      <a:schemeClr val="accent4">
+                        <a:lumMod val="60000"/>
+                        <a:lumOff val="40000"/>
+                      </a:schemeClr>
+                    </a:gs>
+                    <a:gs pos="87000">
+                      <a:schemeClr val="accent4">
+                        <a:lumMod val="20000"/>
+                        <a:lumOff val="80000"/>
+                      </a:schemeClr>
+                    </a:gs>
+                  </a:gsLst>
+                  <a:lin ang="5400000"/>
+                </a:gradFill>
+                <a:effectLst/>
+              </a:rPr>
+              <a:t>总结</a:t>
+            </a:r>
+          </a:p>
+        </p:txBody>
+      </p:sp>
+      <p:sp>
+        <p:nvSpPr>
+          <p:cNvPr id="6" name="文本框 5">
+            <a:extLst>
+              <a:ext uri="{FF2B5EF4-FFF2-40B4-BE49-F238E27FC236}">
+                <a16:creationId xmlns:a16="http://schemas.microsoft.com/office/drawing/2014/main" id="{BAC70F69-A6D7-4E02-E07D-44E2C0FCFBE0}"/>
+              </a:ext>
+            </a:extLst>
+          </p:cNvPr>
+          <p:cNvSpPr txBox="1"/>
+          <p:nvPr/>
+        </p:nvSpPr>
+        <p:spPr>
+          <a:xfrm>
+            <a:off x="931862" y="1753074"/>
+            <a:ext cx="11096017" cy="3932230"/>
+          </a:xfrm>
+          <a:prstGeom prst="rect">
+            <a:avLst/>
+          </a:prstGeom>
+          <a:noFill/>
+        </p:spPr>
+        <p:txBody>
+          <a:bodyPr wrap="square" rtlCol="0">
+            <a:spAutoFit/>
+          </a:bodyPr>
+          <a:lstStyle/>
+          <a:p>
+            <a:pPr algn="just">
+              <a:lnSpc>
+                <a:spcPct val="150000"/>
+              </a:lnSpc>
+            </a:pPr>
+            <a:r>
+              <a:rPr lang="zh-CN" altLang="zh-CN" sz="1400" kern="100" dirty="0">
+                <a:effectLst/>
+                <a:latin typeface="微软雅黑" panose="020B0503020204020204" pitchFamily="34" charset="-122"/>
+                <a:ea typeface="微软雅黑" panose="020B0503020204020204" pitchFamily="34" charset="-122"/>
+                <a:cs typeface="Times New Roman" panose="02020603050405020304" pitchFamily="18" charset="0"/>
+              </a:rPr>
+              <a:t>采用线性回归模型对该智能制造质量预测存在较大的不足，不是一个理想的预测模型。</a:t>
+            </a:r>
+            <a:endParaRPr lang="en-US" altLang="zh-CN" sz="1400" kern="100" dirty="0">
+              <a:effectLst/>
+              <a:latin typeface="微软雅黑" panose="020B0503020204020204" pitchFamily="34" charset="-122"/>
+              <a:ea typeface="微软雅黑" panose="020B0503020204020204" pitchFamily="34" charset="-122"/>
+              <a:cs typeface="Times New Roman" panose="02020603050405020304" pitchFamily="18" charset="0"/>
+            </a:endParaRPr>
+          </a:p>
+          <a:p>
+            <a:pPr algn="just">
+              <a:lnSpc>
+                <a:spcPct val="150000"/>
+              </a:lnSpc>
+            </a:pPr>
+            <a:r>
+              <a:rPr lang="zh-CN" altLang="zh-CN" sz="1400" kern="100" dirty="0">
+                <a:effectLst/>
+                <a:latin typeface="微软雅黑" panose="020B0503020204020204" pitchFamily="34" charset="-122"/>
+                <a:ea typeface="微软雅黑" panose="020B0503020204020204" pitchFamily="34" charset="-122"/>
+                <a:cs typeface="Times New Roman" panose="02020603050405020304" pitchFamily="18" charset="0"/>
+              </a:rPr>
+              <a:t>导致线性回归模型缺陷的可能有以下原因：</a:t>
+            </a:r>
+          </a:p>
+          <a:p>
+            <a:pPr algn="just">
+              <a:lnSpc>
+                <a:spcPct val="150000"/>
+              </a:lnSpc>
+            </a:pPr>
+            <a:r>
+              <a:rPr lang="zh-CN" altLang="zh-CN" sz="1400" kern="100" dirty="0">
+                <a:effectLst/>
+                <a:latin typeface="微软雅黑" panose="020B0503020204020204" pitchFamily="34" charset="-122"/>
+                <a:ea typeface="微软雅黑" panose="020B0503020204020204" pitchFamily="34" charset="-122"/>
+                <a:cs typeface="Times New Roman" panose="02020603050405020304" pitchFamily="18" charset="0"/>
+              </a:rPr>
+              <a:t>①</a:t>
+            </a:r>
+            <a:r>
+              <a:rPr lang="zh-CN" altLang="zh-CN" sz="1400" kern="100" dirty="0">
+                <a:solidFill>
+                  <a:srgbClr val="0070C0"/>
+                </a:solidFill>
+                <a:effectLst/>
+                <a:latin typeface="微软雅黑" panose="020B0503020204020204" pitchFamily="34" charset="-122"/>
+                <a:ea typeface="微软雅黑" panose="020B0503020204020204" pitchFamily="34" charset="-122"/>
+                <a:cs typeface="Times New Roman" panose="02020603050405020304" pitchFamily="18" charset="0"/>
+              </a:rPr>
+              <a:t>对异常值和离群点敏感</a:t>
+            </a:r>
+            <a:r>
+              <a:rPr lang="zh-CN" altLang="zh-CN" sz="1400" kern="100" dirty="0">
+                <a:effectLst/>
+                <a:latin typeface="微软雅黑" panose="020B0503020204020204" pitchFamily="34" charset="-122"/>
+                <a:ea typeface="微软雅黑" panose="020B0503020204020204" pitchFamily="34" charset="-122"/>
+                <a:cs typeface="Times New Roman" panose="02020603050405020304" pitchFamily="18" charset="0"/>
+              </a:rPr>
+              <a:t>：</a:t>
+            </a:r>
+          </a:p>
+          <a:p>
+            <a:pPr algn="just">
+              <a:lnSpc>
+                <a:spcPct val="150000"/>
+              </a:lnSpc>
+            </a:pPr>
+            <a:r>
+              <a:rPr lang="zh-CN" altLang="zh-CN" sz="1400" kern="100" dirty="0">
+                <a:effectLst/>
+                <a:latin typeface="微软雅黑" panose="020B0503020204020204" pitchFamily="34" charset="-122"/>
+                <a:ea typeface="微软雅黑" panose="020B0503020204020204" pitchFamily="34" charset="-122"/>
+                <a:cs typeface="Times New Roman" panose="02020603050405020304" pitchFamily="18" charset="0"/>
+              </a:rPr>
+              <a:t>多元线性回归对异常值和离群点敏感，这些异常值可能会对回归系数产生较大影响，从而影响模型的稳健性和准确性。</a:t>
+            </a:r>
+          </a:p>
+          <a:p>
+            <a:pPr algn="just">
+              <a:lnSpc>
+                <a:spcPct val="150000"/>
+              </a:lnSpc>
+            </a:pPr>
+            <a:r>
+              <a:rPr lang="zh-CN" altLang="zh-CN" sz="1400" kern="100" dirty="0">
+                <a:effectLst/>
+                <a:latin typeface="微软雅黑" panose="020B0503020204020204" pitchFamily="34" charset="-122"/>
+                <a:ea typeface="微软雅黑" panose="020B0503020204020204" pitchFamily="34" charset="-122"/>
+                <a:cs typeface="Times New Roman" panose="02020603050405020304" pitchFamily="18" charset="0"/>
+              </a:rPr>
+              <a:t>②</a:t>
+            </a:r>
+            <a:r>
+              <a:rPr lang="zh-CN" altLang="zh-CN" sz="1400" kern="100" dirty="0">
+                <a:solidFill>
+                  <a:srgbClr val="0070C0"/>
+                </a:solidFill>
+                <a:effectLst/>
+                <a:latin typeface="微软雅黑" panose="020B0503020204020204" pitchFamily="34" charset="-122"/>
+                <a:ea typeface="微软雅黑" panose="020B0503020204020204" pitchFamily="34" charset="-122"/>
+                <a:cs typeface="Times New Roman" panose="02020603050405020304" pitchFamily="18" charset="0"/>
+              </a:rPr>
+              <a:t>需要满足线性假设</a:t>
+            </a:r>
+            <a:r>
+              <a:rPr lang="zh-CN" altLang="zh-CN" sz="1400" kern="100" dirty="0">
+                <a:effectLst/>
+                <a:latin typeface="微软雅黑" panose="020B0503020204020204" pitchFamily="34" charset="-122"/>
+                <a:ea typeface="微软雅黑" panose="020B0503020204020204" pitchFamily="34" charset="-122"/>
+                <a:cs typeface="Times New Roman" panose="02020603050405020304" pitchFamily="18" charset="0"/>
+              </a:rPr>
+              <a:t>：</a:t>
+            </a:r>
+          </a:p>
+          <a:p>
+            <a:pPr algn="just">
+              <a:lnSpc>
+                <a:spcPct val="150000"/>
+              </a:lnSpc>
+            </a:pPr>
+            <a:r>
+              <a:rPr lang="zh-CN" altLang="zh-CN" sz="1400" kern="100" dirty="0">
+                <a:effectLst/>
+                <a:latin typeface="微软雅黑" panose="020B0503020204020204" pitchFamily="34" charset="-122"/>
+                <a:ea typeface="微软雅黑" panose="020B0503020204020204" pitchFamily="34" charset="-122"/>
+                <a:cs typeface="Times New Roman" panose="02020603050405020304" pitchFamily="18" charset="0"/>
+              </a:rPr>
+              <a:t>多元线性回归模型要求自变量与因变量之间的关系是线性的，如果实际关系存在非线性，就会导致模型拟合不佳。</a:t>
+            </a:r>
+          </a:p>
+          <a:p>
+            <a:pPr algn="just">
+              <a:lnSpc>
+                <a:spcPct val="150000"/>
+              </a:lnSpc>
+            </a:pPr>
+            <a:r>
+              <a:rPr lang="zh-CN" altLang="zh-CN" sz="1400" kern="100" dirty="0">
+                <a:effectLst/>
+                <a:latin typeface="微软雅黑" panose="020B0503020204020204" pitchFamily="34" charset="-122"/>
+                <a:ea typeface="微软雅黑" panose="020B0503020204020204" pitchFamily="34" charset="-122"/>
+                <a:cs typeface="Times New Roman" panose="02020603050405020304" pitchFamily="18" charset="0"/>
+              </a:rPr>
+              <a:t>③</a:t>
+            </a:r>
+            <a:r>
+              <a:rPr lang="zh-CN" altLang="zh-CN" sz="1400" kern="100" dirty="0">
+                <a:solidFill>
+                  <a:srgbClr val="0070C0"/>
+                </a:solidFill>
+                <a:effectLst/>
+                <a:latin typeface="微软雅黑" panose="020B0503020204020204" pitchFamily="34" charset="-122"/>
+                <a:ea typeface="微软雅黑" panose="020B0503020204020204" pitchFamily="34" charset="-122"/>
+                <a:cs typeface="Times New Roman" panose="02020603050405020304" pitchFamily="18" charset="0"/>
+              </a:rPr>
+              <a:t>对多重共线性较为敏感</a:t>
+            </a:r>
+            <a:r>
+              <a:rPr lang="zh-CN" altLang="zh-CN" sz="1400" kern="100" dirty="0">
+                <a:effectLst/>
+                <a:latin typeface="微软雅黑" panose="020B0503020204020204" pitchFamily="34" charset="-122"/>
+                <a:ea typeface="微软雅黑" panose="020B0503020204020204" pitchFamily="34" charset="-122"/>
+                <a:cs typeface="Times New Roman" panose="02020603050405020304" pitchFamily="18" charset="0"/>
+              </a:rPr>
+              <a:t>：</a:t>
+            </a:r>
+          </a:p>
+          <a:p>
+            <a:pPr algn="just">
+              <a:lnSpc>
+                <a:spcPct val="150000"/>
+              </a:lnSpc>
+            </a:pPr>
+            <a:r>
+              <a:rPr lang="zh-CN" altLang="zh-CN" sz="1400" kern="100" dirty="0">
+                <a:effectLst/>
+                <a:latin typeface="微软雅黑" panose="020B0503020204020204" pitchFamily="34" charset="-122"/>
+                <a:ea typeface="微软雅黑" panose="020B0503020204020204" pitchFamily="34" charset="-122"/>
+                <a:cs typeface="Times New Roman" panose="02020603050405020304" pitchFamily="18" charset="0"/>
+              </a:rPr>
+              <a:t>当自变量之间存在高度相关性（多重共线性）时，多元线性回归模型的参数估计会变得不稳定，使得模型的解释能力下降。</a:t>
+            </a:r>
+          </a:p>
+          <a:p>
+            <a:pPr algn="just">
+              <a:lnSpc>
+                <a:spcPct val="150000"/>
+              </a:lnSpc>
+            </a:pPr>
+            <a:r>
+              <a:rPr lang="zh-CN" altLang="zh-CN" sz="1400" kern="100" dirty="0">
+                <a:effectLst/>
+                <a:latin typeface="微软雅黑" panose="020B0503020204020204" pitchFamily="34" charset="-122"/>
+                <a:ea typeface="微软雅黑" panose="020B0503020204020204" pitchFamily="34" charset="-122"/>
+                <a:cs typeface="Times New Roman" panose="02020603050405020304" pitchFamily="18" charset="0"/>
+              </a:rPr>
+              <a:t>④</a:t>
+            </a:r>
+            <a:r>
+              <a:rPr lang="zh-CN" altLang="zh-CN" sz="1400" kern="100" dirty="0">
+                <a:solidFill>
+                  <a:srgbClr val="0070C0"/>
+                </a:solidFill>
+                <a:effectLst/>
+                <a:latin typeface="微软雅黑" panose="020B0503020204020204" pitchFamily="34" charset="-122"/>
+                <a:ea typeface="微软雅黑" panose="020B0503020204020204" pitchFamily="34" charset="-122"/>
+                <a:cs typeface="Times New Roman" panose="02020603050405020304" pitchFamily="18" charset="0"/>
+              </a:rPr>
+              <a:t>对数据分布要求较高</a:t>
+            </a:r>
+            <a:r>
+              <a:rPr lang="zh-CN" altLang="zh-CN" sz="1400" kern="100" dirty="0">
+                <a:effectLst/>
+                <a:latin typeface="微软雅黑" panose="020B0503020204020204" pitchFamily="34" charset="-122"/>
+                <a:ea typeface="微软雅黑" panose="020B0503020204020204" pitchFamily="34" charset="-122"/>
+                <a:cs typeface="Times New Roman" panose="02020603050405020304" pitchFamily="18" charset="0"/>
+              </a:rPr>
+              <a:t>：</a:t>
+            </a:r>
+          </a:p>
+          <a:p>
+            <a:pPr algn="just">
+              <a:lnSpc>
+                <a:spcPct val="150000"/>
+              </a:lnSpc>
+            </a:pPr>
+            <a:r>
+              <a:rPr lang="zh-CN" altLang="zh-CN" sz="1400" kern="100" dirty="0">
+                <a:effectLst/>
+                <a:latin typeface="微软雅黑" panose="020B0503020204020204" pitchFamily="34" charset="-122"/>
+                <a:ea typeface="微软雅黑" panose="020B0503020204020204" pitchFamily="34" charset="-122"/>
+                <a:cs typeface="Times New Roman" panose="02020603050405020304" pitchFamily="18" charset="0"/>
+              </a:rPr>
+              <a:t>多元线性回归模型通常要求自变量和因变量的分布符合正态分布，且误差项具有相同方差（同方差性），否则会影响参数估计的准确性。</a:t>
+            </a:r>
+          </a:p>
+          <a:p>
+            <a:pPr algn="just">
+              <a:lnSpc>
+                <a:spcPct val="150000"/>
+              </a:lnSpc>
+            </a:pPr>
+            <a:r>
+              <a:rPr lang="zh-CN" altLang="zh-CN" sz="1400" kern="100" dirty="0">
+                <a:effectLst/>
+                <a:latin typeface="微软雅黑" panose="020B0503020204020204" pitchFamily="34" charset="-122"/>
+                <a:ea typeface="微软雅黑" panose="020B0503020204020204" pitchFamily="34" charset="-122"/>
+                <a:cs typeface="Times New Roman" panose="02020603050405020304" pitchFamily="18" charset="0"/>
+              </a:rPr>
+              <a:t>⑤</a:t>
+            </a:r>
+            <a:r>
+              <a:rPr lang="zh-CN" altLang="zh-CN" sz="1400" kern="100" dirty="0">
+                <a:solidFill>
+                  <a:srgbClr val="0070C0"/>
+                </a:solidFill>
+                <a:effectLst/>
+                <a:latin typeface="微软雅黑" panose="020B0503020204020204" pitchFamily="34" charset="-122"/>
+                <a:ea typeface="微软雅黑" panose="020B0503020204020204" pitchFamily="34" charset="-122"/>
+                <a:cs typeface="Times New Roman" panose="02020603050405020304" pitchFamily="18" charset="0"/>
+              </a:rPr>
+              <a:t>需要满足独立性假设</a:t>
+            </a:r>
+            <a:r>
+              <a:rPr lang="zh-CN" altLang="zh-CN" sz="1400" kern="100" dirty="0">
+                <a:effectLst/>
+                <a:latin typeface="微软雅黑" panose="020B0503020204020204" pitchFamily="34" charset="-122"/>
+                <a:ea typeface="微软雅黑" panose="020B0503020204020204" pitchFamily="34" charset="-122"/>
+                <a:cs typeface="Times New Roman" panose="02020603050405020304" pitchFamily="18" charset="0"/>
+              </a:rPr>
+              <a:t>：</a:t>
+            </a:r>
+          </a:p>
+          <a:p>
+            <a:pPr algn="just">
+              <a:lnSpc>
+                <a:spcPct val="150000"/>
+              </a:lnSpc>
+            </a:pPr>
+            <a:r>
+              <a:rPr lang="zh-CN" altLang="zh-CN" sz="1400" kern="100" dirty="0">
+                <a:effectLst/>
+                <a:latin typeface="微软雅黑" panose="020B0503020204020204" pitchFamily="34" charset="-122"/>
+                <a:ea typeface="微软雅黑" panose="020B0503020204020204" pitchFamily="34" charset="-122"/>
+                <a:cs typeface="Times New Roman" panose="02020603050405020304" pitchFamily="18" charset="0"/>
+              </a:rPr>
+              <a:t>多元线性回归模型假设误差项之间是相互独立的，如果存在自相关性（误差项之间相关）就会违反该假设。</a:t>
+            </a:r>
+          </a:p>
+        </p:txBody>
+      </p:sp>
     </p:spTree>
     <p:extLst>
       <p:ext uri="{BB962C8B-B14F-4D97-AF65-F5344CB8AC3E}">
-        <p14:creationId xmlns:p14="http://schemas.microsoft.com/office/powerpoint/2010/main" val="752953197"/>
+        <p14:creationId xmlns:p14="http://schemas.microsoft.com/office/powerpoint/2010/main" val="4270613621"/>
       </p:ext>
     </p:extLst>
   </p:cSld>
@@ -13113,7 +15071,7 @@
         <p:spPr>
           <a:xfrm>
             <a:off x="587375" y="600842"/>
-            <a:ext cx="1653017" cy="461665"/>
+            <a:ext cx="3023585" cy="461665"/>
           </a:xfrm>
           <a:prstGeom prst="rect">
             <a:avLst/>
@@ -13175,9 +15133,1097 @@
               </a:rPr>
               <a:t>回归</a:t>
             </a:r>
+            <a:r>
+              <a:rPr lang="en-US" altLang="zh-CN" sz="2400" b="1" dirty="0">
+                <a:solidFill>
+                  <a:prstClr val="black"/>
+                </a:solidFill>
+                <a:latin typeface="微软雅黑" panose="020B0503020204020204" pitchFamily="34" charset="-122"/>
+                <a:ea typeface="微软雅黑" panose="020B0503020204020204" pitchFamily="34" charset="-122"/>
+              </a:rPr>
+              <a:t>——</a:t>
+            </a:r>
+            <a:r>
+              <a:rPr lang="zh-CN" altLang="en-US" sz="2400" b="1" dirty="0">
+                <a:solidFill>
+                  <a:prstClr val="black"/>
+                </a:solidFill>
+                <a:latin typeface="微软雅黑" panose="020B0503020204020204" pitchFamily="34" charset="-122"/>
+                <a:ea typeface="微软雅黑" panose="020B0503020204020204" pitchFamily="34" charset="-122"/>
+              </a:rPr>
+              <a:t>介绍</a:t>
+            </a:r>
+            <a:endParaRPr kumimoji="0" lang="zh-CN" altLang="en-US" sz="2400" b="1" i="0" u="none" strike="noStrike" kern="1200" cap="none" spc="0" normalizeH="0" baseline="0" noProof="0" dirty="0">
+              <a:ln>
+                <a:noFill/>
+              </a:ln>
+              <a:solidFill>
+                <a:prstClr val="black"/>
+              </a:solidFill>
+              <a:effectLst/>
+              <a:uLnTx/>
+              <a:uFillTx/>
+              <a:latin typeface="微软雅黑" panose="020B0503020204020204" pitchFamily="34" charset="-122"/>
+              <a:ea typeface="微软雅黑" panose="020B0503020204020204" pitchFamily="34" charset="-122"/>
+            </a:endParaRPr>
           </a:p>
         </p:txBody>
       </p:sp>
+      <mc:AlternateContent xmlns:mc="http://schemas.openxmlformats.org/markup-compatibility/2006">
+        <mc:Choice xmlns:a14="http://schemas.microsoft.com/office/drawing/2010/main" Requires="a14">
+          <p:sp>
+            <p:nvSpPr>
+              <p:cNvPr id="2" name="文本框 1">
+                <a:extLst>
+                  <a:ext uri="{FF2B5EF4-FFF2-40B4-BE49-F238E27FC236}">
+                    <a16:creationId xmlns:a16="http://schemas.microsoft.com/office/drawing/2014/main" id="{F8D6FC1F-2CF8-A9B1-6D31-582F37CC08D7}"/>
+                  </a:ext>
+                </a:extLst>
+              </p:cNvPr>
+              <p:cNvSpPr txBox="1"/>
+              <p:nvPr/>
+            </p:nvSpPr>
+            <p:spPr>
+              <a:xfrm>
+                <a:off x="1214891" y="1373148"/>
+                <a:ext cx="9990138" cy="4296369"/>
+              </a:xfrm>
+              <a:prstGeom prst="rect">
+                <a:avLst/>
+              </a:prstGeom>
+              <a:noFill/>
+            </p:spPr>
+            <p:txBody>
+              <a:bodyPr wrap="square" rtlCol="0">
+                <a:spAutoFit/>
+              </a:bodyPr>
+              <a:lstStyle/>
+              <a:p>
+                <a:pPr indent="292100" algn="just">
+                  <a:lnSpc>
+                    <a:spcPct val="150000"/>
+                  </a:lnSpc>
+                </a:pPr>
+                <a:r>
+                  <a:rPr lang="en-US" altLang="zh-CN" sz="1400" kern="100" dirty="0">
+                    <a:solidFill>
+                      <a:srgbClr val="000000"/>
+                    </a:solidFill>
+                    <a:effectLst/>
+                    <a:latin typeface="微软雅黑" panose="020B0503020204020204" pitchFamily="34" charset="-122"/>
+                    <a:ea typeface="微软雅黑" panose="020B0503020204020204" pitchFamily="34" charset="-122"/>
+                    <a:cs typeface="Times New Roman" panose="02020603050405020304" pitchFamily="18" charset="0"/>
+                  </a:rPr>
+                  <a:t>Lasso</a:t>
+                </a:r>
+                <a:r>
+                  <a:rPr lang="zh-CN" altLang="zh-CN" sz="1400" kern="100" dirty="0">
+                    <a:solidFill>
+                      <a:srgbClr val="000000"/>
+                    </a:solidFill>
+                    <a:effectLst/>
+                    <a:latin typeface="微软雅黑" panose="020B0503020204020204" pitchFamily="34" charset="-122"/>
+                    <a:ea typeface="微软雅黑" panose="020B0503020204020204" pitchFamily="34" charset="-122"/>
+                    <a:cs typeface="Times New Roman" panose="02020603050405020304" pitchFamily="18" charset="0"/>
+                  </a:rPr>
+                  <a:t>回归（</a:t>
+                </a:r>
+                <a:r>
+                  <a:rPr lang="en-US" altLang="zh-CN" sz="1400" kern="100" dirty="0">
+                    <a:solidFill>
+                      <a:srgbClr val="000000"/>
+                    </a:solidFill>
+                    <a:effectLst/>
+                    <a:latin typeface="微软雅黑" panose="020B0503020204020204" pitchFamily="34" charset="-122"/>
+                    <a:ea typeface="微软雅黑" panose="020B0503020204020204" pitchFamily="34" charset="-122"/>
+                    <a:cs typeface="Times New Roman" panose="02020603050405020304" pitchFamily="18" charset="0"/>
+                  </a:rPr>
+                  <a:t>Least Absolute Shrinkage and Selection Operator Regression</a:t>
+                </a:r>
+                <a:r>
+                  <a:rPr lang="zh-CN" altLang="zh-CN" sz="1400" kern="100" dirty="0">
+                    <a:solidFill>
+                      <a:srgbClr val="000000"/>
+                    </a:solidFill>
+                    <a:effectLst/>
+                    <a:latin typeface="微软雅黑" panose="020B0503020204020204" pitchFamily="34" charset="-122"/>
+                    <a:ea typeface="微软雅黑" panose="020B0503020204020204" pitchFamily="34" charset="-122"/>
+                    <a:cs typeface="Times New Roman" panose="02020603050405020304" pitchFamily="18" charset="0"/>
+                  </a:rPr>
+                  <a:t>）是另一种用于处理多重共线性问题的回归方法，类似于岭回归，它也通过在最小二乘法的损失函数中加入正则化项来降低回归系数的大小，从而提高模型的稳定性和泛化能力。</a:t>
+                </a:r>
+                <a:endParaRPr lang="zh-CN" altLang="zh-CN" sz="1400" kern="100" dirty="0">
+                  <a:effectLst/>
+                  <a:latin typeface="微软雅黑" panose="020B0503020204020204" pitchFamily="34" charset="-122"/>
+                  <a:ea typeface="微软雅黑" panose="020B0503020204020204" pitchFamily="34" charset="-122"/>
+                  <a:cs typeface="Times New Roman" panose="02020603050405020304" pitchFamily="18" charset="0"/>
+                </a:endParaRPr>
+              </a:p>
+              <a:p>
+                <a:pPr indent="292100" algn="just">
+                  <a:lnSpc>
+                    <a:spcPct val="150000"/>
+                  </a:lnSpc>
+                </a:pPr>
+                <a:r>
+                  <a:rPr lang="en-US" altLang="zh-CN" sz="1400" kern="100" dirty="0">
+                    <a:solidFill>
+                      <a:srgbClr val="000000"/>
+                    </a:solidFill>
+                    <a:effectLst/>
+                    <a:latin typeface="微软雅黑" panose="020B0503020204020204" pitchFamily="34" charset="-122"/>
+                    <a:ea typeface="微软雅黑" panose="020B0503020204020204" pitchFamily="34" charset="-122"/>
+                    <a:cs typeface="Times New Roman" panose="02020603050405020304" pitchFamily="18" charset="0"/>
+                  </a:rPr>
+                  <a:t>Lasso</a:t>
+                </a:r>
+                <a:r>
+                  <a:rPr lang="zh-CN" altLang="zh-CN" sz="1400" kern="100" dirty="0">
+                    <a:solidFill>
+                      <a:srgbClr val="000000"/>
+                    </a:solidFill>
+                    <a:effectLst/>
+                    <a:latin typeface="微软雅黑" panose="020B0503020204020204" pitchFamily="34" charset="-122"/>
+                    <a:ea typeface="微软雅黑" panose="020B0503020204020204" pitchFamily="34" charset="-122"/>
+                    <a:cs typeface="Times New Roman" panose="02020603050405020304" pitchFamily="18" charset="0"/>
+                  </a:rPr>
+                  <a:t>回归的损失函数可以表示为：</a:t>
+                </a:r>
+                <a:endParaRPr lang="en-US" altLang="zh-CN" sz="1400" kern="100" dirty="0">
+                  <a:solidFill>
+                    <a:srgbClr val="000000"/>
+                  </a:solidFill>
+                  <a:effectLst/>
+                  <a:latin typeface="微软雅黑" panose="020B0503020204020204" pitchFamily="34" charset="-122"/>
+                  <a:ea typeface="微软雅黑" panose="020B0503020204020204" pitchFamily="34" charset="-122"/>
+                  <a:cs typeface="Times New Roman" panose="02020603050405020304" pitchFamily="18" charset="0"/>
+                </a:endParaRPr>
+              </a:p>
+              <a:p>
+                <a:pPr indent="292100" algn="just">
+                  <a:lnSpc>
+                    <a:spcPct val="150000"/>
+                  </a:lnSpc>
+                </a:pPr>
+                <a:endParaRPr lang="zh-CN" altLang="zh-CN" sz="1400" kern="100" dirty="0">
+                  <a:effectLst/>
+                  <a:latin typeface="微软雅黑" panose="020B0503020204020204" pitchFamily="34" charset="-122"/>
+                  <a:ea typeface="微软雅黑" panose="020B0503020204020204" pitchFamily="34" charset="-122"/>
+                  <a:cs typeface="Times New Roman" panose="02020603050405020304" pitchFamily="18" charset="0"/>
+                </a:endParaRPr>
+              </a:p>
+              <a:p>
+                <a:pPr>
+                  <a:lnSpc>
+                    <a:spcPct val="150000"/>
+                  </a:lnSpc>
+                </a:pPr>
+                <a:endParaRPr lang="en-US" altLang="zh-CN" sz="1400" dirty="0">
+                  <a:latin typeface="微软雅黑" panose="020B0503020204020204" pitchFamily="34" charset="-122"/>
+                  <a:ea typeface="微软雅黑" panose="020B0503020204020204" pitchFamily="34" charset="-122"/>
+                </a:endParaRPr>
+              </a:p>
+              <a:p>
+                <a:pPr indent="292100" algn="just">
+                  <a:lnSpc>
+                    <a:spcPct val="150000"/>
+                  </a:lnSpc>
+                </a:pPr>
+                <a:r>
+                  <a:rPr lang="zh-CN" altLang="zh-CN" sz="1400" kern="100" dirty="0">
+                    <a:solidFill>
+                      <a:srgbClr val="000000"/>
+                    </a:solidFill>
+                    <a:effectLst/>
+                    <a:latin typeface="微软雅黑" panose="020B0503020204020204" pitchFamily="34" charset="-122"/>
+                    <a:ea typeface="微软雅黑" panose="020B0503020204020204" pitchFamily="34" charset="-122"/>
+                    <a:cs typeface="Times New Roman" panose="02020603050405020304" pitchFamily="18" charset="0"/>
+                  </a:rPr>
+                  <a:t>其中，</a:t>
+                </a:r>
+                <a14:m>
+                  <m:oMath xmlns:m="http://schemas.openxmlformats.org/officeDocument/2006/math">
+                    <m:sSub>
+                      <m:sSubPr>
+                        <m:ctrlPr>
+                          <a:rPr lang="zh-CN" altLang="zh-CN" sz="1400" i="1" kern="100">
+                            <a:solidFill>
+                              <a:srgbClr val="000000"/>
+                            </a:solidFill>
+                            <a:effectLst/>
+                            <a:latin typeface="Cambria Math" panose="02040503050406030204" pitchFamily="18" charset="0"/>
+                            <a:ea typeface="Cambria Math" panose="02040503050406030204" pitchFamily="18" charset="0"/>
+                            <a:cs typeface="Times New Roman" panose="02020603050405020304" pitchFamily="18" charset="0"/>
+                          </a:rPr>
+                        </m:ctrlPr>
+                      </m:sSubPr>
+                      <m:e>
+                        <m:r>
+                          <a:rPr lang="en-US" altLang="zh-CN" sz="1400" i="1" kern="100">
+                            <a:solidFill>
+                              <a:srgbClr val="000000"/>
+                            </a:solidFill>
+                            <a:effectLst/>
+                            <a:latin typeface="Cambria Math" panose="02040503050406030204" pitchFamily="18" charset="0"/>
+                            <a:ea typeface="宋体" panose="02010600030101010101" pitchFamily="2" charset="-122"/>
+                            <a:cs typeface="Times New Roman" panose="02020603050405020304" pitchFamily="18" charset="0"/>
+                          </a:rPr>
+                          <m:t>𝑦</m:t>
+                        </m:r>
+                      </m:e>
+                      <m:sub>
+                        <m:r>
+                          <a:rPr lang="en-US" altLang="zh-CN" sz="1400" i="1" kern="100">
+                            <a:solidFill>
+                              <a:srgbClr val="000000"/>
+                            </a:solidFill>
+                            <a:effectLst/>
+                            <a:latin typeface="Cambria Math" panose="02040503050406030204" pitchFamily="18" charset="0"/>
+                            <a:ea typeface="宋体" panose="02010600030101010101" pitchFamily="2" charset="-122"/>
+                            <a:cs typeface="Times New Roman" panose="02020603050405020304" pitchFamily="18" charset="0"/>
+                          </a:rPr>
+                          <m:t>𝑖</m:t>
+                        </m:r>
+                      </m:sub>
+                    </m:sSub>
+                  </m:oMath>
+                </a14:m>
+                <a:r>
+                  <a:rPr lang="zh-CN" altLang="zh-CN" sz="1400" kern="100" dirty="0">
+                    <a:solidFill>
+                      <a:srgbClr val="000000"/>
+                    </a:solidFill>
+                    <a:effectLst/>
+                    <a:latin typeface="微软雅黑" panose="020B0503020204020204" pitchFamily="34" charset="-122"/>
+                    <a:ea typeface="微软雅黑" panose="020B0503020204020204" pitchFamily="34" charset="-122"/>
+                    <a:cs typeface="MS Gothic" panose="020B0609070205080204" pitchFamily="49" charset="-128"/>
+                  </a:rPr>
+                  <a:t>​</a:t>
+                </a:r>
+                <a:r>
+                  <a:rPr lang="zh-CN" altLang="zh-CN" sz="1400" kern="100" dirty="0">
+                    <a:solidFill>
+                      <a:srgbClr val="000000"/>
+                    </a:solidFill>
+                    <a:effectLst/>
+                    <a:latin typeface="微软雅黑" panose="020B0503020204020204" pitchFamily="34" charset="-122"/>
+                    <a:ea typeface="微软雅黑" panose="020B0503020204020204" pitchFamily="34" charset="-122"/>
+                    <a:cs typeface="Times New Roman" panose="02020603050405020304" pitchFamily="18" charset="0"/>
+                  </a:rPr>
+                  <a:t>是第</a:t>
+                </a:r>
+                <a14:m>
+                  <m:oMath xmlns:m="http://schemas.openxmlformats.org/officeDocument/2006/math">
+                    <m:r>
+                      <a:rPr lang="en-US" altLang="zh-CN" sz="1400" i="1" kern="100">
+                        <a:solidFill>
+                          <a:srgbClr val="000000"/>
+                        </a:solidFill>
+                        <a:effectLst/>
+                        <a:latin typeface="Cambria Math" panose="02040503050406030204" pitchFamily="18" charset="0"/>
+                        <a:ea typeface="宋体" panose="02010600030101010101" pitchFamily="2" charset="-122"/>
+                        <a:cs typeface="Times New Roman" panose="02020603050405020304" pitchFamily="18" charset="0"/>
+                      </a:rPr>
+                      <m:t>𝑖</m:t>
+                    </m:r>
+                  </m:oMath>
+                </a14:m>
+                <a:r>
+                  <a:rPr lang="zh-CN" altLang="zh-CN" sz="1400" kern="100" dirty="0">
+                    <a:solidFill>
+                      <a:srgbClr val="000000"/>
+                    </a:solidFill>
+                    <a:effectLst/>
+                    <a:latin typeface="微软雅黑" panose="020B0503020204020204" pitchFamily="34" charset="-122"/>
+                    <a:ea typeface="微软雅黑" panose="020B0503020204020204" pitchFamily="34" charset="-122"/>
+                    <a:cs typeface="Times New Roman" panose="02020603050405020304" pitchFamily="18" charset="0"/>
+                  </a:rPr>
+                  <a:t>个观测值，</a:t>
+                </a:r>
+                <a14:m>
+                  <m:oMath xmlns:m="http://schemas.openxmlformats.org/officeDocument/2006/math">
+                    <m:sSub>
+                      <m:sSubPr>
+                        <m:ctrlPr>
+                          <a:rPr lang="zh-CN" altLang="zh-CN" sz="1400" i="1" kern="100">
+                            <a:solidFill>
+                              <a:srgbClr val="000000"/>
+                            </a:solidFill>
+                            <a:effectLst/>
+                            <a:latin typeface="Cambria Math" panose="02040503050406030204" pitchFamily="18" charset="0"/>
+                            <a:ea typeface="Cambria Math" panose="02040503050406030204" pitchFamily="18" charset="0"/>
+                            <a:cs typeface="Times New Roman" panose="02020603050405020304" pitchFamily="18" charset="0"/>
+                          </a:rPr>
+                        </m:ctrlPr>
+                      </m:sSubPr>
+                      <m:e>
+                        <m:r>
+                          <a:rPr lang="en-US" altLang="zh-CN" sz="1400" i="1" kern="100">
+                            <a:solidFill>
+                              <a:srgbClr val="000000"/>
+                            </a:solidFill>
+                            <a:effectLst/>
+                            <a:latin typeface="Cambria Math" panose="02040503050406030204" pitchFamily="18" charset="0"/>
+                            <a:ea typeface="宋体" panose="02010600030101010101" pitchFamily="2" charset="-122"/>
+                            <a:cs typeface="Times New Roman" panose="02020603050405020304" pitchFamily="18" charset="0"/>
+                          </a:rPr>
+                          <m:t>𝑥</m:t>
+                        </m:r>
+                      </m:e>
+                      <m:sub>
+                        <m:r>
+                          <a:rPr lang="en-US" altLang="zh-CN" sz="1400" i="1" kern="100">
+                            <a:solidFill>
+                              <a:srgbClr val="000000"/>
+                            </a:solidFill>
+                            <a:effectLst/>
+                            <a:latin typeface="Cambria Math" panose="02040503050406030204" pitchFamily="18" charset="0"/>
+                            <a:ea typeface="宋体" panose="02010600030101010101" pitchFamily="2" charset="-122"/>
+                            <a:cs typeface="Times New Roman" panose="02020603050405020304" pitchFamily="18" charset="0"/>
+                          </a:rPr>
+                          <m:t>𝑖</m:t>
+                        </m:r>
+                      </m:sub>
+                    </m:sSub>
+                  </m:oMath>
+                </a14:m>
+                <a:r>
+                  <a:rPr lang="zh-CN" altLang="zh-CN" sz="1400" kern="100" dirty="0">
+                    <a:solidFill>
+                      <a:srgbClr val="000000"/>
+                    </a:solidFill>
+                    <a:effectLst/>
+                    <a:latin typeface="微软雅黑" panose="020B0503020204020204" pitchFamily="34" charset="-122"/>
+                    <a:ea typeface="微软雅黑" panose="020B0503020204020204" pitchFamily="34" charset="-122"/>
+                    <a:cs typeface="Times New Roman" panose="02020603050405020304" pitchFamily="18" charset="0"/>
+                  </a:rPr>
+                  <a:t>是第</a:t>
+                </a:r>
+                <a14:m>
+                  <m:oMath xmlns:m="http://schemas.openxmlformats.org/officeDocument/2006/math">
+                    <m:r>
+                      <a:rPr lang="en-US" altLang="zh-CN" sz="1400" i="1" kern="100">
+                        <a:solidFill>
+                          <a:srgbClr val="000000"/>
+                        </a:solidFill>
+                        <a:effectLst/>
+                        <a:latin typeface="Cambria Math" panose="02040503050406030204" pitchFamily="18" charset="0"/>
+                        <a:ea typeface="宋体" panose="02010600030101010101" pitchFamily="2" charset="-122"/>
+                        <a:cs typeface="Times New Roman" panose="02020603050405020304" pitchFamily="18" charset="0"/>
+                      </a:rPr>
+                      <m:t>𝑖</m:t>
+                    </m:r>
+                  </m:oMath>
+                </a14:m>
+                <a:r>
+                  <a:rPr lang="zh-CN" altLang="zh-CN" sz="1400" kern="100" dirty="0">
+                    <a:solidFill>
+                      <a:srgbClr val="000000"/>
+                    </a:solidFill>
+                    <a:effectLst/>
+                    <a:latin typeface="微软雅黑" panose="020B0503020204020204" pitchFamily="34" charset="-122"/>
+                    <a:ea typeface="微软雅黑" panose="020B0503020204020204" pitchFamily="34" charset="-122"/>
+                    <a:cs typeface="Times New Roman" panose="02020603050405020304" pitchFamily="18" charset="0"/>
+                  </a:rPr>
+                  <a:t>个样本的特征向量</a:t>
+                </a:r>
+                <a:r>
+                  <a:rPr lang="en-US" altLang="zh-CN" sz="1400" kern="100" dirty="0">
+                    <a:solidFill>
+                      <a:srgbClr val="000000"/>
+                    </a:solidFill>
+                    <a:effectLst/>
+                    <a:latin typeface="微软雅黑" panose="020B0503020204020204" pitchFamily="34" charset="-122"/>
+                    <a:ea typeface="微软雅黑" panose="020B0503020204020204" pitchFamily="34" charset="-122"/>
+                    <a:cs typeface="Times New Roman" panose="02020603050405020304" pitchFamily="18" charset="0"/>
+                  </a:rPr>
+                  <a:t>,</a:t>
+                </a:r>
+                <a14:m>
+                  <m:oMath xmlns:m="http://schemas.openxmlformats.org/officeDocument/2006/math">
+                    <m:r>
+                      <a:rPr lang="en-US" altLang="zh-CN" sz="1400" i="1" kern="100">
+                        <a:solidFill>
+                          <a:srgbClr val="000000"/>
+                        </a:solidFill>
+                        <a:effectLst/>
+                        <a:latin typeface="Cambria Math" panose="02040503050406030204" pitchFamily="18" charset="0"/>
+                        <a:ea typeface="宋体" panose="02010600030101010101" pitchFamily="2" charset="-122"/>
+                        <a:cs typeface="Times New Roman" panose="02020603050405020304" pitchFamily="18" charset="0"/>
+                      </a:rPr>
+                      <m:t>𝛽</m:t>
+                    </m:r>
+                  </m:oMath>
+                </a14:m>
+                <a:r>
+                  <a:rPr lang="zh-CN" altLang="zh-CN" sz="1400" kern="100" dirty="0">
+                    <a:solidFill>
+                      <a:srgbClr val="000000"/>
+                    </a:solidFill>
+                    <a:effectLst/>
+                    <a:latin typeface="微软雅黑" panose="020B0503020204020204" pitchFamily="34" charset="-122"/>
+                    <a:ea typeface="微软雅黑" panose="020B0503020204020204" pitchFamily="34" charset="-122"/>
+                    <a:cs typeface="Times New Roman" panose="02020603050405020304" pitchFamily="18" charset="0"/>
+                  </a:rPr>
+                  <a:t>是回归系数向量，</a:t>
+                </a:r>
+                <a14:m>
+                  <m:oMath xmlns:m="http://schemas.openxmlformats.org/officeDocument/2006/math">
+                    <m:r>
+                      <a:rPr lang="en-US" altLang="zh-CN" sz="1400" i="1" kern="100">
+                        <a:solidFill>
+                          <a:srgbClr val="000000"/>
+                        </a:solidFill>
+                        <a:effectLst/>
+                        <a:latin typeface="Cambria Math" panose="02040503050406030204" pitchFamily="18" charset="0"/>
+                        <a:ea typeface="宋体" panose="02010600030101010101" pitchFamily="2" charset="-122"/>
+                        <a:cs typeface="Times New Roman" panose="02020603050405020304" pitchFamily="18" charset="0"/>
+                      </a:rPr>
+                      <m:t>𝑛</m:t>
+                    </m:r>
+                  </m:oMath>
+                </a14:m>
+                <a:r>
+                  <a:rPr lang="zh-CN" altLang="zh-CN" sz="1400" kern="100" dirty="0">
+                    <a:solidFill>
+                      <a:srgbClr val="000000"/>
+                    </a:solidFill>
+                    <a:effectLst/>
+                    <a:latin typeface="微软雅黑" panose="020B0503020204020204" pitchFamily="34" charset="-122"/>
+                    <a:ea typeface="微软雅黑" panose="020B0503020204020204" pitchFamily="34" charset="-122"/>
+                    <a:cs typeface="Times New Roman" panose="02020603050405020304" pitchFamily="18" charset="0"/>
+                  </a:rPr>
+                  <a:t>是样本数量，</a:t>
+                </a:r>
+                <a14:m>
+                  <m:oMath xmlns:m="http://schemas.openxmlformats.org/officeDocument/2006/math">
+                    <m:r>
+                      <a:rPr lang="en-US" altLang="zh-CN" sz="1400" i="1" kern="100">
+                        <a:solidFill>
+                          <a:srgbClr val="000000"/>
+                        </a:solidFill>
+                        <a:effectLst/>
+                        <a:latin typeface="Cambria Math" panose="02040503050406030204" pitchFamily="18" charset="0"/>
+                        <a:ea typeface="宋体" panose="02010600030101010101" pitchFamily="2" charset="-122"/>
+                        <a:cs typeface="Times New Roman" panose="02020603050405020304" pitchFamily="18" charset="0"/>
+                      </a:rPr>
+                      <m:t>𝑝</m:t>
+                    </m:r>
+                  </m:oMath>
+                </a14:m>
+                <a:r>
+                  <a:rPr lang="zh-CN" altLang="zh-CN" sz="1400" kern="100" dirty="0">
+                    <a:solidFill>
+                      <a:srgbClr val="000000"/>
+                    </a:solidFill>
+                    <a:effectLst/>
+                    <a:latin typeface="微软雅黑" panose="020B0503020204020204" pitchFamily="34" charset="-122"/>
+                    <a:ea typeface="微软雅黑" panose="020B0503020204020204" pitchFamily="34" charset="-122"/>
+                    <a:cs typeface="Times New Roman" panose="02020603050405020304" pitchFamily="18" charset="0"/>
+                  </a:rPr>
+                  <a:t>是特征数量，</a:t>
+                </a:r>
+                <a14:m>
+                  <m:oMath xmlns:m="http://schemas.openxmlformats.org/officeDocument/2006/math">
+                    <m:r>
+                      <a:rPr lang="en-US" altLang="zh-CN" sz="1400" i="1" kern="100">
+                        <a:solidFill>
+                          <a:srgbClr val="000000"/>
+                        </a:solidFill>
+                        <a:effectLst/>
+                        <a:latin typeface="Cambria Math" panose="02040503050406030204" pitchFamily="18" charset="0"/>
+                        <a:ea typeface="宋体" panose="02010600030101010101" pitchFamily="2" charset="-122"/>
+                        <a:cs typeface="Times New Roman" panose="02020603050405020304" pitchFamily="18" charset="0"/>
+                      </a:rPr>
+                      <m:t>𝜆</m:t>
+                    </m:r>
+                    <m:r>
+                      <a:rPr lang="en-US" altLang="zh-CN" sz="1400" i="1" kern="100">
+                        <a:solidFill>
+                          <a:srgbClr val="000000"/>
+                        </a:solidFill>
+                        <a:effectLst/>
+                        <a:latin typeface="Cambria Math" panose="02040503050406030204" pitchFamily="18" charset="0"/>
+                        <a:ea typeface="宋体" panose="02010600030101010101" pitchFamily="2" charset="-122"/>
+                        <a:cs typeface="Times New Roman" panose="02020603050405020304" pitchFamily="18" charset="0"/>
+                      </a:rPr>
+                      <m:t> </m:t>
+                    </m:r>
+                  </m:oMath>
+                </a14:m>
+                <a:r>
+                  <a:rPr lang="zh-CN" altLang="zh-CN" sz="1400" kern="100" dirty="0">
+                    <a:solidFill>
+                      <a:srgbClr val="000000"/>
+                    </a:solidFill>
+                    <a:effectLst/>
+                    <a:latin typeface="微软雅黑" panose="020B0503020204020204" pitchFamily="34" charset="-122"/>
+                    <a:ea typeface="微软雅黑" panose="020B0503020204020204" pitchFamily="34" charset="-122"/>
+                    <a:cs typeface="Times New Roman" panose="02020603050405020304" pitchFamily="18" charset="0"/>
+                  </a:rPr>
+                  <a:t>是正则化参数，也称为</a:t>
+                </a:r>
+                <a:r>
+                  <a:rPr lang="en-US" altLang="zh-CN" sz="1400" kern="100" dirty="0">
+                    <a:solidFill>
+                      <a:srgbClr val="000000"/>
+                    </a:solidFill>
+                    <a:effectLst/>
+                    <a:latin typeface="微软雅黑" panose="020B0503020204020204" pitchFamily="34" charset="-122"/>
+                    <a:ea typeface="微软雅黑" panose="020B0503020204020204" pitchFamily="34" charset="-122"/>
+                    <a:cs typeface="Times New Roman" panose="02020603050405020304" pitchFamily="18" charset="0"/>
+                  </a:rPr>
+                  <a:t>Lasso</a:t>
+                </a:r>
+                <a:r>
+                  <a:rPr lang="zh-CN" altLang="zh-CN" sz="1400" kern="100" dirty="0">
+                    <a:solidFill>
+                      <a:srgbClr val="000000"/>
+                    </a:solidFill>
+                    <a:effectLst/>
+                    <a:latin typeface="微软雅黑" panose="020B0503020204020204" pitchFamily="34" charset="-122"/>
+                    <a:ea typeface="微软雅黑" panose="020B0503020204020204" pitchFamily="34" charset="-122"/>
+                    <a:cs typeface="Times New Roman" panose="02020603050405020304" pitchFamily="18" charset="0"/>
+                  </a:rPr>
+                  <a:t>参数，它控制了正则化项对损失函数的影响程度。</a:t>
+                </a:r>
+                <a:endParaRPr lang="zh-CN" altLang="zh-CN" sz="1400" kern="100" dirty="0">
+                  <a:effectLst/>
+                  <a:latin typeface="微软雅黑" panose="020B0503020204020204" pitchFamily="34" charset="-122"/>
+                  <a:ea typeface="微软雅黑" panose="020B0503020204020204" pitchFamily="34" charset="-122"/>
+                  <a:cs typeface="Times New Roman" panose="02020603050405020304" pitchFamily="18" charset="0"/>
+                </a:endParaRPr>
+              </a:p>
+              <a:p>
+                <a:pPr indent="292100" algn="just">
+                  <a:lnSpc>
+                    <a:spcPct val="150000"/>
+                  </a:lnSpc>
+                </a:pPr>
+                <a:r>
+                  <a:rPr lang="en-US" altLang="zh-CN" sz="1400" kern="100" dirty="0">
+                    <a:solidFill>
+                      <a:srgbClr val="000000"/>
+                    </a:solidFill>
+                    <a:effectLst/>
+                    <a:latin typeface="微软雅黑" panose="020B0503020204020204" pitchFamily="34" charset="-122"/>
+                    <a:ea typeface="微软雅黑" panose="020B0503020204020204" pitchFamily="34" charset="-122"/>
+                    <a:cs typeface="Times New Roman" panose="02020603050405020304" pitchFamily="18" charset="0"/>
+                  </a:rPr>
+                  <a:t>Lasso</a:t>
+                </a:r>
+                <a:r>
+                  <a:rPr lang="zh-CN" altLang="zh-CN" sz="1400" kern="100" dirty="0">
+                    <a:solidFill>
+                      <a:srgbClr val="000000"/>
+                    </a:solidFill>
+                    <a:effectLst/>
+                    <a:latin typeface="微软雅黑" panose="020B0503020204020204" pitchFamily="34" charset="-122"/>
+                    <a:ea typeface="微软雅黑" panose="020B0503020204020204" pitchFamily="34" charset="-122"/>
+                    <a:cs typeface="Times New Roman" panose="02020603050405020304" pitchFamily="18" charset="0"/>
+                  </a:rPr>
+                  <a:t>回归使用的是</a:t>
+                </a:r>
+                <a14:m>
+                  <m:oMath xmlns:m="http://schemas.openxmlformats.org/officeDocument/2006/math">
+                    <m:d>
+                      <m:dPr>
+                        <m:begChr m:val="|"/>
+                        <m:endChr m:val="|"/>
+                        <m:ctrlPr>
+                          <a:rPr lang="zh-CN" altLang="zh-CN" sz="1400" i="1" kern="100">
+                            <a:solidFill>
+                              <a:srgbClr val="000000"/>
+                            </a:solidFill>
+                            <a:effectLst/>
+                            <a:latin typeface="Cambria Math" panose="02040503050406030204" pitchFamily="18" charset="0"/>
+                            <a:ea typeface="Cambria Math" panose="02040503050406030204" pitchFamily="18" charset="0"/>
+                            <a:cs typeface="Times New Roman" panose="02020603050405020304" pitchFamily="18" charset="0"/>
+                          </a:rPr>
+                        </m:ctrlPr>
+                      </m:dPr>
+                      <m:e>
+                        <m:sSub>
+                          <m:sSubPr>
+                            <m:ctrlPr>
+                              <a:rPr lang="zh-CN" altLang="zh-CN" sz="1400" i="1" kern="100">
+                                <a:solidFill>
+                                  <a:srgbClr val="000000"/>
+                                </a:solidFill>
+                                <a:effectLst/>
+                                <a:latin typeface="Cambria Math" panose="02040503050406030204" pitchFamily="18" charset="0"/>
+                                <a:ea typeface="Cambria Math" panose="02040503050406030204" pitchFamily="18" charset="0"/>
+                                <a:cs typeface="Times New Roman" panose="02020603050405020304" pitchFamily="18" charset="0"/>
+                              </a:rPr>
+                            </m:ctrlPr>
+                          </m:sSubPr>
+                          <m:e>
+                            <m:r>
+                              <a:rPr lang="en-US" altLang="zh-CN" sz="1400" i="1" kern="100">
+                                <a:solidFill>
+                                  <a:srgbClr val="000000"/>
+                                </a:solidFill>
+                                <a:effectLst/>
+                                <a:latin typeface="Cambria Math" panose="02040503050406030204" pitchFamily="18" charset="0"/>
+                                <a:ea typeface="宋体" panose="02010600030101010101" pitchFamily="2" charset="-122"/>
+                                <a:cs typeface="Times New Roman" panose="02020603050405020304" pitchFamily="18" charset="0"/>
+                              </a:rPr>
+                              <m:t>𝛽</m:t>
+                            </m:r>
+                          </m:e>
+                          <m:sub>
+                            <m:r>
+                              <a:rPr lang="en-US" altLang="zh-CN" sz="1400" i="1" kern="100">
+                                <a:solidFill>
+                                  <a:srgbClr val="000000"/>
+                                </a:solidFill>
+                                <a:effectLst/>
+                                <a:latin typeface="Cambria Math" panose="02040503050406030204" pitchFamily="18" charset="0"/>
+                                <a:ea typeface="宋体" panose="02010600030101010101" pitchFamily="2" charset="-122"/>
+                                <a:cs typeface="Times New Roman" panose="02020603050405020304" pitchFamily="18" charset="0"/>
+                              </a:rPr>
+                              <m:t>𝑗</m:t>
+                            </m:r>
+                          </m:sub>
+                        </m:sSub>
+                      </m:e>
+                    </m:d>
+                  </m:oMath>
+                </a14:m>
+                <a:r>
+                  <a:rPr lang="zh-CN" altLang="zh-CN" sz="1400" kern="100" dirty="0">
+                    <a:solidFill>
+                      <a:srgbClr val="000000"/>
+                    </a:solidFill>
+                    <a:effectLst/>
+                    <a:latin typeface="微软雅黑" panose="020B0503020204020204" pitchFamily="34" charset="-122"/>
+                    <a:ea typeface="微软雅黑" panose="020B0503020204020204" pitchFamily="34" charset="-122"/>
+                    <a:cs typeface="Times New Roman" panose="02020603050405020304" pitchFamily="18" charset="0"/>
+                  </a:rPr>
+                  <a:t>，即回归系数的绝对值，作为正则化项。这使得在</a:t>
+                </a:r>
+                <a:r>
+                  <a:rPr lang="en-US" altLang="zh-CN" sz="1400" kern="100" dirty="0">
+                    <a:solidFill>
+                      <a:srgbClr val="000000"/>
+                    </a:solidFill>
+                    <a:effectLst/>
+                    <a:latin typeface="微软雅黑" panose="020B0503020204020204" pitchFamily="34" charset="-122"/>
+                    <a:ea typeface="微软雅黑" panose="020B0503020204020204" pitchFamily="34" charset="-122"/>
+                    <a:cs typeface="Times New Roman" panose="02020603050405020304" pitchFamily="18" charset="0"/>
+                  </a:rPr>
+                  <a:t>Lasso</a:t>
+                </a:r>
+                <a:r>
+                  <a:rPr lang="zh-CN" altLang="zh-CN" sz="1400" kern="100" dirty="0">
+                    <a:solidFill>
+                      <a:srgbClr val="000000"/>
+                    </a:solidFill>
+                    <a:effectLst/>
+                    <a:latin typeface="微软雅黑" panose="020B0503020204020204" pitchFamily="34" charset="-122"/>
+                    <a:ea typeface="微软雅黑" panose="020B0503020204020204" pitchFamily="34" charset="-122"/>
+                    <a:cs typeface="Times New Roman" panose="02020603050405020304" pitchFamily="18" charset="0"/>
+                  </a:rPr>
+                  <a:t>回归中，一些回归系数可能会被压缩到零，从而实现了特征选择的效果。因此，</a:t>
+                </a:r>
+                <a:r>
+                  <a:rPr lang="en-US" altLang="zh-CN" sz="1400" kern="100" dirty="0">
+                    <a:solidFill>
+                      <a:srgbClr val="000000"/>
+                    </a:solidFill>
+                    <a:effectLst/>
+                    <a:latin typeface="微软雅黑" panose="020B0503020204020204" pitchFamily="34" charset="-122"/>
+                    <a:ea typeface="微软雅黑" panose="020B0503020204020204" pitchFamily="34" charset="-122"/>
+                    <a:cs typeface="Times New Roman" panose="02020603050405020304" pitchFamily="18" charset="0"/>
+                  </a:rPr>
+                  <a:t>Lasso</a:t>
+                </a:r>
+                <a:r>
+                  <a:rPr lang="zh-CN" altLang="zh-CN" sz="1400" kern="100" dirty="0">
+                    <a:solidFill>
+                      <a:srgbClr val="000000"/>
+                    </a:solidFill>
+                    <a:effectLst/>
+                    <a:latin typeface="微软雅黑" panose="020B0503020204020204" pitchFamily="34" charset="-122"/>
+                    <a:ea typeface="微软雅黑" panose="020B0503020204020204" pitchFamily="34" charset="-122"/>
+                    <a:cs typeface="Times New Roman" panose="02020603050405020304" pitchFamily="18" charset="0"/>
+                  </a:rPr>
+                  <a:t>回归不仅可以缓解多重共线性问题，还能够在一定程度上进行特征选择，去除对预测目标贡献较小的特征。</a:t>
+                </a:r>
+                <a:endParaRPr lang="zh-CN" altLang="zh-CN" sz="1400" kern="100" dirty="0">
+                  <a:effectLst/>
+                  <a:latin typeface="微软雅黑" panose="020B0503020204020204" pitchFamily="34" charset="-122"/>
+                  <a:ea typeface="微软雅黑" panose="020B0503020204020204" pitchFamily="34" charset="-122"/>
+                  <a:cs typeface="Times New Roman" panose="02020603050405020304" pitchFamily="18" charset="0"/>
+                </a:endParaRPr>
+              </a:p>
+              <a:p>
+                <a:pPr>
+                  <a:lnSpc>
+                    <a:spcPct val="150000"/>
+                  </a:lnSpc>
+                </a:pPr>
+                <a:r>
+                  <a:rPr lang="en-US" altLang="zh-CN" sz="1400" kern="100" dirty="0">
+                    <a:solidFill>
+                      <a:srgbClr val="000000"/>
+                    </a:solidFill>
+                    <a:effectLst/>
+                    <a:latin typeface="微软雅黑" panose="020B0503020204020204" pitchFamily="34" charset="-122"/>
+                    <a:ea typeface="微软雅黑" panose="020B0503020204020204" pitchFamily="34" charset="-122"/>
+                  </a:rPr>
+                  <a:t>    Lasso</a:t>
+                </a:r>
+                <a:r>
+                  <a:rPr lang="zh-CN" altLang="zh-CN" sz="1400" kern="100" dirty="0">
+                    <a:solidFill>
+                      <a:srgbClr val="000000"/>
+                    </a:solidFill>
+                    <a:effectLst/>
+                    <a:latin typeface="微软雅黑" panose="020B0503020204020204" pitchFamily="34" charset="-122"/>
+                    <a:ea typeface="微软雅黑" panose="020B0503020204020204" pitchFamily="34" charset="-122"/>
+                    <a:cs typeface="Times New Roman" panose="02020603050405020304" pitchFamily="18" charset="0"/>
+                  </a:rPr>
+                  <a:t>回归的回归系数可以通过以下公式求解：</a:t>
+                </a:r>
+                <a:endParaRPr lang="en-US" altLang="zh-CN" sz="1400" kern="100" dirty="0">
+                  <a:solidFill>
+                    <a:srgbClr val="000000"/>
+                  </a:solidFill>
+                  <a:effectLst/>
+                  <a:latin typeface="微软雅黑" panose="020B0503020204020204" pitchFamily="34" charset="-122"/>
+                  <a:ea typeface="微软雅黑" panose="020B0503020204020204" pitchFamily="34" charset="-122"/>
+                  <a:cs typeface="Times New Roman" panose="02020603050405020304" pitchFamily="18" charset="0"/>
+                </a:endParaRPr>
+              </a:p>
+              <a:p>
+                <a:endParaRPr lang="en-US" altLang="zh-CN" dirty="0"/>
+              </a:p>
+            </p:txBody>
+          </p:sp>
+        </mc:Choice>
+        <mc:Fallback>
+          <p:sp>
+            <p:nvSpPr>
+              <p:cNvPr id="2" name="文本框 1">
+                <a:extLst>
+                  <a:ext uri="{FF2B5EF4-FFF2-40B4-BE49-F238E27FC236}">
+                    <a16:creationId xmlns:a16="http://schemas.microsoft.com/office/drawing/2014/main" id="{F8D6FC1F-2CF8-A9B1-6D31-582F37CC08D7}"/>
+                  </a:ext>
+                </a:extLst>
+              </p:cNvPr>
+              <p:cNvSpPr txBox="1">
+                <a:spLocks noRot="1" noChangeAspect="1" noMove="1" noResize="1" noEditPoints="1" noAdjustHandles="1" noChangeArrowheads="1" noChangeShapeType="1" noTextEdit="1"/>
+              </p:cNvSpPr>
+              <p:nvPr/>
+            </p:nvSpPr>
+            <p:spPr>
+              <a:xfrm>
+                <a:off x="1214891" y="1373148"/>
+                <a:ext cx="9990138" cy="4296369"/>
+              </a:xfrm>
+              <a:prstGeom prst="rect">
+                <a:avLst/>
+              </a:prstGeom>
+              <a:blipFill>
+                <a:blip r:embed="rId4"/>
+                <a:stretch>
+                  <a:fillRect l="-183" r="-2013"/>
+                </a:stretch>
+              </a:blipFill>
+            </p:spPr>
+            <p:txBody>
+              <a:bodyPr/>
+              <a:lstStyle/>
+              <a:p>
+                <a:r>
+                  <a:rPr lang="zh-CN" altLang="en-US">
+                    <a:noFill/>
+                  </a:rPr>
+                  <a:t> </a:t>
+                </a:r>
+              </a:p>
+            </p:txBody>
+          </p:sp>
+        </mc:Fallback>
+      </mc:AlternateContent>
+      <p:pic>
+        <p:nvPicPr>
+          <p:cNvPr id="8" name="图片 7">
+            <a:extLst>
+              <a:ext uri="{FF2B5EF4-FFF2-40B4-BE49-F238E27FC236}">
+                <a16:creationId xmlns:a16="http://schemas.microsoft.com/office/drawing/2014/main" id="{A8C4F5A2-60FF-6DA0-8773-AA6AF13480B8}"/>
+              </a:ext>
+            </a:extLst>
+          </p:cNvPr>
+          <p:cNvPicPr>
+            <a:picLocks noChangeAspect="1"/>
+          </p:cNvPicPr>
+          <p:nvPr/>
+        </p:nvPicPr>
+        <p:blipFill>
+          <a:blip r:embed="rId5">
+            <a:extLst>
+              <a:ext uri="{28A0092B-C50C-407E-A947-70E740481C1C}">
+                <a14:useLocalDpi xmlns:a14="http://schemas.microsoft.com/office/drawing/2010/main" val="0"/>
+              </a:ext>
+            </a:extLst>
+          </a:blip>
+          <a:srcRect/>
+          <a:stretch>
+            <a:fillRect/>
+          </a:stretch>
+        </p:blipFill>
+        <p:spPr bwMode="auto">
+          <a:xfrm>
+            <a:off x="4444070" y="2190296"/>
+            <a:ext cx="2682240" cy="800100"/>
+          </a:xfrm>
+          <a:prstGeom prst="rect">
+            <a:avLst/>
+          </a:prstGeom>
+          <a:noFill/>
+          <a:ln>
+            <a:noFill/>
+          </a:ln>
+        </p:spPr>
+      </p:pic>
+      <p:pic>
+        <p:nvPicPr>
+          <p:cNvPr id="9" name="图片 8">
+            <a:extLst>
+              <a:ext uri="{FF2B5EF4-FFF2-40B4-BE49-F238E27FC236}">
+                <a16:creationId xmlns:a16="http://schemas.microsoft.com/office/drawing/2014/main" id="{4819C65B-6228-FC1E-09A5-4E52483DAC58}"/>
+              </a:ext>
+            </a:extLst>
+          </p:cNvPr>
+          <p:cNvPicPr>
+            <a:picLocks noChangeAspect="1"/>
+          </p:cNvPicPr>
+          <p:nvPr/>
+        </p:nvPicPr>
+        <p:blipFill>
+          <a:blip r:embed="rId6">
+            <a:extLst>
+              <a:ext uri="{28A0092B-C50C-407E-A947-70E740481C1C}">
+                <a14:useLocalDpi xmlns:a14="http://schemas.microsoft.com/office/drawing/2010/main" val="0"/>
+              </a:ext>
+            </a:extLst>
+          </a:blip>
+          <a:srcRect/>
+          <a:stretch>
+            <a:fillRect/>
+          </a:stretch>
+        </p:blipFill>
+        <p:spPr bwMode="auto">
+          <a:xfrm>
+            <a:off x="2912654" y="5427690"/>
+            <a:ext cx="5265420" cy="609600"/>
+          </a:xfrm>
+          <a:prstGeom prst="rect">
+            <a:avLst/>
+          </a:prstGeom>
+          <a:noFill/>
+          <a:ln>
+            <a:noFill/>
+          </a:ln>
+        </p:spPr>
+      </p:pic>
+      <mc:AlternateContent xmlns:mc="http://schemas.openxmlformats.org/markup-compatibility/2006">
+        <mc:Choice xmlns:a14="http://schemas.microsoft.com/office/drawing/2010/main" Requires="a14">
+          <p:sp>
+            <p:nvSpPr>
+              <p:cNvPr id="10" name="文本框 9">
+                <a:extLst>
+                  <a:ext uri="{FF2B5EF4-FFF2-40B4-BE49-F238E27FC236}">
+                    <a16:creationId xmlns:a16="http://schemas.microsoft.com/office/drawing/2014/main" id="{4A4CB3B5-EA06-9B70-01BC-C8BF3F54A276}"/>
+                  </a:ext>
+                </a:extLst>
+              </p:cNvPr>
+              <p:cNvSpPr txBox="1"/>
+              <p:nvPr/>
+            </p:nvSpPr>
+            <p:spPr>
+              <a:xfrm>
+                <a:off x="1214891" y="6017060"/>
+                <a:ext cx="9505950" cy="700576"/>
+              </a:xfrm>
+              <a:prstGeom prst="rect">
+                <a:avLst/>
+              </a:prstGeom>
+              <a:noFill/>
+            </p:spPr>
+            <p:txBody>
+              <a:bodyPr wrap="square" rtlCol="0">
+                <a:spAutoFit/>
+              </a:bodyPr>
+              <a:lstStyle/>
+              <a:p>
+                <a:pPr>
+                  <a:lnSpc>
+                    <a:spcPct val="150000"/>
+                  </a:lnSpc>
+                </a:pPr>
+                <a:r>
+                  <a:rPr lang="en-US" altLang="zh-CN" sz="1400" kern="100" dirty="0">
+                    <a:solidFill>
+                      <a:srgbClr val="000000"/>
+                    </a:solidFill>
+                    <a:latin typeface="微软雅黑" panose="020B0503020204020204" pitchFamily="34" charset="-122"/>
+                    <a:ea typeface="微软雅黑" panose="020B0503020204020204" pitchFamily="34" charset="-122"/>
+                    <a:cs typeface="Times New Roman" panose="02020603050405020304" pitchFamily="18" charset="0"/>
+                  </a:rPr>
+                  <a:t>    Lasso</a:t>
+                </a:r>
+                <a:r>
+                  <a:rPr lang="zh-CN" altLang="zh-CN" sz="1400" kern="100" dirty="0">
+                    <a:solidFill>
+                      <a:srgbClr val="000000"/>
+                    </a:solidFill>
+                    <a:latin typeface="微软雅黑" panose="020B0503020204020204" pitchFamily="34" charset="-122"/>
+                    <a:ea typeface="微软雅黑" panose="020B0503020204020204" pitchFamily="34" charset="-122"/>
+                    <a:cs typeface="Times New Roman" panose="02020603050405020304" pitchFamily="18" charset="0"/>
+                  </a:rPr>
+                  <a:t>回归要正确选择合适的 </a:t>
+                </a:r>
+                <a14:m>
+                  <m:oMath xmlns:m="http://schemas.openxmlformats.org/officeDocument/2006/math">
+                    <m:r>
+                      <a:rPr lang="en-US" altLang="zh-CN" sz="1400" kern="100">
+                        <a:solidFill>
+                          <a:srgbClr val="000000"/>
+                        </a:solidFill>
+                        <a:latin typeface="Cambria Math" panose="02040503050406030204" pitchFamily="18" charset="0"/>
+                        <a:ea typeface="宋体" panose="02010600030101010101" pitchFamily="2" charset="-122"/>
+                        <a:cs typeface="Times New Roman" panose="02020603050405020304" pitchFamily="18" charset="0"/>
+                      </a:rPr>
+                      <m:t>𝜆</m:t>
+                    </m:r>
+                  </m:oMath>
+                </a14:m>
+                <a:r>
+                  <a:rPr lang="zh-CN" altLang="zh-CN" sz="1400" kern="100" dirty="0">
+                    <a:solidFill>
+                      <a:srgbClr val="000000"/>
+                    </a:solidFill>
+                    <a:latin typeface="微软雅黑" panose="020B0503020204020204" pitchFamily="34" charset="-122"/>
+                    <a:ea typeface="微软雅黑" panose="020B0503020204020204" pitchFamily="34" charset="-122"/>
+                    <a:cs typeface="Times New Roman" panose="02020603050405020304" pitchFamily="18" charset="0"/>
+                  </a:rPr>
+                  <a:t>值。较大的</a:t>
+                </a:r>
+                <a14:m>
+                  <m:oMath xmlns:m="http://schemas.openxmlformats.org/officeDocument/2006/math">
+                    <m:r>
+                      <a:rPr lang="en-US" altLang="zh-CN" sz="1400" kern="100">
+                        <a:solidFill>
+                          <a:srgbClr val="000000"/>
+                        </a:solidFill>
+                        <a:latin typeface="Cambria Math" panose="02040503050406030204" pitchFamily="18" charset="0"/>
+                        <a:ea typeface="宋体" panose="02010600030101010101" pitchFamily="2" charset="-122"/>
+                        <a:cs typeface="Times New Roman" panose="02020603050405020304" pitchFamily="18" charset="0"/>
+                      </a:rPr>
+                      <m:t>𝜆</m:t>
+                    </m:r>
+                  </m:oMath>
+                </a14:m>
+                <a:r>
+                  <a:rPr lang="zh-CN" altLang="zh-CN" sz="1400" kern="100" dirty="0">
+                    <a:solidFill>
+                      <a:srgbClr val="000000"/>
+                    </a:solidFill>
+                    <a:latin typeface="微软雅黑" panose="020B0503020204020204" pitchFamily="34" charset="-122"/>
+                    <a:ea typeface="微软雅黑" panose="020B0503020204020204" pitchFamily="34" charset="-122"/>
+                    <a:cs typeface="Times New Roman" panose="02020603050405020304" pitchFamily="18" charset="0"/>
+                  </a:rPr>
+                  <a:t>值会导致更多的回归系数被压缩到零，从而增加模型的稳定性但可能引入欠拟合，而较小的 </a:t>
+                </a:r>
+                <a14:m>
+                  <m:oMath xmlns:m="http://schemas.openxmlformats.org/officeDocument/2006/math">
+                    <m:r>
+                      <a:rPr lang="en-US" altLang="zh-CN" sz="1400" kern="100">
+                        <a:solidFill>
+                          <a:srgbClr val="000000"/>
+                        </a:solidFill>
+                        <a:latin typeface="Cambria Math" panose="02040503050406030204" pitchFamily="18" charset="0"/>
+                        <a:ea typeface="宋体" panose="02010600030101010101" pitchFamily="2" charset="-122"/>
+                        <a:cs typeface="Times New Roman" panose="02020603050405020304" pitchFamily="18" charset="0"/>
+                      </a:rPr>
+                      <m:t>𝜆</m:t>
+                    </m:r>
+                  </m:oMath>
+                </a14:m>
+                <a:r>
+                  <a:rPr lang="en-US" altLang="zh-CN" sz="1400" kern="100" dirty="0">
+                    <a:solidFill>
+                      <a:srgbClr val="000000"/>
+                    </a:solidFill>
+                    <a:latin typeface="微软雅黑" panose="020B0503020204020204" pitchFamily="34" charset="-122"/>
+                    <a:ea typeface="微软雅黑" panose="020B0503020204020204" pitchFamily="34" charset="-122"/>
+                    <a:cs typeface="Times New Roman" panose="02020603050405020304" pitchFamily="18" charset="0"/>
+                  </a:rPr>
+                  <a:t> </a:t>
+                </a:r>
+                <a:r>
+                  <a:rPr lang="zh-CN" altLang="zh-CN" sz="1400" kern="100" dirty="0">
+                    <a:solidFill>
+                      <a:srgbClr val="000000"/>
+                    </a:solidFill>
+                    <a:latin typeface="微软雅黑" panose="020B0503020204020204" pitchFamily="34" charset="-122"/>
+                    <a:ea typeface="微软雅黑" panose="020B0503020204020204" pitchFamily="34" charset="-122"/>
+                    <a:cs typeface="Times New Roman" panose="02020603050405020304" pitchFamily="18" charset="0"/>
+                  </a:rPr>
+                  <a:t>值则可能引发过拟合。</a:t>
+                </a:r>
+              </a:p>
+            </p:txBody>
+          </p:sp>
+        </mc:Choice>
+        <mc:Fallback>
+          <p:sp>
+            <p:nvSpPr>
+              <p:cNvPr id="10" name="文本框 9">
+                <a:extLst>
+                  <a:ext uri="{FF2B5EF4-FFF2-40B4-BE49-F238E27FC236}">
+                    <a16:creationId xmlns:a16="http://schemas.microsoft.com/office/drawing/2014/main" id="{4A4CB3B5-EA06-9B70-01BC-C8BF3F54A276}"/>
+                  </a:ext>
+                </a:extLst>
+              </p:cNvPr>
+              <p:cNvSpPr txBox="1">
+                <a:spLocks noRot="1" noChangeAspect="1" noMove="1" noResize="1" noEditPoints="1" noAdjustHandles="1" noChangeArrowheads="1" noChangeShapeType="1" noTextEdit="1"/>
+              </p:cNvSpPr>
+              <p:nvPr/>
+            </p:nvSpPr>
+            <p:spPr>
+              <a:xfrm>
+                <a:off x="1214891" y="6017060"/>
+                <a:ext cx="9505950" cy="700576"/>
+              </a:xfrm>
+              <a:prstGeom prst="rect">
+                <a:avLst/>
+              </a:prstGeom>
+              <a:blipFill>
+                <a:blip r:embed="rId7"/>
+                <a:stretch>
+                  <a:fillRect l="-192" b="-8696"/>
+                </a:stretch>
+              </a:blipFill>
+            </p:spPr>
+            <p:txBody>
+              <a:bodyPr/>
+              <a:lstStyle/>
+              <a:p>
+                <a:r>
+                  <a:rPr lang="zh-CN" altLang="en-US">
+                    <a:noFill/>
+                  </a:rPr>
+                  <a:t> </a:t>
+                </a:r>
+              </a:p>
+            </p:txBody>
+          </p:sp>
+        </mc:Fallback>
+      </mc:AlternateContent>
     </p:spTree>
   </p:cSld>
   <p:clrMapOvr>
@@ -13217,7 +16263,13 @@
       </p:grpSpPr>
       <p:sp>
         <p:nvSpPr>
-          <p:cNvPr id="11" name="矩形 10"/>
+          <p:cNvPr id="11" name="矩形 10">
+            <a:extLst>
+              <a:ext uri="{FF2B5EF4-FFF2-40B4-BE49-F238E27FC236}">
+                <a16:creationId xmlns:a16="http://schemas.microsoft.com/office/drawing/2014/main" id="{7EB64875-B786-4ACC-B334-DDED712CB222}"/>
+              </a:ext>
+            </a:extLst>
+          </p:cNvPr>
           <p:cNvSpPr/>
           <p:nvPr/>
         </p:nvSpPr>
@@ -13287,6 +16339,7 @@
               <a:buSzTx/>
               <a:buFontTx/>
               <a:buNone/>
+              <a:tabLst/>
               <a:defRPr/>
             </a:pPr>
             <a:endParaRPr kumimoji="0" lang="zh-CN" altLang="en-US" sz="1800" b="0" i="0" u="none" strike="noStrike" kern="1200" cap="none" spc="0" normalizeH="0" baseline="0" noProof="0">
@@ -13299,8 +16352,8 @@
               <a:effectLst/>
               <a:uLnTx/>
               <a:uFillTx/>
-              <a:latin typeface="等线" panose="02010600030101010101" charset="-122"/>
-              <a:ea typeface="等线" panose="02010600030101010101" charset="-122"/>
+              <a:latin typeface="等线" panose="020F0502020204030204"/>
+              <a:ea typeface="等线" panose="02010600030101010101" pitchFamily="2" charset="-122"/>
               <a:cs typeface="+mn-cs"/>
             </a:endParaRPr>
           </a:p>
@@ -13308,7 +16361,13 @@
       </p:sp>
       <p:cxnSp>
         <p:nvCxnSpPr>
-          <p:cNvPr id="6" name="直接连接符 5"/>
+          <p:cNvPr id="18" name="直接连接符 17">
+            <a:extLst>
+              <a:ext uri="{FF2B5EF4-FFF2-40B4-BE49-F238E27FC236}">
+                <a16:creationId xmlns:a16="http://schemas.microsoft.com/office/drawing/2014/main" id="{1A67C03D-73EE-060A-2B9A-5FF0BDFF7CAE}"/>
+              </a:ext>
+            </a:extLst>
+          </p:cNvPr>
           <p:cNvCxnSpPr/>
           <p:nvPr/>
         </p:nvCxnSpPr>
@@ -13346,7 +16405,7 @@
           <p:cNvPr id="2" name="文本框 1">
             <a:extLst>
               <a:ext uri="{FF2B5EF4-FFF2-40B4-BE49-F238E27FC236}">
-                <a16:creationId xmlns:a16="http://schemas.microsoft.com/office/drawing/2014/main" id="{0A64FE90-079A-50B6-3B06-DD8DA84F46B3}"/>
+                <a16:creationId xmlns:a16="http://schemas.microsoft.com/office/drawing/2014/main" id="{A657F4FF-A031-EF71-864F-FEBB315A60CD}"/>
               </a:ext>
             </a:extLst>
           </p:cNvPr>
@@ -13356,7 +16415,7 @@
         <p:spPr>
           <a:xfrm>
             <a:off x="587375" y="600842"/>
-            <a:ext cx="1653017" cy="461665"/>
+            <a:ext cx="3547766" cy="461665"/>
           </a:xfrm>
           <a:prstGeom prst="rect">
             <a:avLst/>
@@ -13418,10 +16477,459 @@
               </a:rPr>
               <a:t>回归</a:t>
             </a:r>
+            <a:r>
+              <a:rPr kumimoji="0" lang="en-US" altLang="zh-CN" sz="2400" b="1" i="0" u="none" strike="noStrike" kern="1200" cap="none" spc="0" normalizeH="0" baseline="0" noProof="0" dirty="0">
+                <a:ln>
+                  <a:noFill/>
+                </a:ln>
+                <a:solidFill>
+                  <a:prstClr val="black"/>
+                </a:solidFill>
+                <a:effectLst/>
+                <a:uLnTx/>
+                <a:uFillTx/>
+                <a:latin typeface="微软雅黑" panose="020B0503020204020204" pitchFamily="34" charset="-122"/>
+                <a:ea typeface="微软雅黑" panose="020B0503020204020204" pitchFamily="34" charset="-122"/>
+              </a:rPr>
+              <a:t>——</a:t>
+            </a:r>
+            <a:r>
+              <a:rPr kumimoji="0" lang="zh-CN" altLang="en-US" sz="2400" b="1" i="0" u="none" strike="noStrike" kern="1200" cap="none" spc="0" normalizeH="0" baseline="0" noProof="0" dirty="0">
+                <a:ln>
+                  <a:noFill/>
+                </a:ln>
+                <a:solidFill>
+                  <a:prstClr val="black"/>
+                </a:solidFill>
+                <a:effectLst/>
+                <a:uLnTx/>
+                <a:uFillTx/>
+                <a:latin typeface="微软雅黑" panose="020B0503020204020204" pitchFamily="34" charset="-122"/>
+                <a:ea typeface="微软雅黑" panose="020B0503020204020204" pitchFamily="34" charset="-122"/>
+              </a:rPr>
+              <a:t>代码分析</a:t>
+            </a:r>
           </a:p>
         </p:txBody>
       </p:sp>
+      <p:sp>
+        <p:nvSpPr>
+          <p:cNvPr id="3" name="Rectangle 9">
+            <a:extLst>
+              <a:ext uri="{FF2B5EF4-FFF2-40B4-BE49-F238E27FC236}">
+                <a16:creationId xmlns:a16="http://schemas.microsoft.com/office/drawing/2014/main" id="{494115CD-29A4-0040-AA1C-A1F4B1B24BF0}"/>
+              </a:ext>
+            </a:extLst>
+          </p:cNvPr>
+          <p:cNvSpPr>
+            <a:spLocks noChangeArrowheads="1"/>
+          </p:cNvSpPr>
+          <p:nvPr/>
+        </p:nvSpPr>
+        <p:spPr bwMode="auto">
+          <a:xfrm>
+            <a:off x="2105915" y="1172696"/>
+            <a:ext cx="1813937" cy="307777"/>
+          </a:xfrm>
+          <a:prstGeom prst="rect">
+            <a:avLst/>
+          </a:prstGeom>
+          <a:noFill/>
+          <a:ln>
+            <a:noFill/>
+          </a:ln>
+          <a:effectLst/>
+          <a:extLst>
+            <a:ext uri="{909E8E84-426E-40DD-AFC4-6F175D3DCCD1}">
+              <a14:hiddenFill xmlns:a14="http://schemas.microsoft.com/office/drawing/2010/main">
+                <a:solidFill>
+                  <a:schemeClr val="accent1"/>
+                </a:solidFill>
+              </a14:hiddenFill>
+            </a:ext>
+            <a:ext uri="{91240B29-F687-4F45-9708-019B960494DF}">
+              <a14:hiddenLine xmlns:a14="http://schemas.microsoft.com/office/drawing/2010/main" w="9525">
+                <a:solidFill>
+                  <a:schemeClr val="tx1"/>
+                </a:solidFill>
+                <a:miter lim="800000"/>
+                <a:headEnd/>
+                <a:tailEnd/>
+              </a14:hiddenLine>
+            </a:ext>
+            <a:ext uri="{AF507438-7753-43E0-B8FC-AC1667EBCBE1}">
+              <a14:hiddenEffects xmlns:a14="http://schemas.microsoft.com/office/drawing/2010/main">
+                <a:effectLst>
+                  <a:outerShdw dist="35921" dir="2700000" algn="ctr" rotWithShape="0">
+                    <a:schemeClr val="bg2"/>
+                  </a:outerShdw>
+                </a:effectLst>
+              </a14:hiddenEffects>
+            </a:ext>
+          </a:extLst>
+        </p:spPr>
+        <p:txBody>
+          <a:bodyPr vert="horz" wrap="square" lIns="91440" tIns="45720" rIns="91440" bIns="45720" numCol="1" anchor="ctr" anchorCtr="0" compatLnSpc="1">
+            <a:prstTxWarp prst="textNoShape">
+              <a:avLst/>
+            </a:prstTxWarp>
+            <a:spAutoFit/>
+          </a:bodyPr>
+          <a:lstStyle/>
+          <a:p>
+            <a:pPr marL="0" marR="0" lvl="0" algn="l" defTabSz="914400" rtl="0" eaLnBrk="0" fontAlgn="base" latinLnBrk="0" hangingPunct="0">
+              <a:lnSpc>
+                <a:spcPct val="100000"/>
+              </a:lnSpc>
+              <a:spcBef>
+                <a:spcPct val="0"/>
+              </a:spcBef>
+              <a:spcAft>
+                <a:spcPct val="0"/>
+              </a:spcAft>
+              <a:buClrTx/>
+              <a:buSzTx/>
+              <a:buFontTx/>
+              <a:buNone/>
+              <a:tabLst/>
+            </a:pPr>
+            <a:r>
+              <a:rPr kumimoji="0" lang="zh-CN" altLang="en-US" sz="1400" b="1" i="0" u="none" strike="noStrike" cap="none" normalizeH="0" baseline="0" dirty="0">
+                <a:ln>
+                  <a:noFill/>
+                </a:ln>
+                <a:solidFill>
+                  <a:srgbClr val="000000"/>
+                </a:solidFill>
+                <a:effectLst/>
+                <a:latin typeface="微软雅黑" panose="020B0503020204020204" pitchFamily="34" charset="-122"/>
+                <a:ea typeface="微软雅黑" panose="020B0503020204020204" pitchFamily="34" charset="-122"/>
+                <a:cs typeface="Times New Roman" panose="02020603050405020304" pitchFamily="18" charset="0"/>
+              </a:rPr>
+              <a:t>读取数据</a:t>
+            </a:r>
+            <a:r>
+              <a:rPr lang="zh-CN" altLang="en-US" sz="1400" b="1" dirty="0">
+                <a:solidFill>
+                  <a:srgbClr val="000000"/>
+                </a:solidFill>
+                <a:latin typeface="微软雅黑" panose="020B0503020204020204" pitchFamily="34" charset="-122"/>
+                <a:ea typeface="微软雅黑" panose="020B0503020204020204" pitchFamily="34" charset="-122"/>
+                <a:cs typeface="Times New Roman" panose="02020603050405020304" pitchFamily="18" charset="0"/>
+              </a:rPr>
+              <a:t>和处理数据</a:t>
+            </a:r>
+            <a:endParaRPr kumimoji="0" lang="zh-CN" altLang="en-US" sz="800" b="1" i="0" u="none" strike="noStrike" cap="none" normalizeH="0" baseline="0" dirty="0">
+              <a:ln>
+                <a:noFill/>
+              </a:ln>
+              <a:solidFill>
+                <a:schemeClr val="tx1"/>
+              </a:solidFill>
+              <a:effectLst/>
+              <a:latin typeface="微软雅黑" panose="020B0503020204020204" pitchFamily="34" charset="-122"/>
+              <a:ea typeface="微软雅黑" panose="020B0503020204020204" pitchFamily="34" charset="-122"/>
+            </a:endParaRPr>
+          </a:p>
+        </p:txBody>
+      </p:sp>
+      <p:sp>
+        <p:nvSpPr>
+          <p:cNvPr id="14" name="Rectangle 9">
+            <a:extLst>
+              <a:ext uri="{FF2B5EF4-FFF2-40B4-BE49-F238E27FC236}">
+                <a16:creationId xmlns:a16="http://schemas.microsoft.com/office/drawing/2014/main" id="{6379788D-1712-F9A0-30C5-9C768F1C3BB7}"/>
+              </a:ext>
+            </a:extLst>
+          </p:cNvPr>
+          <p:cNvSpPr>
+            <a:spLocks noChangeArrowheads="1"/>
+          </p:cNvSpPr>
+          <p:nvPr/>
+        </p:nvSpPr>
+        <p:spPr bwMode="auto">
+          <a:xfrm>
+            <a:off x="5938541" y="3879057"/>
+            <a:ext cx="5666084" cy="307777"/>
+          </a:xfrm>
+          <a:prstGeom prst="rect">
+            <a:avLst/>
+          </a:prstGeom>
+          <a:noFill/>
+          <a:ln>
+            <a:noFill/>
+          </a:ln>
+          <a:effectLst/>
+          <a:extLst>
+            <a:ext uri="{909E8E84-426E-40DD-AFC4-6F175D3DCCD1}">
+              <a14:hiddenFill xmlns:a14="http://schemas.microsoft.com/office/drawing/2010/main">
+                <a:solidFill>
+                  <a:schemeClr val="accent1"/>
+                </a:solidFill>
+              </a14:hiddenFill>
+            </a:ext>
+            <a:ext uri="{91240B29-F687-4F45-9708-019B960494DF}">
+              <a14:hiddenLine xmlns:a14="http://schemas.microsoft.com/office/drawing/2010/main" w="9525">
+                <a:solidFill>
+                  <a:schemeClr val="tx1"/>
+                </a:solidFill>
+                <a:miter lim="800000"/>
+                <a:headEnd/>
+                <a:tailEnd/>
+              </a14:hiddenLine>
+            </a:ext>
+            <a:ext uri="{AF507438-7753-43E0-B8FC-AC1667EBCBE1}">
+              <a14:hiddenEffects xmlns:a14="http://schemas.microsoft.com/office/drawing/2010/main">
+                <a:effectLst>
+                  <a:outerShdw dist="35921" dir="2700000" algn="ctr" rotWithShape="0">
+                    <a:schemeClr val="bg2"/>
+                  </a:outerShdw>
+                </a:effectLst>
+              </a14:hiddenEffects>
+            </a:ext>
+          </a:extLst>
+        </p:spPr>
+        <p:txBody>
+          <a:bodyPr vert="horz" wrap="square" lIns="91440" tIns="45720" rIns="91440" bIns="45720" numCol="1" anchor="ctr" anchorCtr="0" compatLnSpc="1">
+            <a:prstTxWarp prst="textNoShape">
+              <a:avLst/>
+            </a:prstTxWarp>
+            <a:spAutoFit/>
+          </a:bodyPr>
+          <a:lstStyle/>
+          <a:p>
+            <a:pPr marL="0" marR="0" lvl="0" algn="l" defTabSz="914400" rtl="0" eaLnBrk="0" fontAlgn="base" latinLnBrk="0" hangingPunct="0">
+              <a:lnSpc>
+                <a:spcPct val="100000"/>
+              </a:lnSpc>
+              <a:spcBef>
+                <a:spcPct val="0"/>
+              </a:spcBef>
+              <a:spcAft>
+                <a:spcPct val="0"/>
+              </a:spcAft>
+              <a:buClrTx/>
+              <a:buSzTx/>
+              <a:buFontTx/>
+              <a:buNone/>
+              <a:tabLst/>
+            </a:pPr>
+            <a:r>
+              <a:rPr kumimoji="0" lang="zh-CN" altLang="en-US" sz="1400" b="1" i="0" u="none" strike="noStrike" cap="none" normalizeH="0" baseline="0" dirty="0">
+                <a:ln>
+                  <a:noFill/>
+                </a:ln>
+                <a:solidFill>
+                  <a:srgbClr val="000000"/>
+                </a:solidFill>
+                <a:effectLst/>
+                <a:latin typeface="微软雅黑" panose="020B0503020204020204" pitchFamily="34" charset="-122"/>
+                <a:ea typeface="微软雅黑" panose="020B0503020204020204" pitchFamily="34" charset="-122"/>
+                <a:cs typeface="Times New Roman" panose="02020603050405020304" pitchFamily="18" charset="0"/>
+              </a:rPr>
+              <a:t>调用</a:t>
+            </a:r>
+            <a:r>
+              <a:rPr kumimoji="0" lang="en-US" altLang="zh-CN" sz="1400" b="1" i="0" u="none" strike="noStrike" cap="none" normalizeH="0" baseline="0" dirty="0">
+                <a:ln>
+                  <a:noFill/>
+                </a:ln>
+                <a:solidFill>
+                  <a:srgbClr val="000000"/>
+                </a:solidFill>
+                <a:effectLst/>
+                <a:latin typeface="微软雅黑" panose="020B0503020204020204" pitchFamily="34" charset="-122"/>
+                <a:ea typeface="微软雅黑" panose="020B0503020204020204" pitchFamily="34" charset="-122"/>
+                <a:cs typeface="Times New Roman" panose="02020603050405020304" pitchFamily="18" charset="0"/>
+              </a:rPr>
+              <a:t>Lasso</a:t>
+            </a:r>
+            <a:r>
+              <a:rPr kumimoji="0" lang="zh-CN" altLang="en-US" sz="1400" b="1" i="0" u="none" strike="noStrike" cap="none" normalizeH="0" baseline="0" dirty="0">
+                <a:ln>
+                  <a:noFill/>
+                </a:ln>
+                <a:solidFill>
+                  <a:srgbClr val="000000"/>
+                </a:solidFill>
+                <a:effectLst/>
+                <a:latin typeface="微软雅黑" panose="020B0503020204020204" pitchFamily="34" charset="-122"/>
+                <a:ea typeface="微软雅黑" panose="020B0503020204020204" pitchFamily="34" charset="-122"/>
+                <a:cs typeface="Times New Roman" panose="02020603050405020304" pitchFamily="18" charset="0"/>
+              </a:rPr>
+              <a:t>模型，得到预测值</a:t>
+            </a:r>
+            <a:endParaRPr kumimoji="0" lang="zh-CN" altLang="en-US" sz="800" b="1" i="0" u="none" strike="noStrike" cap="none" normalizeH="0" baseline="0" dirty="0">
+              <a:ln>
+                <a:noFill/>
+              </a:ln>
+              <a:solidFill>
+                <a:schemeClr val="tx1"/>
+              </a:solidFill>
+              <a:effectLst/>
+              <a:latin typeface="微软雅黑" panose="020B0503020204020204" pitchFamily="34" charset="-122"/>
+              <a:ea typeface="微软雅黑" panose="020B0503020204020204" pitchFamily="34" charset="-122"/>
+            </a:endParaRPr>
+          </a:p>
+        </p:txBody>
+      </p:sp>
+      <p:pic>
+        <p:nvPicPr>
+          <p:cNvPr id="5" name="图片 4">
+            <a:extLst>
+              <a:ext uri="{FF2B5EF4-FFF2-40B4-BE49-F238E27FC236}">
+                <a16:creationId xmlns:a16="http://schemas.microsoft.com/office/drawing/2014/main" id="{F48BBA12-ED40-3387-E1AD-0F3160B63A73}"/>
+              </a:ext>
+            </a:extLst>
+          </p:cNvPr>
+          <p:cNvPicPr>
+            <a:picLocks noChangeAspect="1"/>
+          </p:cNvPicPr>
+          <p:nvPr/>
+        </p:nvPicPr>
+        <p:blipFill>
+          <a:blip r:embed="rId4"/>
+          <a:stretch>
+            <a:fillRect/>
+          </a:stretch>
+        </p:blipFill>
+        <p:spPr>
+          <a:xfrm>
+            <a:off x="795652" y="1580868"/>
+            <a:ext cx="3666122" cy="3245044"/>
+          </a:xfrm>
+          <a:prstGeom prst="rect">
+            <a:avLst/>
+          </a:prstGeom>
+        </p:spPr>
+      </p:pic>
+      <p:pic>
+        <p:nvPicPr>
+          <p:cNvPr id="7" name="图片 6">
+            <a:extLst>
+              <a:ext uri="{FF2B5EF4-FFF2-40B4-BE49-F238E27FC236}">
+                <a16:creationId xmlns:a16="http://schemas.microsoft.com/office/drawing/2014/main" id="{934AA8B5-4E10-CFB0-BB3D-7672A0579281}"/>
+              </a:ext>
+            </a:extLst>
+          </p:cNvPr>
+          <p:cNvPicPr>
+            <a:picLocks noChangeAspect="1"/>
+          </p:cNvPicPr>
+          <p:nvPr/>
+        </p:nvPicPr>
+        <p:blipFill>
+          <a:blip r:embed="rId5"/>
+          <a:stretch>
+            <a:fillRect/>
+          </a:stretch>
+        </p:blipFill>
+        <p:spPr>
+          <a:xfrm>
+            <a:off x="5686425" y="4312538"/>
+            <a:ext cx="5460079" cy="2265572"/>
+          </a:xfrm>
+          <a:prstGeom prst="rect">
+            <a:avLst/>
+          </a:prstGeom>
+        </p:spPr>
+      </p:pic>
+      <p:sp>
+        <p:nvSpPr>
+          <p:cNvPr id="10" name="文本框 9">
+            <a:extLst>
+              <a:ext uri="{FF2B5EF4-FFF2-40B4-BE49-F238E27FC236}">
+                <a16:creationId xmlns:a16="http://schemas.microsoft.com/office/drawing/2014/main" id="{7C8570EA-F7CD-79BD-F672-BD97AC2E9A02}"/>
+              </a:ext>
+            </a:extLst>
+          </p:cNvPr>
+          <p:cNvSpPr txBox="1"/>
+          <p:nvPr/>
+        </p:nvSpPr>
+        <p:spPr>
+          <a:xfrm>
+            <a:off x="7623985" y="1193181"/>
+            <a:ext cx="1584957" cy="307777"/>
+          </a:xfrm>
+          <a:prstGeom prst="rect">
+            <a:avLst/>
+          </a:prstGeom>
+          <a:noFill/>
+        </p:spPr>
+        <p:txBody>
+          <a:bodyPr wrap="square" rtlCol="0">
+            <a:spAutoFit/>
+          </a:bodyPr>
+          <a:lstStyle/>
+          <a:p>
+            <a:r>
+              <a:rPr lang="zh-CN" altLang="en-US" sz="1400" b="1" dirty="0">
+                <a:solidFill>
+                  <a:srgbClr val="000000"/>
+                </a:solidFill>
+                <a:latin typeface="微软雅黑" panose="020B0503020204020204" pitchFamily="34" charset="-122"/>
+                <a:ea typeface="微软雅黑" panose="020B0503020204020204" pitchFamily="34" charset="-122"/>
+                <a:cs typeface="Times New Roman" panose="02020603050405020304" pitchFamily="18" charset="0"/>
+              </a:rPr>
+              <a:t>选择合适的</a:t>
+            </a:r>
+            <a:r>
+              <a:rPr lang="en-US" altLang="zh-CN" sz="1400" b="1" dirty="0">
+                <a:solidFill>
+                  <a:srgbClr val="000000"/>
+                </a:solidFill>
+                <a:latin typeface="微软雅黑" panose="020B0503020204020204" pitchFamily="34" charset="-122"/>
+                <a:ea typeface="微软雅黑" panose="020B0503020204020204" pitchFamily="34" charset="-122"/>
+                <a:cs typeface="Times New Roman" panose="02020603050405020304" pitchFamily="18" charset="0"/>
+              </a:rPr>
+              <a:t>α</a:t>
+            </a:r>
+            <a:endParaRPr lang="zh-CN" altLang="en-US" sz="1400" b="1" dirty="0">
+              <a:solidFill>
+                <a:srgbClr val="000000"/>
+              </a:solidFill>
+              <a:latin typeface="微软雅黑" panose="020B0503020204020204" pitchFamily="34" charset="-122"/>
+              <a:ea typeface="微软雅黑" panose="020B0503020204020204" pitchFamily="34" charset="-122"/>
+              <a:cs typeface="Times New Roman" panose="02020603050405020304" pitchFamily="18" charset="0"/>
+            </a:endParaRPr>
+          </a:p>
+        </p:txBody>
+      </p:sp>
+      <p:pic>
+        <p:nvPicPr>
+          <p:cNvPr id="16" name="图片 15">
+            <a:extLst>
+              <a:ext uri="{FF2B5EF4-FFF2-40B4-BE49-F238E27FC236}">
+                <a16:creationId xmlns:a16="http://schemas.microsoft.com/office/drawing/2014/main" id="{4263BEAF-B31C-7B70-EAB1-8D1352F62F3C}"/>
+              </a:ext>
+            </a:extLst>
+          </p:cNvPr>
+          <p:cNvPicPr>
+            <a:picLocks noChangeAspect="1"/>
+          </p:cNvPicPr>
+          <p:nvPr/>
+        </p:nvPicPr>
+        <p:blipFill>
+          <a:blip r:embed="rId6"/>
+          <a:stretch>
+            <a:fillRect/>
+          </a:stretch>
+        </p:blipFill>
+        <p:spPr>
+          <a:xfrm>
+            <a:off x="5495925" y="1623550"/>
+            <a:ext cx="5338112" cy="2132914"/>
+          </a:xfrm>
+          <a:prstGeom prst="rect">
+            <a:avLst/>
+          </a:prstGeom>
+        </p:spPr>
+      </p:pic>
     </p:spTree>
+    <p:extLst>
+      <p:ext uri="{BB962C8B-B14F-4D97-AF65-F5344CB8AC3E}">
+        <p14:creationId xmlns:p14="http://schemas.microsoft.com/office/powerpoint/2010/main" val="3656010779"/>
+      </p:ext>
+    </p:extLst>
   </p:cSld>
   <p:clrMapOvr>
     <a:masterClrMapping/>
@@ -13599,7 +17107,7 @@
         <p:spPr>
           <a:xfrm>
             <a:off x="587375" y="600842"/>
-            <a:ext cx="1653017" cy="461665"/>
+            <a:ext cx="3547766" cy="461665"/>
           </a:xfrm>
           <a:prstGeom prst="rect">
             <a:avLst/>
@@ -13660,6 +17168,221 @@
                 <a:ea typeface="微软雅黑" panose="020B0503020204020204" pitchFamily="34" charset="-122"/>
               </a:rPr>
               <a:t>回归</a:t>
+            </a:r>
+            <a:r>
+              <a:rPr kumimoji="0" lang="en-US" altLang="zh-CN" sz="2400" b="1" i="0" u="none" strike="noStrike" kern="1200" cap="none" spc="0" normalizeH="0" baseline="0" noProof="0" dirty="0">
+                <a:ln>
+                  <a:noFill/>
+                </a:ln>
+                <a:solidFill>
+                  <a:prstClr val="black"/>
+                </a:solidFill>
+                <a:effectLst/>
+                <a:uLnTx/>
+                <a:uFillTx/>
+                <a:latin typeface="微软雅黑" panose="020B0503020204020204" pitchFamily="34" charset="-122"/>
+                <a:ea typeface="微软雅黑" panose="020B0503020204020204" pitchFamily="34" charset="-122"/>
+              </a:rPr>
+              <a:t>——</a:t>
+            </a:r>
+            <a:r>
+              <a:rPr kumimoji="0" lang="zh-CN" altLang="en-US" sz="2400" b="1" i="0" u="none" strike="noStrike" kern="1200" cap="none" spc="0" normalizeH="0" baseline="0" noProof="0" dirty="0">
+                <a:ln>
+                  <a:noFill/>
+                </a:ln>
+                <a:solidFill>
+                  <a:prstClr val="black"/>
+                </a:solidFill>
+                <a:effectLst/>
+                <a:uLnTx/>
+                <a:uFillTx/>
+                <a:latin typeface="微软雅黑" panose="020B0503020204020204" pitchFamily="34" charset="-122"/>
+                <a:ea typeface="微软雅黑" panose="020B0503020204020204" pitchFamily="34" charset="-122"/>
+              </a:rPr>
+              <a:t>运行结果</a:t>
+            </a:r>
+          </a:p>
+        </p:txBody>
+      </p:sp>
+      <p:pic>
+        <p:nvPicPr>
+          <p:cNvPr id="2" name="图片 1">
+            <a:extLst>
+              <a:ext uri="{FF2B5EF4-FFF2-40B4-BE49-F238E27FC236}">
+                <a16:creationId xmlns:a16="http://schemas.microsoft.com/office/drawing/2014/main" id="{4D4B1D06-345F-D787-AE8A-D78489611673}"/>
+              </a:ext>
+            </a:extLst>
+          </p:cNvPr>
+          <p:cNvPicPr>
+            <a:picLocks noChangeAspect="1"/>
+          </p:cNvPicPr>
+          <p:nvPr/>
+        </p:nvPicPr>
+        <p:blipFill>
+          <a:blip r:embed="rId4"/>
+          <a:stretch>
+            <a:fillRect/>
+          </a:stretch>
+        </p:blipFill>
+        <p:spPr>
+          <a:xfrm>
+            <a:off x="931862" y="3213100"/>
+            <a:ext cx="3989705" cy="2965450"/>
+          </a:xfrm>
+          <a:prstGeom prst="rect">
+            <a:avLst/>
+          </a:prstGeom>
+        </p:spPr>
+      </p:pic>
+      <p:pic>
+        <p:nvPicPr>
+          <p:cNvPr id="3" name="图片 2">
+            <a:extLst>
+              <a:ext uri="{FF2B5EF4-FFF2-40B4-BE49-F238E27FC236}">
+                <a16:creationId xmlns:a16="http://schemas.microsoft.com/office/drawing/2014/main" id="{BB97996B-22D5-85B5-7520-2C82346EC883}"/>
+              </a:ext>
+            </a:extLst>
+          </p:cNvPr>
+          <p:cNvPicPr>
+            <a:picLocks noChangeAspect="1"/>
+          </p:cNvPicPr>
+          <p:nvPr/>
+        </p:nvPicPr>
+        <p:blipFill>
+          <a:blip r:embed="rId5"/>
+          <a:stretch>
+            <a:fillRect/>
+          </a:stretch>
+        </p:blipFill>
+        <p:spPr>
+          <a:xfrm>
+            <a:off x="6358572" y="3213100"/>
+            <a:ext cx="3913505" cy="2981325"/>
+          </a:xfrm>
+          <a:prstGeom prst="rect">
+            <a:avLst/>
+          </a:prstGeom>
+        </p:spPr>
+      </p:pic>
+      <p:sp>
+        <p:nvSpPr>
+          <p:cNvPr id="5" name="文本框 4">
+            <a:extLst>
+              <a:ext uri="{FF2B5EF4-FFF2-40B4-BE49-F238E27FC236}">
+                <a16:creationId xmlns:a16="http://schemas.microsoft.com/office/drawing/2014/main" id="{335C38BB-00C2-D435-2493-479CB1343A4C}"/>
+              </a:ext>
+            </a:extLst>
+          </p:cNvPr>
+          <p:cNvSpPr txBox="1"/>
+          <p:nvPr/>
+        </p:nvSpPr>
+        <p:spPr>
+          <a:xfrm>
+            <a:off x="1485900" y="1546741"/>
+            <a:ext cx="3989705" cy="307777"/>
+          </a:xfrm>
+          <a:prstGeom prst="rect">
+            <a:avLst/>
+          </a:prstGeom>
+          <a:noFill/>
+        </p:spPr>
+        <p:txBody>
+          <a:bodyPr wrap="square" rtlCol="0">
+            <a:spAutoFit/>
+          </a:bodyPr>
+          <a:lstStyle/>
+          <a:p>
+            <a:r>
+              <a:rPr lang="zh-CN" altLang="en-US" sz="1400" b="1" dirty="0">
+                <a:latin typeface="微软雅黑" panose="020B0503020204020204" pitchFamily="34" charset="-122"/>
+                <a:ea typeface="微软雅黑" panose="020B0503020204020204" pitchFamily="34" charset="-122"/>
+              </a:rPr>
+              <a:t>选择合适的</a:t>
+            </a:r>
+            <a:r>
+              <a:rPr lang="en-US" altLang="zh-CN" sz="1400" b="1" dirty="0">
+                <a:latin typeface="微软雅黑" panose="020B0503020204020204" pitchFamily="34" charset="-122"/>
+                <a:ea typeface="微软雅黑" panose="020B0503020204020204" pitchFamily="34" charset="-122"/>
+              </a:rPr>
+              <a:t>α</a:t>
+            </a:r>
+            <a:r>
+              <a:rPr lang="zh-CN" altLang="en-US" sz="1400" b="1" dirty="0">
+                <a:latin typeface="微软雅黑" panose="020B0503020204020204" pitchFamily="34" charset="-122"/>
+                <a:ea typeface="微软雅黑" panose="020B0503020204020204" pitchFamily="34" charset="-122"/>
+              </a:rPr>
+              <a:t>，低谷在</a:t>
+            </a:r>
+            <a:r>
+              <a:rPr lang="en-US" altLang="zh-CN" sz="1400" b="1" dirty="0">
+                <a:latin typeface="微软雅黑" panose="020B0503020204020204" pitchFamily="34" charset="-122"/>
+                <a:ea typeface="微软雅黑" panose="020B0503020204020204" pitchFamily="34" charset="-122"/>
+              </a:rPr>
+              <a:t>100</a:t>
+            </a:r>
+            <a:r>
+              <a:rPr lang="zh-CN" altLang="en-US" sz="1400" b="1" dirty="0">
+                <a:latin typeface="微软雅黑" panose="020B0503020204020204" pitchFamily="34" charset="-122"/>
+                <a:ea typeface="微软雅黑" panose="020B0503020204020204" pitchFamily="34" charset="-122"/>
+              </a:rPr>
+              <a:t>左右</a:t>
+            </a:r>
+          </a:p>
+        </p:txBody>
+      </p:sp>
+      <p:sp>
+        <p:nvSpPr>
+          <p:cNvPr id="7" name="文本框 6">
+            <a:extLst>
+              <a:ext uri="{FF2B5EF4-FFF2-40B4-BE49-F238E27FC236}">
+                <a16:creationId xmlns:a16="http://schemas.microsoft.com/office/drawing/2014/main" id="{C7FE2FF0-05C5-6B10-5BF9-29D5FDC85516}"/>
+              </a:ext>
+            </a:extLst>
+          </p:cNvPr>
+          <p:cNvSpPr txBox="1"/>
+          <p:nvPr/>
+        </p:nvSpPr>
+        <p:spPr>
+          <a:xfrm>
+            <a:off x="6591300" y="1266825"/>
+            <a:ext cx="4486275" cy="1023742"/>
+          </a:xfrm>
+          <a:prstGeom prst="rect">
+            <a:avLst/>
+          </a:prstGeom>
+          <a:noFill/>
+        </p:spPr>
+        <p:txBody>
+          <a:bodyPr wrap="square" rtlCol="0">
+            <a:spAutoFit/>
+          </a:bodyPr>
+          <a:lstStyle/>
+          <a:p>
+            <a:pPr>
+              <a:lnSpc>
+                <a:spcPct val="150000"/>
+              </a:lnSpc>
+            </a:pPr>
+            <a:r>
+              <a:rPr lang="zh-CN" altLang="en-US" sz="1400" b="1" dirty="0">
+                <a:latin typeface="微软雅黑" panose="020B0503020204020204" pitchFamily="34" charset="-122"/>
+                <a:ea typeface="微软雅黑" panose="020B0503020204020204" pitchFamily="34" charset="-122"/>
+              </a:rPr>
+              <a:t>可以看见，在拟合的过程中，虽然方差只有</a:t>
+            </a:r>
+            <a:r>
+              <a:rPr lang="en-US" altLang="zh-CN" sz="1400" b="1" dirty="0">
+                <a:latin typeface="微软雅黑" panose="020B0503020204020204" pitchFamily="34" charset="-122"/>
+                <a:ea typeface="微软雅黑" panose="020B0503020204020204" pitchFamily="34" charset="-122"/>
+              </a:rPr>
+              <a:t>0.0572</a:t>
+            </a:r>
+            <a:r>
+              <a:rPr lang="zh-CN" altLang="en-US" sz="1400" b="1" dirty="0">
+                <a:latin typeface="微软雅黑" panose="020B0503020204020204" pitchFamily="34" charset="-122"/>
+                <a:ea typeface="微软雅黑" panose="020B0503020204020204" pitchFamily="34" charset="-122"/>
+              </a:rPr>
+              <a:t>，但其实偏差较大，同时拟合出的图形无法对毛刺波动有较好反应</a:t>
             </a:r>
           </a:p>
         </p:txBody>
@@ -15723,7 +19446,7 @@
             <p:spPr>
               <a:xfrm>
                 <a:off x="2189582" y="1306624"/>
-                <a:ext cx="7899919" cy="5588005"/>
+                <a:ext cx="7899919" cy="5263364"/>
               </a:xfrm>
               <a:prstGeom prst="rect">
                 <a:avLst/>
@@ -15738,7 +19461,7 @@
               <a:p>
                 <a:pPr indent="292100" algn="just">
                   <a:lnSpc>
-                    <a:spcPct val="160000"/>
+                    <a:spcPct val="150000"/>
                   </a:lnSpc>
                 </a:pPr>
                 <a14:m>
@@ -15779,7 +19502,7 @@
               <a:p>
                 <a:pPr indent="292100" algn="just">
                   <a:lnSpc>
-                    <a:spcPct val="160000"/>
+                    <a:spcPct val="150000"/>
                   </a:lnSpc>
                 </a:pPr>
                 <a:r>
@@ -15807,7 +19530,7 @@
               <a:p>
                 <a:pPr indent="292100" algn="just">
                   <a:lnSpc>
-                    <a:spcPct val="160000"/>
+                    <a:spcPct val="150000"/>
                   </a:lnSpc>
                 </a:pPr>
                 <a14:m>
@@ -16255,7 +19978,7 @@
               <a:p>
                 <a:pPr indent="292100" algn="just">
                   <a:lnSpc>
-                    <a:spcPct val="160000"/>
+                    <a:spcPct val="150000"/>
                   </a:lnSpc>
                 </a:pPr>
                 <a14:m>
@@ -16694,7 +20417,7 @@
               <a:p>
                 <a:pPr indent="292100" algn="just">
                   <a:lnSpc>
-                    <a:spcPct val="160000"/>
+                    <a:spcPct val="150000"/>
                   </a:lnSpc>
                 </a:pPr>
                 <a:r>
@@ -16719,7 +20442,7 @@
               <a:p>
                 <a:pPr algn="just">
                   <a:lnSpc>
-                    <a:spcPct val="160000"/>
+                    <a:spcPct val="150000"/>
                   </a:lnSpc>
                 </a:pPr>
                 <a14:m>
@@ -16977,7 +20700,7 @@
               <a:p>
                 <a:pPr indent="292100" algn="just">
                   <a:lnSpc>
-                    <a:spcPct val="160000"/>
+                    <a:spcPct val="150000"/>
                   </a:lnSpc>
                 </a:pPr>
                 <a14:m>
@@ -17189,7 +20912,7 @@
             <p:spPr>
               <a:xfrm>
                 <a:off x="2189582" y="1306624"/>
-                <a:ext cx="7899919" cy="5588005"/>
+                <a:ext cx="7899919" cy="5263364"/>
               </a:xfrm>
               <a:prstGeom prst="rect">
                 <a:avLst/>
@@ -23852,7 +27575,7 @@
         <p:spPr>
           <a:xfrm>
             <a:off x="6562988" y="1490746"/>
-            <a:ext cx="2977251" cy="707886"/>
+            <a:ext cx="3328498" cy="707886"/>
           </a:xfrm>
           <a:prstGeom prst="rect">
             <a:avLst/>
@@ -23916,7 +27639,27 @@
                 <a:latin typeface="微软雅黑" panose="020B0503020204020204" pitchFamily="34" charset="-122"/>
                 <a:ea typeface="微软雅黑" panose="020B0503020204020204" pitchFamily="34" charset="-122"/>
               </a:rPr>
-              <a:t>、文字报告</a:t>
+              <a:t>、文字报告、</a:t>
+            </a:r>
+            <a:r>
+              <a:rPr lang="en-US" altLang="zh-CN" sz="2000" dirty="0">
+                <a:solidFill>
+                  <a:prstClr val="black"/>
+                </a:solidFill>
+                <a:latin typeface="微软雅黑" panose="020B0503020204020204" pitchFamily="34" charset="-122"/>
+                <a:ea typeface="微软雅黑" panose="020B0503020204020204" pitchFamily="34" charset="-122"/>
+              </a:rPr>
+              <a:t>PPT</a:t>
+            </a:r>
+            <a:r>
+              <a:rPr lang="zh-CN" altLang="en-US" sz="2000" dirty="0">
+                <a:solidFill>
+                  <a:prstClr val="black"/>
+                </a:solidFill>
+                <a:latin typeface="微软雅黑" panose="020B0503020204020204" pitchFamily="34" charset="-122"/>
+                <a:ea typeface="微软雅黑" panose="020B0503020204020204" pitchFamily="34" charset="-122"/>
+              </a:rPr>
+              <a:t>汇总</a:t>
             </a:r>
             <a:endParaRPr kumimoji="0" lang="en-US" altLang="zh-CN" sz="2000" b="0" i="0" u="none" strike="noStrike" kern="1200" cap="none" spc="0" normalizeH="0" baseline="0" noProof="0" dirty="0">
               <a:ln>
@@ -25168,7 +28911,7 @@
         <p:spPr>
           <a:xfrm>
             <a:off x="6562744" y="3199635"/>
-            <a:ext cx="2977251" cy="707886"/>
+            <a:ext cx="3328498" cy="1015663"/>
           </a:xfrm>
           <a:prstGeom prst="rect">
             <a:avLst/>
@@ -25264,7 +29007,7 @@
                 <a:latin typeface="微软雅黑" panose="020B0503020204020204" pitchFamily="34" charset="-122"/>
                 <a:ea typeface="微软雅黑" panose="020B0503020204020204" pitchFamily="34" charset="-122"/>
               </a:rPr>
-              <a:t>、文字报告</a:t>
+              <a:t>、文字报告、文字报告汇总</a:t>
             </a:r>
             <a:endParaRPr kumimoji="0" lang="en-US" altLang="zh-CN" sz="2000" b="0" i="0" u="none" strike="noStrike" kern="1200" cap="none" spc="0" normalizeH="0" baseline="0" noProof="0" dirty="0">
               <a:ln>
@@ -25328,16 +29071,6 @@
               <a:defRPr/>
             </a:pPr>
             <a:r>
-              <a:rPr lang="zh-CN" altLang="en-US" sz="2000">
-                <a:solidFill>
-                  <a:prstClr val="black"/>
-                </a:solidFill>
-                <a:latin typeface="微软雅黑" panose="020B0503020204020204" pitchFamily="34" charset="-122"/>
-                <a:ea typeface="微软雅黑" panose="020B0503020204020204" pitchFamily="34" charset="-122"/>
-              </a:rPr>
-              <a:t>问题介绍、</a:t>
-            </a:r>
-            <a:r>
               <a:rPr lang="zh-CN" altLang="en-US" sz="2000" dirty="0">
                 <a:solidFill>
                   <a:prstClr val="black"/>
@@ -25345,7 +29078,7 @@
                 <a:latin typeface="微软雅黑" panose="020B0503020204020204" pitchFamily="34" charset="-122"/>
                 <a:ea typeface="微软雅黑" panose="020B0503020204020204" pitchFamily="34" charset="-122"/>
               </a:rPr>
-              <a:t>数据处理、</a:t>
+              <a:t>问题介绍、数据处理、</a:t>
             </a:r>
             <a:r>
               <a:rPr kumimoji="0" lang="en-US" altLang="zh-CN" sz="2000" b="0" i="0" u="none" strike="noStrike" kern="1200" cap="none" spc="0" normalizeH="0" baseline="0" noProof="0" dirty="0">
@@ -35141,8 +38874,8 @@
           </a:fontRef>
         </p:style>
       </p:cxnSp>
-      <mc:AlternateContent xmlns:mc="http://schemas.openxmlformats.org/markup-compatibility/2006">
-        <mc:Choice xmlns:a14="http://schemas.microsoft.com/office/drawing/2010/main" Requires="a14">
+      <mc:AlternateContent xmlns:mc="http://schemas.openxmlformats.org/markup-compatibility/2006" xmlns:a14="http://schemas.microsoft.com/office/drawing/2010/main">
+        <mc:Choice Requires="a14">
           <p:sp>
             <p:nvSpPr>
               <p:cNvPr id="6" name="文本框 5">
@@ -35316,7 +39049,7 @@
             </p:txBody>
           </p:sp>
         </mc:Choice>
-        <mc:Fallback>
+        <mc:Fallback xmlns="">
           <p:sp>
             <p:nvSpPr>
               <p:cNvPr id="6" name="文本框 5">

--- a/PPT+Word/智能制造质量预测.pptx
+++ b/PPT+Word/智能制造质量预测.pptx
@@ -339,7 +339,7 @@
           <a:p>
             <a:fld id="{AA5DF391-C7C7-45FD-9C11-539A1B550E1A}" type="datetimeFigureOut">
               <a:rPr lang="zh-CN" altLang="en-US" smtClean="0"/>
-              <a:t>2023/11/10</a:t>
+              <a:t>2023/11/11</a:t>
             </a:fld>
             <a:endParaRPr lang="zh-CN" altLang="en-US"/>
           </a:p>
@@ -537,7 +537,7 @@
           <a:p>
             <a:fld id="{AA5DF391-C7C7-45FD-9C11-539A1B550E1A}" type="datetimeFigureOut">
               <a:rPr lang="zh-CN" altLang="en-US" smtClean="0"/>
-              <a:t>2023/11/10</a:t>
+              <a:t>2023/11/11</a:t>
             </a:fld>
             <a:endParaRPr lang="zh-CN" altLang="en-US"/>
           </a:p>
@@ -745,7 +745,7 @@
           <a:p>
             <a:fld id="{AA5DF391-C7C7-45FD-9C11-539A1B550E1A}" type="datetimeFigureOut">
               <a:rPr lang="zh-CN" altLang="en-US" smtClean="0"/>
-              <a:t>2023/11/10</a:t>
+              <a:t>2023/11/11</a:t>
             </a:fld>
             <a:endParaRPr lang="zh-CN" altLang="en-US"/>
           </a:p>
@@ -943,7 +943,7 @@
           <a:p>
             <a:fld id="{AA5DF391-C7C7-45FD-9C11-539A1B550E1A}" type="datetimeFigureOut">
               <a:rPr lang="zh-CN" altLang="en-US" smtClean="0"/>
-              <a:t>2023/11/10</a:t>
+              <a:t>2023/11/11</a:t>
             </a:fld>
             <a:endParaRPr lang="zh-CN" altLang="en-US"/>
           </a:p>
@@ -1218,7 +1218,7 @@
           <a:p>
             <a:fld id="{AA5DF391-C7C7-45FD-9C11-539A1B550E1A}" type="datetimeFigureOut">
               <a:rPr lang="zh-CN" altLang="en-US" smtClean="0"/>
-              <a:t>2023/11/10</a:t>
+              <a:t>2023/11/11</a:t>
             </a:fld>
             <a:endParaRPr lang="zh-CN" altLang="en-US"/>
           </a:p>
@@ -1483,7 +1483,7 @@
           <a:p>
             <a:fld id="{AA5DF391-C7C7-45FD-9C11-539A1B550E1A}" type="datetimeFigureOut">
               <a:rPr lang="zh-CN" altLang="en-US" smtClean="0"/>
-              <a:t>2023/11/10</a:t>
+              <a:t>2023/11/11</a:t>
             </a:fld>
             <a:endParaRPr lang="zh-CN" altLang="en-US"/>
           </a:p>
@@ -1895,7 +1895,7 @@
           <a:p>
             <a:fld id="{AA5DF391-C7C7-45FD-9C11-539A1B550E1A}" type="datetimeFigureOut">
               <a:rPr lang="zh-CN" altLang="en-US" smtClean="0"/>
-              <a:t>2023/11/10</a:t>
+              <a:t>2023/11/11</a:t>
             </a:fld>
             <a:endParaRPr lang="zh-CN" altLang="en-US"/>
           </a:p>
@@ -2036,7 +2036,7 @@
           <a:p>
             <a:fld id="{AA5DF391-C7C7-45FD-9C11-539A1B550E1A}" type="datetimeFigureOut">
               <a:rPr lang="zh-CN" altLang="en-US" smtClean="0"/>
-              <a:t>2023/11/10</a:t>
+              <a:t>2023/11/11</a:t>
             </a:fld>
             <a:endParaRPr lang="zh-CN" altLang="en-US"/>
           </a:p>
@@ -2149,7 +2149,7 @@
           <a:p>
             <a:fld id="{AA5DF391-C7C7-45FD-9C11-539A1B550E1A}" type="datetimeFigureOut">
               <a:rPr lang="zh-CN" altLang="en-US" smtClean="0"/>
-              <a:t>2023/11/10</a:t>
+              <a:t>2023/11/11</a:t>
             </a:fld>
             <a:endParaRPr lang="zh-CN" altLang="en-US"/>
           </a:p>
@@ -2460,7 +2460,7 @@
           <a:p>
             <a:fld id="{AA5DF391-C7C7-45FD-9C11-539A1B550E1A}" type="datetimeFigureOut">
               <a:rPr lang="zh-CN" altLang="en-US" smtClean="0"/>
-              <a:t>2023/11/10</a:t>
+              <a:t>2023/11/11</a:t>
             </a:fld>
             <a:endParaRPr lang="zh-CN" altLang="en-US"/>
           </a:p>
@@ -2748,7 +2748,7 @@
           <a:p>
             <a:fld id="{AA5DF391-C7C7-45FD-9C11-539A1B550E1A}" type="datetimeFigureOut">
               <a:rPr lang="zh-CN" altLang="en-US" smtClean="0"/>
-              <a:t>2023/11/10</a:t>
+              <a:t>2023/11/11</a:t>
             </a:fld>
             <a:endParaRPr lang="zh-CN" altLang="en-US"/>
           </a:p>
@@ -2989,7 +2989,7 @@
           <a:p>
             <a:fld id="{AA5DF391-C7C7-45FD-9C11-539A1B550E1A}" type="datetimeFigureOut">
               <a:rPr lang="zh-CN" altLang="en-US" smtClean="0"/>
-              <a:t>2023/11/10</a:t>
+              <a:t>2023/11/11</a:t>
             </a:fld>
             <a:endParaRPr lang="zh-CN" altLang="en-US"/>
           </a:p>
@@ -15169,8 +15169,8 @@
           </a:p>
         </p:txBody>
       </p:sp>
-      <mc:AlternateContent xmlns:mc="http://schemas.openxmlformats.org/markup-compatibility/2006">
-        <mc:Choice xmlns:a14="http://schemas.microsoft.com/office/drawing/2010/main" Requires="a14">
+      <mc:AlternateContent xmlns:mc="http://schemas.openxmlformats.org/markup-compatibility/2006" xmlns:a14="http://schemas.microsoft.com/office/drawing/2010/main">
+        <mc:Choice Requires="a14">
           <p:sp>
             <p:nvSpPr>
               <p:cNvPr id="2" name="文本框 1">
@@ -15902,7 +15902,7 @@
             </p:txBody>
           </p:sp>
         </mc:Choice>
-        <mc:Fallback>
+        <mc:Fallback xmlns="">
           <p:sp>
             <p:nvSpPr>
               <p:cNvPr id="2" name="文本框 1">
@@ -16029,8 +16029,8 @@
           </a:ln>
         </p:spPr>
       </p:pic>
-      <mc:AlternateContent xmlns:mc="http://schemas.openxmlformats.org/markup-compatibility/2006">
-        <mc:Choice xmlns:a14="http://schemas.microsoft.com/office/drawing/2010/main" Requires="a14">
+      <mc:AlternateContent xmlns:mc="http://schemas.openxmlformats.org/markup-compatibility/2006" xmlns:a14="http://schemas.microsoft.com/office/drawing/2010/main">
+        <mc:Choice Requires="a14">
           <p:sp>
             <p:nvSpPr>
               <p:cNvPr id="10" name="文本框 9">
@@ -16179,7 +16179,7 @@
             </p:txBody>
           </p:sp>
         </mc:Choice>
-        <mc:Fallback>
+        <mc:Fallback xmlns="">
           <p:sp>
             <p:nvSpPr>
               <p:cNvPr id="10" name="文本框 9">
@@ -19429,8 +19429,8 @@
           </a:p>
         </p:txBody>
       </p:sp>
-      <mc:AlternateContent xmlns:mc="http://schemas.openxmlformats.org/markup-compatibility/2006">
-        <mc:Choice xmlns:a14="http://schemas.microsoft.com/office/drawing/2010/main" Requires="a14">
+      <mc:AlternateContent xmlns:mc="http://schemas.openxmlformats.org/markup-compatibility/2006" xmlns:a14="http://schemas.microsoft.com/office/drawing/2010/main">
+        <mc:Choice Requires="a14">
           <p:sp>
             <p:nvSpPr>
               <p:cNvPr id="4" name="文本框 3">
@@ -20894,7 +20894,7 @@
             </p:txBody>
           </p:sp>
         </mc:Choice>
-        <mc:Fallback>
+        <mc:Fallback xmlns="">
           <p:sp>
             <p:nvSpPr>
               <p:cNvPr id="4" name="文本框 3">
@@ -22826,8 +22826,8 @@
           </a:p>
         </p:txBody>
       </p:sp>
-      <mc:AlternateContent xmlns:mc="http://schemas.openxmlformats.org/markup-compatibility/2006">
-        <mc:Choice xmlns:a14="http://schemas.microsoft.com/office/drawing/2010/main" Requires="a14">
+      <mc:AlternateContent xmlns:mc="http://schemas.openxmlformats.org/markup-compatibility/2006" xmlns:a14="http://schemas.microsoft.com/office/drawing/2010/main">
+        <mc:Choice Requires="a14">
           <p:sp>
             <p:nvSpPr>
               <p:cNvPr id="4" name="文本框 3">
@@ -23200,7 +23200,7 @@
             </p:txBody>
           </p:sp>
         </mc:Choice>
-        <mc:Fallback>
+        <mc:Fallback xmlns="">
           <p:sp>
             <p:nvSpPr>
               <p:cNvPr id="4" name="文本框 3">
@@ -27639,7 +27639,7 @@
                 <a:latin typeface="微软雅黑" panose="020B0503020204020204" pitchFamily="34" charset="-122"/>
                 <a:ea typeface="微软雅黑" panose="020B0503020204020204" pitchFamily="34" charset="-122"/>
               </a:rPr>
-              <a:t>、文字报告、</a:t>
+              <a:t>、文字报告，</a:t>
             </a:r>
             <a:r>
               <a:rPr lang="en-US" altLang="zh-CN" sz="2000" dirty="0">
@@ -29007,7 +29007,7 @@
                 <a:latin typeface="微软雅黑" panose="020B0503020204020204" pitchFamily="34" charset="-122"/>
                 <a:ea typeface="微软雅黑" panose="020B0503020204020204" pitchFamily="34" charset="-122"/>
               </a:rPr>
-              <a:t>、文字报告、文字报告汇总</a:t>
+              <a:t>、文字报告，文字报告汇总</a:t>
             </a:r>
             <a:endParaRPr kumimoji="0" lang="en-US" altLang="zh-CN" sz="2000" b="0" i="0" u="none" strike="noStrike" kern="1200" cap="none" spc="0" normalizeH="0" baseline="0" noProof="0" dirty="0">
               <a:ln>
